--- a/Hackathon.pptx
+++ b/Hackathon.pptx
@@ -1,34 +1,34 @@
 
 <file path=ppt/presentation.xml><?xml version="1.0" encoding="utf-8"?>
-<p:presentation xmlns:a="http://schemas.openxmlformats.org/drawingml/2006/main" xmlns:r="http://schemas.openxmlformats.org/officeDocument/2006/relationships" xmlns:mc="http://schemas.openxmlformats.org/markup-compatibility/2006" xmlns:mv="urn:schemas-microsoft-com:mac:vml" xmlns:p="http://schemas.openxmlformats.org/presentationml/2006/main" xmlns:c="http://schemas.openxmlformats.org/drawingml/2006/chart" xmlns:dgm="http://schemas.openxmlformats.org/drawingml/2006/diagram" xmlns:o="urn:schemas-microsoft-com:office:office" xmlns:v="urn:schemas-microsoft-com:vml" xmlns:pvml="urn:schemas-microsoft-com:office:powerpoint" xmlns:com="http://schemas.openxmlformats.org/drawingml/2006/compatibility" xmlns:p14="http://schemas.microsoft.com/office/powerpoint/2010/main" xmlns:p15="http://schemas.microsoft.com/office/powerpoint/2012/main" autoCompressPictures="0" embedTrueTypeFonts="1" strictFirstAndLastChars="0" saveSubsetFonts="1">
+<p:presentation xmlns:a="http://schemas.openxmlformats.org/drawingml/2006/main" xmlns:r="http://schemas.openxmlformats.org/officeDocument/2006/relationships" xmlns:p="http://schemas.openxmlformats.org/presentationml/2006/main" strictFirstAndLastChars="0" embedTrueTypeFonts="1" saveSubsetFonts="1" autoCompressPictures="0">
   <p:sldMasterIdLst>
-    <p:sldMasterId id="2147483659" r:id="rId4"/>
+    <p:sldMasterId id="2147483659" r:id="rId1"/>
   </p:sldMasterIdLst>
   <p:notesMasterIdLst>
-    <p:notesMasterId r:id="rId5"/>
+    <p:notesMasterId r:id="rId7"/>
   </p:notesMasterIdLst>
   <p:sldIdLst>
-    <p:sldId id="256" r:id="rId6"/>
-    <p:sldId id="257" r:id="rId7"/>
-    <p:sldId id="258" r:id="rId8"/>
-    <p:sldId id="259" r:id="rId9"/>
-    <p:sldId id="260" r:id="rId10"/>
+    <p:sldId id="256" r:id="rId2"/>
+    <p:sldId id="257" r:id="rId3"/>
+    <p:sldId id="258" r:id="rId4"/>
+    <p:sldId id="259" r:id="rId5"/>
+    <p:sldId id="260" r:id="rId6"/>
   </p:sldIdLst>
-  <p:sldSz cy="5143500" cx="9144000"/>
+  <p:sldSz cx="9144000" cy="5143500" type="screen16x9"/>
   <p:notesSz cx="6858000" cy="9144000"/>
   <p:embeddedFontLst>
     <p:embeddedFont>
-      <p:font typeface="Average"/>
-      <p:regular r:id="rId11"/>
+      <p:font typeface="Average" panose="020B0600000101010101" charset="0"/>
+      <p:regular r:id="rId8"/>
     </p:embeddedFont>
     <p:embeddedFont>
-      <p:font typeface="Oswald"/>
-      <p:regular r:id="rId12"/>
-      <p:bold r:id="rId13"/>
+      <p:font typeface="Oswald" panose="020B0600000101010101" charset="0"/>
+      <p:regular r:id="rId9"/>
+      <p:bold r:id="rId10"/>
     </p:embeddedFont>
   </p:embeddedFontLst>
   <p:defaultTextStyle>
-    <a:defPPr lvl="0" marR="0" rtl="0" algn="l">
+    <a:defPPr marR="0" lvl="0" algn="l" rtl="0">
       <a:lnSpc>
         <a:spcPct val="100000"/>
       </a:lnSpc>
@@ -39,7 +39,7 @@
         <a:spcPts val="0"/>
       </a:spcAft>
     </a:defPPr>
-    <a:lvl1pPr lvl="0" marR="0" rtl="0" algn="l">
+    <a:lvl1pPr marR="0" lvl="0" algn="l" rtl="0">
       <a:lnSpc>
         <a:spcPct val="100000"/>
       </a:lnSpc>
@@ -53,7 +53,7 @@
         <a:srgbClr val="000000"/>
       </a:buClr>
       <a:buFont typeface="Arial"/>
-      <a:defRPr b="0" i="0" sz="1400" u="none" cap="none" strike="noStrike">
+      <a:defRPr sz="1400" b="0" i="0" u="none" strike="noStrike" cap="none">
         <a:solidFill>
           <a:srgbClr val="000000"/>
         </a:solidFill>
@@ -63,7 +63,7 @@
         <a:sym typeface="Arial"/>
       </a:defRPr>
     </a:lvl1pPr>
-    <a:lvl2pPr lvl="1" marR="0" rtl="0" algn="l">
+    <a:lvl2pPr marR="0" lvl="1" algn="l" rtl="0">
       <a:lnSpc>
         <a:spcPct val="100000"/>
       </a:lnSpc>
@@ -77,7 +77,7 @@
         <a:srgbClr val="000000"/>
       </a:buClr>
       <a:buFont typeface="Arial"/>
-      <a:defRPr b="0" i="0" sz="1400" u="none" cap="none" strike="noStrike">
+      <a:defRPr sz="1400" b="0" i="0" u="none" strike="noStrike" cap="none">
         <a:solidFill>
           <a:srgbClr val="000000"/>
         </a:solidFill>
@@ -87,7 +87,7 @@
         <a:sym typeface="Arial"/>
       </a:defRPr>
     </a:lvl2pPr>
-    <a:lvl3pPr lvl="2" marR="0" rtl="0" algn="l">
+    <a:lvl3pPr marR="0" lvl="2" algn="l" rtl="0">
       <a:lnSpc>
         <a:spcPct val="100000"/>
       </a:lnSpc>
@@ -101,7 +101,7 @@
         <a:srgbClr val="000000"/>
       </a:buClr>
       <a:buFont typeface="Arial"/>
-      <a:defRPr b="0" i="0" sz="1400" u="none" cap="none" strike="noStrike">
+      <a:defRPr sz="1400" b="0" i="0" u="none" strike="noStrike" cap="none">
         <a:solidFill>
           <a:srgbClr val="000000"/>
         </a:solidFill>
@@ -111,7 +111,7 @@
         <a:sym typeface="Arial"/>
       </a:defRPr>
     </a:lvl3pPr>
-    <a:lvl4pPr lvl="3" marR="0" rtl="0" algn="l">
+    <a:lvl4pPr marR="0" lvl="3" algn="l" rtl="0">
       <a:lnSpc>
         <a:spcPct val="100000"/>
       </a:lnSpc>
@@ -125,7 +125,7 @@
         <a:srgbClr val="000000"/>
       </a:buClr>
       <a:buFont typeface="Arial"/>
-      <a:defRPr b="0" i="0" sz="1400" u="none" cap="none" strike="noStrike">
+      <a:defRPr sz="1400" b="0" i="0" u="none" strike="noStrike" cap="none">
         <a:solidFill>
           <a:srgbClr val="000000"/>
         </a:solidFill>
@@ -135,7 +135,7 @@
         <a:sym typeface="Arial"/>
       </a:defRPr>
     </a:lvl4pPr>
-    <a:lvl5pPr lvl="4" marR="0" rtl="0" algn="l">
+    <a:lvl5pPr marR="0" lvl="4" algn="l" rtl="0">
       <a:lnSpc>
         <a:spcPct val="100000"/>
       </a:lnSpc>
@@ -149,7 +149,7 @@
         <a:srgbClr val="000000"/>
       </a:buClr>
       <a:buFont typeface="Arial"/>
-      <a:defRPr b="0" i="0" sz="1400" u="none" cap="none" strike="noStrike">
+      <a:defRPr sz="1400" b="0" i="0" u="none" strike="noStrike" cap="none">
         <a:solidFill>
           <a:srgbClr val="000000"/>
         </a:solidFill>
@@ -159,7 +159,7 @@
         <a:sym typeface="Arial"/>
       </a:defRPr>
     </a:lvl5pPr>
-    <a:lvl6pPr lvl="5" marR="0" rtl="0" algn="l">
+    <a:lvl6pPr marR="0" lvl="5" algn="l" rtl="0">
       <a:lnSpc>
         <a:spcPct val="100000"/>
       </a:lnSpc>
@@ -173,7 +173,7 @@
         <a:srgbClr val="000000"/>
       </a:buClr>
       <a:buFont typeface="Arial"/>
-      <a:defRPr b="0" i="0" sz="1400" u="none" cap="none" strike="noStrike">
+      <a:defRPr sz="1400" b="0" i="0" u="none" strike="noStrike" cap="none">
         <a:solidFill>
           <a:srgbClr val="000000"/>
         </a:solidFill>
@@ -183,7 +183,7 @@
         <a:sym typeface="Arial"/>
       </a:defRPr>
     </a:lvl6pPr>
-    <a:lvl7pPr lvl="6" marR="0" rtl="0" algn="l">
+    <a:lvl7pPr marR="0" lvl="6" algn="l" rtl="0">
       <a:lnSpc>
         <a:spcPct val="100000"/>
       </a:lnSpc>
@@ -197,7 +197,7 @@
         <a:srgbClr val="000000"/>
       </a:buClr>
       <a:buFont typeface="Arial"/>
-      <a:defRPr b="0" i="0" sz="1400" u="none" cap="none" strike="noStrike">
+      <a:defRPr sz="1400" b="0" i="0" u="none" strike="noStrike" cap="none">
         <a:solidFill>
           <a:srgbClr val="000000"/>
         </a:solidFill>
@@ -207,7 +207,7 @@
         <a:sym typeface="Arial"/>
       </a:defRPr>
     </a:lvl7pPr>
-    <a:lvl8pPr lvl="7" marR="0" rtl="0" algn="l">
+    <a:lvl8pPr marR="0" lvl="7" algn="l" rtl="0">
       <a:lnSpc>
         <a:spcPct val="100000"/>
       </a:lnSpc>
@@ -221,7 +221,7 @@
         <a:srgbClr val="000000"/>
       </a:buClr>
       <a:buFont typeface="Arial"/>
-      <a:defRPr b="0" i="0" sz="1400" u="none" cap="none" strike="noStrike">
+      <a:defRPr sz="1400" b="0" i="0" u="none" strike="noStrike" cap="none">
         <a:solidFill>
           <a:srgbClr val="000000"/>
         </a:solidFill>
@@ -231,7 +231,7 @@
         <a:sym typeface="Arial"/>
       </a:defRPr>
     </a:lvl8pPr>
-    <a:lvl9pPr lvl="8" marR="0" rtl="0" algn="l">
+    <a:lvl9pPr marR="0" lvl="8" algn="l" rtl="0">
       <a:lnSpc>
         <a:spcPct val="100000"/>
       </a:lnSpc>
@@ -245,7 +245,7 @@
         <a:srgbClr val="000000"/>
       </a:buClr>
       <a:buFont typeface="Arial"/>
-      <a:defRPr b="0" i="0" sz="1400" u="none" cap="none" strike="noStrike">
+      <a:defRPr sz="1400" b="0" i="0" u="none" strike="noStrike" cap="none">
         <a:solidFill>
           <a:srgbClr val="000000"/>
         </a:solidFill>
@@ -258,7 +258,7 @@
   </p:defaultTextStyle>
   <p:extLst>
     <p:ext uri="{EFAFB233-063F-42B5-8137-9DF3F51BA10A}">
-      <p15:sldGuideLst>
+      <p15:sldGuideLst xmlns:p15="http://schemas.microsoft.com/office/powerpoint/2012/main">
         <p15:guide id="1" orient="horz" pos="1620">
           <p15:clr>
             <a:srgbClr val="A4A3A4"/>
@@ -276,11 +276,16 @@
 </file>
 
 <file path=ppt/notesMasters/notesMaster1.xml><?xml version="1.0" encoding="utf-8"?>
-<p:notesMaster xmlns:a="http://schemas.openxmlformats.org/drawingml/2006/main" xmlns:r="http://schemas.openxmlformats.org/officeDocument/2006/relationships" xmlns:mc="http://schemas.openxmlformats.org/markup-compatibility/2006" xmlns:mv="urn:schemas-microsoft-com:mac:vml" xmlns:p="http://schemas.openxmlformats.org/presentationml/2006/main" xmlns:c="http://schemas.openxmlformats.org/drawingml/2006/chart" xmlns:dgm="http://schemas.openxmlformats.org/drawingml/2006/diagram" xmlns:o="urn:schemas-microsoft-com:office:office" xmlns:v="urn:schemas-microsoft-com:vml" xmlns:pvml="urn:schemas-microsoft-com:office:powerpoint" xmlns:com="http://schemas.openxmlformats.org/drawingml/2006/compatibility" xmlns:p14="http://schemas.microsoft.com/office/powerpoint/2010/main" xmlns:p15="http://schemas.microsoft.com/office/powerpoint/2012/main">
+<p:notesMaster xmlns:a="http://schemas.openxmlformats.org/drawingml/2006/main" xmlns:r="http://schemas.openxmlformats.org/officeDocument/2006/relationships" xmlns:p="http://schemas.openxmlformats.org/presentationml/2006/main">
   <p:cSld>
+    <p:bg>
+      <p:bgRef idx="1001">
+        <a:schemeClr val="bg1"/>
+      </p:bgRef>
+    </p:bg>
     <p:spTree>
       <p:nvGrpSpPr>
-        <p:cNvPr id="2" name="Shape 2"/>
+        <p:cNvPr id="1" name="Shape 2"/>
         <p:cNvGrpSpPr/>
         <p:nvPr/>
       </p:nvGrpSpPr>
@@ -295,9 +300,11 @@
       <p:sp>
         <p:nvSpPr>
           <p:cNvPr id="3" name="Google Shape;3;n"/>
-          <p:cNvSpPr/>
+          <p:cNvSpPr>
+            <a:spLocks noGrp="1" noRot="1" noChangeAspect="1"/>
+          </p:cNvSpPr>
           <p:nvPr>
-            <p:ph idx="2" type="sldImg"/>
+            <p:ph type="sldImg" idx="2"/>
           </p:nvPr>
         </p:nvSpPr>
         <p:spPr>
@@ -306,9 +313,13 @@
             <a:ext cx="6096075" cy="3429000"/>
           </a:xfrm>
           <a:custGeom>
-            <a:rect b="b" l="l" r="r" t="t"/>
+            <a:avLst/>
+            <a:gdLst/>
+            <a:ahLst/>
+            <a:cxnLst/>
+            <a:rect l="l" t="t" r="r" b="b"/>
             <a:pathLst>
-              <a:path extrusionOk="0" h="120000" w="120000">
+              <a:path w="120000" h="120000" extrusionOk="0">
                 <a:moveTo>
                   <a:pt x="0" y="0"/>
                 </a:moveTo>
@@ -326,23 +337,25 @@
             </a:pathLst>
           </a:custGeom>
           <a:noFill/>
-          <a:ln cap="flat" cmpd="sng" w="9525">
+          <a:ln w="9525" cap="flat" cmpd="sng">
             <a:solidFill>
               <a:srgbClr val="000000"/>
             </a:solidFill>
             <a:prstDash val="solid"/>
             <a:round/>
-            <a:headEnd len="sm" w="sm" type="none"/>
-            <a:tailEnd len="sm" w="sm" type="none"/>
+            <a:headEnd type="none" w="sm" len="sm"/>
+            <a:tailEnd type="none" w="sm" len="sm"/>
           </a:ln>
         </p:spPr>
       </p:sp>
       <p:sp>
         <p:nvSpPr>
           <p:cNvPr id="4" name="Google Shape;4;n"/>
-          <p:cNvSpPr txBox="1"/>
+          <p:cNvSpPr txBox="1">
+            <a:spLocks noGrp="1"/>
+          </p:cNvSpPr>
           <p:nvPr>
-            <p:ph idx="1" type="body"/>
+            <p:ph type="body" idx="1"/>
           </p:nvPr>
         </p:nvSpPr>
         <p:spPr>
@@ -359,9 +372,9 @@
           </a:ln>
         </p:spPr>
         <p:txBody>
-          <a:bodyPr anchorCtr="0" anchor="t" bIns="91425" lIns="91425" spcFirstLastPara="1" rIns="91425" wrap="square" tIns="91425"/>
+          <a:bodyPr spcFirstLastPara="1" wrap="square" lIns="91425" tIns="91425" rIns="91425" bIns="91425" anchor="t" anchorCtr="0"/>
           <a:lstStyle>
-            <a:lvl1pPr indent="-298450" lvl="0" marL="457200">
+            <a:lvl1pPr marL="457200" lvl="0" indent="-298450">
               <a:spcBef>
                 <a:spcPts val="0"/>
               </a:spcBef>
@@ -372,7 +385,7 @@
               <a:buChar char="●"/>
               <a:defRPr sz="1100"/>
             </a:lvl1pPr>
-            <a:lvl2pPr indent="-298450" lvl="1" marL="914400">
+            <a:lvl2pPr marL="914400" lvl="1" indent="-298450">
               <a:spcBef>
                 <a:spcPts val="0"/>
               </a:spcBef>
@@ -383,7 +396,7 @@
               <a:buChar char="○"/>
               <a:defRPr sz="1100"/>
             </a:lvl2pPr>
-            <a:lvl3pPr indent="-298450" lvl="2" marL="1371600">
+            <a:lvl3pPr marL="1371600" lvl="2" indent="-298450">
               <a:spcBef>
                 <a:spcPts val="0"/>
               </a:spcBef>
@@ -394,7 +407,7 @@
               <a:buChar char="■"/>
               <a:defRPr sz="1100"/>
             </a:lvl3pPr>
-            <a:lvl4pPr indent="-298450" lvl="3" marL="1828800">
+            <a:lvl4pPr marL="1828800" lvl="3" indent="-298450">
               <a:spcBef>
                 <a:spcPts val="0"/>
               </a:spcBef>
@@ -405,7 +418,7 @@
               <a:buChar char="●"/>
               <a:defRPr sz="1100"/>
             </a:lvl4pPr>
-            <a:lvl5pPr indent="-298450" lvl="4" marL="2286000">
+            <a:lvl5pPr marL="2286000" lvl="4" indent="-298450">
               <a:spcBef>
                 <a:spcPts val="0"/>
               </a:spcBef>
@@ -416,7 +429,7 @@
               <a:buChar char="○"/>
               <a:defRPr sz="1100"/>
             </a:lvl5pPr>
-            <a:lvl6pPr indent="-298450" lvl="5" marL="2743200">
+            <a:lvl6pPr marL="2743200" lvl="5" indent="-298450">
               <a:spcBef>
                 <a:spcPts val="0"/>
               </a:spcBef>
@@ -427,7 +440,7 @@
               <a:buChar char="■"/>
               <a:defRPr sz="1100"/>
             </a:lvl6pPr>
-            <a:lvl7pPr indent="-298450" lvl="6" marL="3200400">
+            <a:lvl7pPr marL="3200400" lvl="6" indent="-298450">
               <a:spcBef>
                 <a:spcPts val="0"/>
               </a:spcBef>
@@ -438,7 +451,7 @@
               <a:buChar char="●"/>
               <a:defRPr sz="1100"/>
             </a:lvl7pPr>
-            <a:lvl8pPr indent="-298450" lvl="7" marL="3657600">
+            <a:lvl8pPr marL="3657600" lvl="7" indent="-298450">
               <a:spcBef>
                 <a:spcPts val="0"/>
               </a:spcBef>
@@ -449,7 +462,7 @@
               <a:buChar char="○"/>
               <a:defRPr sz="1100"/>
             </a:lvl8pPr>
-            <a:lvl9pPr indent="-298450" lvl="8" marL="4114800">
+            <a:lvl9pPr marL="4114800" lvl="8" indent="-298450">
               <a:spcBef>
                 <a:spcPts val="0"/>
               </a:spcBef>
@@ -461,14 +474,16 @@
               <a:defRPr sz="1100"/>
             </a:lvl9pPr>
           </a:lstStyle>
-          <a:p/>
+          <a:p>
+            <a:endParaRPr/>
+          </a:p>
         </p:txBody>
       </p:sp>
     </p:spTree>
   </p:cSld>
-  <p:clrMap accent1="accent1" accent2="accent2" accent3="accent3" accent4="accent4" accent5="accent5" accent6="accent6" bg1="lt1" bg2="dk2" tx1="dk1" tx2="lt2" folHlink="folHlink" hlink="hlink"/>
+  <p:clrMap bg1="lt1" tx1="dk1" bg2="dk2" tx2="lt2" accent1="accent1" accent2="accent2" accent3="accent3" accent4="accent4" accent5="accent5" accent6="accent6" hlink="hlink" folHlink="folHlink"/>
   <p:notesStyle>
-    <a:defPPr lvl="0" marR="0" rtl="0" algn="l">
+    <a:defPPr marR="0" lvl="0" algn="l" rtl="0">
       <a:lnSpc>
         <a:spcPct val="100000"/>
       </a:lnSpc>
@@ -479,7 +494,7 @@
         <a:spcPts val="0"/>
       </a:spcAft>
     </a:defPPr>
-    <a:lvl1pPr lvl="0" marR="0" rtl="0" algn="l">
+    <a:lvl1pPr marR="0" lvl="0" algn="l" rtl="0">
       <a:lnSpc>
         <a:spcPct val="100000"/>
       </a:lnSpc>
@@ -493,7 +508,7 @@
         <a:srgbClr val="000000"/>
       </a:buClr>
       <a:buFont typeface="Arial"/>
-      <a:defRPr b="0" i="0" sz="1400" u="none" cap="none" strike="noStrike">
+      <a:defRPr sz="1400" b="0" i="0" u="none" strike="noStrike" cap="none">
         <a:solidFill>
           <a:srgbClr val="000000"/>
         </a:solidFill>
@@ -503,7 +518,7 @@
         <a:sym typeface="Arial"/>
       </a:defRPr>
     </a:lvl1pPr>
-    <a:lvl2pPr lvl="1" marR="0" rtl="0" algn="l">
+    <a:lvl2pPr marR="0" lvl="1" algn="l" rtl="0">
       <a:lnSpc>
         <a:spcPct val="100000"/>
       </a:lnSpc>
@@ -517,7 +532,7 @@
         <a:srgbClr val="000000"/>
       </a:buClr>
       <a:buFont typeface="Arial"/>
-      <a:defRPr b="0" i="0" sz="1400" u="none" cap="none" strike="noStrike">
+      <a:defRPr sz="1400" b="0" i="0" u="none" strike="noStrike" cap="none">
         <a:solidFill>
           <a:srgbClr val="000000"/>
         </a:solidFill>
@@ -527,7 +542,7 @@
         <a:sym typeface="Arial"/>
       </a:defRPr>
     </a:lvl2pPr>
-    <a:lvl3pPr lvl="2" marR="0" rtl="0" algn="l">
+    <a:lvl3pPr marR="0" lvl="2" algn="l" rtl="0">
       <a:lnSpc>
         <a:spcPct val="100000"/>
       </a:lnSpc>
@@ -541,7 +556,7 @@
         <a:srgbClr val="000000"/>
       </a:buClr>
       <a:buFont typeface="Arial"/>
-      <a:defRPr b="0" i="0" sz="1400" u="none" cap="none" strike="noStrike">
+      <a:defRPr sz="1400" b="0" i="0" u="none" strike="noStrike" cap="none">
         <a:solidFill>
           <a:srgbClr val="000000"/>
         </a:solidFill>
@@ -551,7 +566,7 @@
         <a:sym typeface="Arial"/>
       </a:defRPr>
     </a:lvl3pPr>
-    <a:lvl4pPr lvl="3" marR="0" rtl="0" algn="l">
+    <a:lvl4pPr marR="0" lvl="3" algn="l" rtl="0">
       <a:lnSpc>
         <a:spcPct val="100000"/>
       </a:lnSpc>
@@ -565,7 +580,7 @@
         <a:srgbClr val="000000"/>
       </a:buClr>
       <a:buFont typeface="Arial"/>
-      <a:defRPr b="0" i="0" sz="1400" u="none" cap="none" strike="noStrike">
+      <a:defRPr sz="1400" b="0" i="0" u="none" strike="noStrike" cap="none">
         <a:solidFill>
           <a:srgbClr val="000000"/>
         </a:solidFill>
@@ -575,7 +590,7 @@
         <a:sym typeface="Arial"/>
       </a:defRPr>
     </a:lvl4pPr>
-    <a:lvl5pPr lvl="4" marR="0" rtl="0" algn="l">
+    <a:lvl5pPr marR="0" lvl="4" algn="l" rtl="0">
       <a:lnSpc>
         <a:spcPct val="100000"/>
       </a:lnSpc>
@@ -589,7 +604,7 @@
         <a:srgbClr val="000000"/>
       </a:buClr>
       <a:buFont typeface="Arial"/>
-      <a:defRPr b="0" i="0" sz="1400" u="none" cap="none" strike="noStrike">
+      <a:defRPr sz="1400" b="0" i="0" u="none" strike="noStrike" cap="none">
         <a:solidFill>
           <a:srgbClr val="000000"/>
         </a:solidFill>
@@ -599,7 +614,7 @@
         <a:sym typeface="Arial"/>
       </a:defRPr>
     </a:lvl5pPr>
-    <a:lvl6pPr lvl="5" marR="0" rtl="0" algn="l">
+    <a:lvl6pPr marR="0" lvl="5" algn="l" rtl="0">
       <a:lnSpc>
         <a:spcPct val="100000"/>
       </a:lnSpc>
@@ -613,7 +628,7 @@
         <a:srgbClr val="000000"/>
       </a:buClr>
       <a:buFont typeface="Arial"/>
-      <a:defRPr b="0" i="0" sz="1400" u="none" cap="none" strike="noStrike">
+      <a:defRPr sz="1400" b="0" i="0" u="none" strike="noStrike" cap="none">
         <a:solidFill>
           <a:srgbClr val="000000"/>
         </a:solidFill>
@@ -623,7 +638,7 @@
         <a:sym typeface="Arial"/>
       </a:defRPr>
     </a:lvl6pPr>
-    <a:lvl7pPr lvl="6" marR="0" rtl="0" algn="l">
+    <a:lvl7pPr marR="0" lvl="6" algn="l" rtl="0">
       <a:lnSpc>
         <a:spcPct val="100000"/>
       </a:lnSpc>
@@ -637,7 +652,7 @@
         <a:srgbClr val="000000"/>
       </a:buClr>
       <a:buFont typeface="Arial"/>
-      <a:defRPr b="0" i="0" sz="1400" u="none" cap="none" strike="noStrike">
+      <a:defRPr sz="1400" b="0" i="0" u="none" strike="noStrike" cap="none">
         <a:solidFill>
           <a:srgbClr val="000000"/>
         </a:solidFill>
@@ -647,7 +662,7 @@
         <a:sym typeface="Arial"/>
       </a:defRPr>
     </a:lvl7pPr>
-    <a:lvl8pPr lvl="7" marR="0" rtl="0" algn="l">
+    <a:lvl8pPr marR="0" lvl="7" algn="l" rtl="0">
       <a:lnSpc>
         <a:spcPct val="100000"/>
       </a:lnSpc>
@@ -661,7 +676,7 @@
         <a:srgbClr val="000000"/>
       </a:buClr>
       <a:buFont typeface="Arial"/>
-      <a:defRPr b="0" i="0" sz="1400" u="none" cap="none" strike="noStrike">
+      <a:defRPr sz="1400" b="0" i="0" u="none" strike="noStrike" cap="none">
         <a:solidFill>
           <a:srgbClr val="000000"/>
         </a:solidFill>
@@ -671,7 +686,7 @@
         <a:sym typeface="Arial"/>
       </a:defRPr>
     </a:lvl8pPr>
-    <a:lvl9pPr lvl="8" marR="0" rtl="0" algn="l">
+    <a:lvl9pPr marR="0" lvl="8" algn="l" rtl="0">
       <a:lnSpc>
         <a:spcPct val="100000"/>
       </a:lnSpc>
@@ -685,7 +700,7 @@
         <a:srgbClr val="000000"/>
       </a:buClr>
       <a:buFont typeface="Arial"/>
-      <a:defRPr b="0" i="0" sz="1400" u="none" cap="none" strike="noStrike">
+      <a:defRPr sz="1400" b="0" i="0" u="none" strike="noStrike" cap="none">
         <a:solidFill>
           <a:srgbClr val="000000"/>
         </a:solidFill>
@@ -700,11 +715,11 @@
 </file>
 
 <file path=ppt/notesSlides/notesSlide1.xml><?xml version="1.0" encoding="utf-8"?>
-<p:notes xmlns:a="http://schemas.openxmlformats.org/drawingml/2006/main" xmlns:r="http://schemas.openxmlformats.org/officeDocument/2006/relationships" xmlns:mc="http://schemas.openxmlformats.org/markup-compatibility/2006" xmlns:mv="urn:schemas-microsoft-com:mac:vml" xmlns:p="http://schemas.openxmlformats.org/presentationml/2006/main" xmlns:c="http://schemas.openxmlformats.org/drawingml/2006/chart" xmlns:dgm="http://schemas.openxmlformats.org/drawingml/2006/diagram" xmlns:o="urn:schemas-microsoft-com:office:office" xmlns:v="urn:schemas-microsoft-com:vml" xmlns:pvml="urn:schemas-microsoft-com:office:powerpoint" xmlns:com="http://schemas.openxmlformats.org/drawingml/2006/compatibility" xmlns:p14="http://schemas.microsoft.com/office/powerpoint/2010/main" xmlns:p15="http://schemas.microsoft.com/office/powerpoint/2012/main" showMasterPhAnim="0" showMasterSp="0">
+<p:notes xmlns:a="http://schemas.openxmlformats.org/drawingml/2006/main" xmlns:r="http://schemas.openxmlformats.org/officeDocument/2006/relationships" xmlns:p="http://schemas.openxmlformats.org/presentationml/2006/main" showMasterSp="0" showMasterPhAnim="0">
   <p:cSld>
     <p:spTree>
       <p:nvGrpSpPr>
-        <p:cNvPr id="55" name="Shape 55"/>
+        <p:cNvPr id="1" name="Shape 55"/>
         <p:cNvGrpSpPr/>
         <p:nvPr/>
       </p:nvGrpSpPr>
@@ -719,9 +734,11 @@
       <p:sp>
         <p:nvSpPr>
           <p:cNvPr id="56" name="Google Shape;56;p:notes"/>
-          <p:cNvSpPr/>
+          <p:cNvSpPr>
+            <a:spLocks noGrp="1" noRot="1" noChangeAspect="1"/>
+          </p:cNvSpPr>
           <p:nvPr>
-            <p:ph idx="2" type="sldImg"/>
+            <p:ph type="sldImg" idx="2"/>
           </p:nvPr>
         </p:nvSpPr>
         <p:spPr>
@@ -730,9 +747,13 @@
             <a:ext cx="6096075" cy="3429000"/>
           </a:xfrm>
           <a:custGeom>
-            <a:rect b="b" l="l" r="r" t="t"/>
+            <a:avLst/>
+            <a:gdLst/>
+            <a:ahLst/>
+            <a:cxnLst/>
+            <a:rect l="l" t="t" r="r" b="b"/>
             <a:pathLst>
-              <a:path extrusionOk="0" h="120000" w="120000">
+              <a:path w="120000" h="120000" extrusionOk="0">
                 <a:moveTo>
                   <a:pt x="0" y="0"/>
                 </a:moveTo>
@@ -754,9 +775,11 @@
       <p:sp>
         <p:nvSpPr>
           <p:cNvPr id="57" name="Google Shape;57;p:notes"/>
-          <p:cNvSpPr txBox="1"/>
+          <p:cNvSpPr txBox="1">
+            <a:spLocks noGrp="1"/>
+          </p:cNvSpPr>
           <p:nvPr>
-            <p:ph idx="1" type="body"/>
+            <p:ph type="body" idx="1"/>
           </p:nvPr>
         </p:nvSpPr>
         <p:spPr>
@@ -769,12 +792,12 @@
           </a:prstGeom>
         </p:spPr>
         <p:txBody>
-          <a:bodyPr anchorCtr="0" anchor="t" bIns="91425" lIns="91425" spcFirstLastPara="1" rIns="91425" wrap="square" tIns="91425">
+          <a:bodyPr spcFirstLastPara="1" wrap="square" lIns="91425" tIns="91425" rIns="91425" bIns="91425" anchor="t" anchorCtr="0">
             <a:noAutofit/>
           </a:bodyPr>
           <a:lstStyle/>
           <a:p>
-            <a:pPr indent="0" lvl="0" marL="0" rtl="0" algn="l">
+            <a:pPr marL="0" lvl="0" indent="0" algn="l" rtl="0">
               <a:spcBef>
                 <a:spcPts val="0"/>
               </a:spcBef>
@@ -783,9 +806,6 @@
               </a:spcAft>
               <a:buNone/>
             </a:pPr>
-            <a:r>
-              <a:t/>
-            </a:r>
             <a:endParaRPr/>
           </a:p>
         </p:txBody>
@@ -799,11 +819,11 @@
 </file>
 
 <file path=ppt/notesSlides/notesSlide2.xml><?xml version="1.0" encoding="utf-8"?>
-<p:notes xmlns:a="http://schemas.openxmlformats.org/drawingml/2006/main" xmlns:r="http://schemas.openxmlformats.org/officeDocument/2006/relationships" xmlns:mc="http://schemas.openxmlformats.org/markup-compatibility/2006" xmlns:mv="urn:schemas-microsoft-com:mac:vml" xmlns:p="http://schemas.openxmlformats.org/presentationml/2006/main" xmlns:c="http://schemas.openxmlformats.org/drawingml/2006/chart" xmlns:dgm="http://schemas.openxmlformats.org/drawingml/2006/diagram" xmlns:o="urn:schemas-microsoft-com:office:office" xmlns:v="urn:schemas-microsoft-com:vml" xmlns:pvml="urn:schemas-microsoft-com:office:powerpoint" xmlns:com="http://schemas.openxmlformats.org/drawingml/2006/compatibility" xmlns:p14="http://schemas.microsoft.com/office/powerpoint/2010/main" xmlns:p15="http://schemas.microsoft.com/office/powerpoint/2012/main" showMasterPhAnim="0" showMasterSp="0">
+<p:notes xmlns:a="http://schemas.openxmlformats.org/drawingml/2006/main" xmlns:r="http://schemas.openxmlformats.org/officeDocument/2006/relationships" xmlns:p="http://schemas.openxmlformats.org/presentationml/2006/main" showMasterSp="0" showMasterPhAnim="0">
   <p:cSld>
     <p:spTree>
       <p:nvGrpSpPr>
-        <p:cNvPr id="63" name="Shape 63"/>
+        <p:cNvPr id="1" name="Shape 63"/>
         <p:cNvGrpSpPr/>
         <p:nvPr/>
       </p:nvGrpSpPr>
@@ -818,9 +838,11 @@
       <p:sp>
         <p:nvSpPr>
           <p:cNvPr id="64" name="Google Shape;64;g4614bc412f_0_50:notes"/>
-          <p:cNvSpPr/>
+          <p:cNvSpPr>
+            <a:spLocks noGrp="1" noRot="1" noChangeAspect="1"/>
+          </p:cNvSpPr>
           <p:nvPr>
-            <p:ph idx="2" type="sldImg"/>
+            <p:ph type="sldImg" idx="2"/>
           </p:nvPr>
         </p:nvSpPr>
         <p:spPr>
@@ -829,9 +851,13 @@
             <a:ext cx="6096000" cy="3429000"/>
           </a:xfrm>
           <a:custGeom>
-            <a:rect b="b" l="l" r="r" t="t"/>
+            <a:avLst/>
+            <a:gdLst/>
+            <a:ahLst/>
+            <a:cxnLst/>
+            <a:rect l="l" t="t" r="r" b="b"/>
             <a:pathLst>
-              <a:path extrusionOk="0" h="120000" w="120000">
+              <a:path w="120000" h="120000" extrusionOk="0">
                 <a:moveTo>
                   <a:pt x="0" y="0"/>
                 </a:moveTo>
@@ -853,9 +879,11 @@
       <p:sp>
         <p:nvSpPr>
           <p:cNvPr id="65" name="Google Shape;65;g4614bc412f_0_50:notes"/>
-          <p:cNvSpPr txBox="1"/>
+          <p:cNvSpPr txBox="1">
+            <a:spLocks noGrp="1"/>
+          </p:cNvSpPr>
           <p:nvPr>
-            <p:ph idx="1" type="body"/>
+            <p:ph type="body" idx="1"/>
           </p:nvPr>
         </p:nvSpPr>
         <p:spPr>
@@ -868,12 +896,12 @@
           </a:prstGeom>
         </p:spPr>
         <p:txBody>
-          <a:bodyPr anchorCtr="0" anchor="t" bIns="91425" lIns="91425" spcFirstLastPara="1" rIns="91425" wrap="square" tIns="91425">
+          <a:bodyPr spcFirstLastPara="1" wrap="square" lIns="91425" tIns="91425" rIns="91425" bIns="91425" anchor="t" anchorCtr="0">
             <a:noAutofit/>
           </a:bodyPr>
           <a:lstStyle/>
           <a:p>
-            <a:pPr indent="0" lvl="0" marL="0" rtl="0" algn="l">
+            <a:pPr marL="0" lvl="0" indent="0" algn="l" rtl="0">
               <a:spcBef>
                 <a:spcPts val="0"/>
               </a:spcBef>
@@ -882,9 +910,6 @@
               </a:spcAft>
               <a:buNone/>
             </a:pPr>
-            <a:r>
-              <a:t/>
-            </a:r>
             <a:endParaRPr/>
           </a:p>
         </p:txBody>
@@ -898,11 +923,11 @@
 </file>
 
 <file path=ppt/notesSlides/notesSlide3.xml><?xml version="1.0" encoding="utf-8"?>
-<p:notes xmlns:a="http://schemas.openxmlformats.org/drawingml/2006/main" xmlns:r="http://schemas.openxmlformats.org/officeDocument/2006/relationships" xmlns:mc="http://schemas.openxmlformats.org/markup-compatibility/2006" xmlns:mv="urn:schemas-microsoft-com:mac:vml" xmlns:p="http://schemas.openxmlformats.org/presentationml/2006/main" xmlns:c="http://schemas.openxmlformats.org/drawingml/2006/chart" xmlns:dgm="http://schemas.openxmlformats.org/drawingml/2006/diagram" xmlns:o="urn:schemas-microsoft-com:office:office" xmlns:v="urn:schemas-microsoft-com:vml" xmlns:pvml="urn:schemas-microsoft-com:office:powerpoint" xmlns:com="http://schemas.openxmlformats.org/drawingml/2006/compatibility" xmlns:p14="http://schemas.microsoft.com/office/powerpoint/2010/main" xmlns:p15="http://schemas.microsoft.com/office/powerpoint/2012/main" showMasterPhAnim="0" showMasterSp="0">
+<p:notes xmlns:a="http://schemas.openxmlformats.org/drawingml/2006/main" xmlns:r="http://schemas.openxmlformats.org/officeDocument/2006/relationships" xmlns:p="http://schemas.openxmlformats.org/presentationml/2006/main" showMasterSp="0" showMasterPhAnim="0">
   <p:cSld>
     <p:spTree>
       <p:nvGrpSpPr>
-        <p:cNvPr id="76" name="Shape 76"/>
+        <p:cNvPr id="1" name="Shape 76"/>
         <p:cNvGrpSpPr/>
         <p:nvPr/>
       </p:nvGrpSpPr>
@@ -917,9 +942,11 @@
       <p:sp>
         <p:nvSpPr>
           <p:cNvPr id="77" name="Google Shape;77;g4614bc412f_0_60:notes"/>
-          <p:cNvSpPr/>
+          <p:cNvSpPr>
+            <a:spLocks noGrp="1" noRot="1" noChangeAspect="1"/>
+          </p:cNvSpPr>
           <p:nvPr>
-            <p:ph idx="2" type="sldImg"/>
+            <p:ph type="sldImg" idx="2"/>
           </p:nvPr>
         </p:nvSpPr>
         <p:spPr>
@@ -928,9 +955,13 @@
             <a:ext cx="6096000" cy="3429000"/>
           </a:xfrm>
           <a:custGeom>
-            <a:rect b="b" l="l" r="r" t="t"/>
+            <a:avLst/>
+            <a:gdLst/>
+            <a:ahLst/>
+            <a:cxnLst/>
+            <a:rect l="l" t="t" r="r" b="b"/>
             <a:pathLst>
-              <a:path extrusionOk="0" h="120000" w="120000">
+              <a:path w="120000" h="120000" extrusionOk="0">
                 <a:moveTo>
                   <a:pt x="0" y="0"/>
                 </a:moveTo>
@@ -952,9 +983,11 @@
       <p:sp>
         <p:nvSpPr>
           <p:cNvPr id="78" name="Google Shape;78;g4614bc412f_0_60:notes"/>
-          <p:cNvSpPr txBox="1"/>
+          <p:cNvSpPr txBox="1">
+            <a:spLocks noGrp="1"/>
+          </p:cNvSpPr>
           <p:nvPr>
-            <p:ph idx="1" type="body"/>
+            <p:ph type="body" idx="1"/>
           </p:nvPr>
         </p:nvSpPr>
         <p:spPr>
@@ -967,12 +1000,12 @@
           </a:prstGeom>
         </p:spPr>
         <p:txBody>
-          <a:bodyPr anchorCtr="0" anchor="t" bIns="91425" lIns="91425" spcFirstLastPara="1" rIns="91425" wrap="square" tIns="91425">
+          <a:bodyPr spcFirstLastPara="1" wrap="square" lIns="91425" tIns="91425" rIns="91425" bIns="91425" anchor="t" anchorCtr="0">
             <a:noAutofit/>
           </a:bodyPr>
           <a:lstStyle/>
           <a:p>
-            <a:pPr indent="0" lvl="0" marL="0" rtl="0" algn="l">
+            <a:pPr marL="0" lvl="0" indent="0" algn="l" rtl="0">
               <a:spcBef>
                 <a:spcPts val="0"/>
               </a:spcBef>
@@ -981,9 +1014,6 @@
               </a:spcAft>
               <a:buNone/>
             </a:pPr>
-            <a:r>
-              <a:t/>
-            </a:r>
             <a:endParaRPr/>
           </a:p>
         </p:txBody>
@@ -997,11 +1027,11 @@
 </file>
 
 <file path=ppt/notesSlides/notesSlide4.xml><?xml version="1.0" encoding="utf-8"?>
-<p:notes xmlns:a="http://schemas.openxmlformats.org/drawingml/2006/main" xmlns:r="http://schemas.openxmlformats.org/officeDocument/2006/relationships" xmlns:mc="http://schemas.openxmlformats.org/markup-compatibility/2006" xmlns:mv="urn:schemas-microsoft-com:mac:vml" xmlns:p="http://schemas.openxmlformats.org/presentationml/2006/main" xmlns:c="http://schemas.openxmlformats.org/drawingml/2006/chart" xmlns:dgm="http://schemas.openxmlformats.org/drawingml/2006/diagram" xmlns:o="urn:schemas-microsoft-com:office:office" xmlns:v="urn:schemas-microsoft-com:vml" xmlns:pvml="urn:schemas-microsoft-com:office:powerpoint" xmlns:com="http://schemas.openxmlformats.org/drawingml/2006/compatibility" xmlns:p14="http://schemas.microsoft.com/office/powerpoint/2010/main" xmlns:p15="http://schemas.microsoft.com/office/powerpoint/2012/main" showMasterPhAnim="0" showMasterSp="0">
+<p:notes xmlns:a="http://schemas.openxmlformats.org/drawingml/2006/main" xmlns:r="http://schemas.openxmlformats.org/officeDocument/2006/relationships" xmlns:p="http://schemas.openxmlformats.org/presentationml/2006/main" showMasterSp="0" showMasterPhAnim="0">
   <p:cSld>
     <p:spTree>
       <p:nvGrpSpPr>
-        <p:cNvPr id="83" name="Shape 83"/>
+        <p:cNvPr id="1" name="Shape 83"/>
         <p:cNvGrpSpPr/>
         <p:nvPr/>
       </p:nvGrpSpPr>
@@ -1016,9 +1046,11 @@
       <p:sp>
         <p:nvSpPr>
           <p:cNvPr id="84" name="Google Shape;84;g4614bc412f_0_77:notes"/>
-          <p:cNvSpPr/>
+          <p:cNvSpPr>
+            <a:spLocks noGrp="1" noRot="1" noChangeAspect="1"/>
+          </p:cNvSpPr>
           <p:nvPr>
-            <p:ph idx="2" type="sldImg"/>
+            <p:ph type="sldImg" idx="2"/>
           </p:nvPr>
         </p:nvSpPr>
         <p:spPr>
@@ -1027,9 +1059,13 @@
             <a:ext cx="6096000" cy="3429000"/>
           </a:xfrm>
           <a:custGeom>
-            <a:rect b="b" l="l" r="r" t="t"/>
+            <a:avLst/>
+            <a:gdLst/>
+            <a:ahLst/>
+            <a:cxnLst/>
+            <a:rect l="l" t="t" r="r" b="b"/>
             <a:pathLst>
-              <a:path extrusionOk="0" h="120000" w="120000">
+              <a:path w="120000" h="120000" extrusionOk="0">
                 <a:moveTo>
                   <a:pt x="0" y="0"/>
                 </a:moveTo>
@@ -1051,9 +1087,11 @@
       <p:sp>
         <p:nvSpPr>
           <p:cNvPr id="85" name="Google Shape;85;g4614bc412f_0_77:notes"/>
-          <p:cNvSpPr txBox="1"/>
+          <p:cNvSpPr txBox="1">
+            <a:spLocks noGrp="1"/>
+          </p:cNvSpPr>
           <p:nvPr>
-            <p:ph idx="1" type="body"/>
+            <p:ph type="body" idx="1"/>
           </p:nvPr>
         </p:nvSpPr>
         <p:spPr>
@@ -1066,12 +1104,12 @@
           </a:prstGeom>
         </p:spPr>
         <p:txBody>
-          <a:bodyPr anchorCtr="0" anchor="t" bIns="91425" lIns="91425" spcFirstLastPara="1" rIns="91425" wrap="square" tIns="91425">
+          <a:bodyPr spcFirstLastPara="1" wrap="square" lIns="91425" tIns="91425" rIns="91425" bIns="91425" anchor="t" anchorCtr="0">
             <a:noAutofit/>
           </a:bodyPr>
           <a:lstStyle/>
           <a:p>
-            <a:pPr indent="0" lvl="0" marL="0" rtl="0" algn="l">
+            <a:pPr marL="0" lvl="0" indent="0" algn="l" rtl="0">
               <a:spcBef>
                 <a:spcPts val="0"/>
               </a:spcBef>
@@ -1080,9 +1118,6 @@
               </a:spcAft>
               <a:buNone/>
             </a:pPr>
-            <a:r>
-              <a:t/>
-            </a:r>
             <a:endParaRPr/>
           </a:p>
         </p:txBody>
@@ -1096,11 +1131,11 @@
 </file>
 
 <file path=ppt/notesSlides/notesSlide5.xml><?xml version="1.0" encoding="utf-8"?>
-<p:notes xmlns:a="http://schemas.openxmlformats.org/drawingml/2006/main" xmlns:r="http://schemas.openxmlformats.org/officeDocument/2006/relationships" xmlns:mc="http://schemas.openxmlformats.org/markup-compatibility/2006" xmlns:mv="urn:schemas-microsoft-com:mac:vml" xmlns:p="http://schemas.openxmlformats.org/presentationml/2006/main" xmlns:c="http://schemas.openxmlformats.org/drawingml/2006/chart" xmlns:dgm="http://schemas.openxmlformats.org/drawingml/2006/diagram" xmlns:o="urn:schemas-microsoft-com:office:office" xmlns:v="urn:schemas-microsoft-com:vml" xmlns:pvml="urn:schemas-microsoft-com:office:powerpoint" xmlns:com="http://schemas.openxmlformats.org/drawingml/2006/compatibility" xmlns:p14="http://schemas.microsoft.com/office/powerpoint/2010/main" xmlns:p15="http://schemas.microsoft.com/office/powerpoint/2012/main" showMasterPhAnim="0" showMasterSp="0">
+<p:notes xmlns:a="http://schemas.openxmlformats.org/drawingml/2006/main" xmlns:r="http://schemas.openxmlformats.org/officeDocument/2006/relationships" xmlns:p="http://schemas.openxmlformats.org/presentationml/2006/main" showMasterSp="0" showMasterPhAnim="0">
   <p:cSld>
     <p:spTree>
       <p:nvGrpSpPr>
-        <p:cNvPr id="98" name="Shape 98"/>
+        <p:cNvPr id="1" name="Shape 98"/>
         <p:cNvGrpSpPr/>
         <p:nvPr/>
       </p:nvGrpSpPr>
@@ -1115,9 +1150,11 @@
       <p:sp>
         <p:nvSpPr>
           <p:cNvPr id="99" name="Google Shape;99;g4614bc412f_0_70:notes"/>
-          <p:cNvSpPr/>
+          <p:cNvSpPr>
+            <a:spLocks noGrp="1" noRot="1" noChangeAspect="1"/>
+          </p:cNvSpPr>
           <p:nvPr>
-            <p:ph idx="2" type="sldImg"/>
+            <p:ph type="sldImg" idx="2"/>
           </p:nvPr>
         </p:nvSpPr>
         <p:spPr>
@@ -1126,9 +1163,13 @@
             <a:ext cx="6096000" cy="3429000"/>
           </a:xfrm>
           <a:custGeom>
-            <a:rect b="b" l="l" r="r" t="t"/>
+            <a:avLst/>
+            <a:gdLst/>
+            <a:ahLst/>
+            <a:cxnLst/>
+            <a:rect l="l" t="t" r="r" b="b"/>
             <a:pathLst>
-              <a:path extrusionOk="0" h="120000" w="120000">
+              <a:path w="120000" h="120000" extrusionOk="0">
                 <a:moveTo>
                   <a:pt x="0" y="0"/>
                 </a:moveTo>
@@ -1150,9 +1191,11 @@
       <p:sp>
         <p:nvSpPr>
           <p:cNvPr id="100" name="Google Shape;100;g4614bc412f_0_70:notes"/>
-          <p:cNvSpPr txBox="1"/>
+          <p:cNvSpPr txBox="1">
+            <a:spLocks noGrp="1"/>
+          </p:cNvSpPr>
           <p:nvPr>
-            <p:ph idx="1" type="body"/>
+            <p:ph type="body" idx="1"/>
           </p:nvPr>
         </p:nvSpPr>
         <p:spPr>
@@ -1165,12 +1208,12 @@
           </a:prstGeom>
         </p:spPr>
         <p:txBody>
-          <a:bodyPr anchorCtr="0" anchor="t" bIns="91425" lIns="91425" spcFirstLastPara="1" rIns="91425" wrap="square" tIns="91425">
+          <a:bodyPr spcFirstLastPara="1" wrap="square" lIns="91425" tIns="91425" rIns="91425" bIns="91425" anchor="t" anchorCtr="0">
             <a:noAutofit/>
           </a:bodyPr>
           <a:lstStyle/>
           <a:p>
-            <a:pPr indent="0" lvl="0" marL="0" rtl="0" algn="l">
+            <a:pPr marL="0" lvl="0" indent="0" algn="l" rtl="0">
               <a:spcBef>
                 <a:spcPts val="0"/>
               </a:spcBef>
@@ -1179,9 +1222,6 @@
               </a:spcAft>
               <a:buNone/>
             </a:pPr>
-            <a:r>
-              <a:t/>
-            </a:r>
             <a:endParaRPr/>
           </a:p>
         </p:txBody>
@@ -1195,11 +1235,11 @@
 </file>
 
 <file path=ppt/slideLayouts/slideLayout1.xml><?xml version="1.0" encoding="utf-8"?>
-<p:sldLayout xmlns:a="http://schemas.openxmlformats.org/drawingml/2006/main" xmlns:r="http://schemas.openxmlformats.org/officeDocument/2006/relationships" xmlns:mc="http://schemas.openxmlformats.org/markup-compatibility/2006" xmlns:mv="urn:schemas-microsoft-com:mac:vml" xmlns:p="http://schemas.openxmlformats.org/presentationml/2006/main" xmlns:c="http://schemas.openxmlformats.org/drawingml/2006/chart" xmlns:dgm="http://schemas.openxmlformats.org/drawingml/2006/diagram" xmlns:o="urn:schemas-microsoft-com:office:office" xmlns:v="urn:schemas-microsoft-com:vml" xmlns:pvml="urn:schemas-microsoft-com:office:powerpoint" xmlns:com="http://schemas.openxmlformats.org/drawingml/2006/compatibility" xmlns:p14="http://schemas.microsoft.com/office/powerpoint/2010/main" xmlns:p15="http://schemas.microsoft.com/office/powerpoint/2012/main" matchingName="Title slide" type="title">
+<p:sldLayout xmlns:a="http://schemas.openxmlformats.org/drawingml/2006/main" xmlns:r="http://schemas.openxmlformats.org/officeDocument/2006/relationships" xmlns:p="http://schemas.openxmlformats.org/presentationml/2006/main" matchingName="Title slide" type="title">
   <p:cSld name="TITLE">
     <p:spTree>
       <p:nvGrpSpPr>
-        <p:cNvPr id="9" name="Shape 9"/>
+        <p:cNvPr id="1" name="Shape 9"/>
         <p:cNvGrpSpPr/>
         <p:nvPr/>
       </p:nvGrpSpPr>
@@ -1247,12 +1287,12 @@
             </a:ln>
           </p:spPr>
           <p:txBody>
-            <a:bodyPr anchorCtr="0" anchor="ctr" bIns="91425" lIns="91425" spcFirstLastPara="1" rIns="91425" wrap="square" tIns="91425">
+            <a:bodyPr spcFirstLastPara="1" wrap="square" lIns="91425" tIns="91425" rIns="91425" bIns="91425" anchor="ctr" anchorCtr="0">
               <a:noAutofit/>
             </a:bodyPr>
             <a:lstStyle/>
             <a:p>
-              <a:pPr indent="0" lvl="0" marL="0" rtl="0" algn="l">
+              <a:pPr marL="0" lvl="0" indent="0" algn="l" rtl="0">
                 <a:spcBef>
                   <a:spcPts val="0"/>
                 </a:spcBef>
@@ -1261,9 +1301,6 @@
                 </a:spcAft>
                 <a:buNone/>
               </a:pPr>
-              <a:r>
-                <a:t/>
-              </a:r>
               <a:endParaRPr/>
             </a:p>
           </p:txBody>
@@ -1290,12 +1327,12 @@
             </a:ln>
           </p:spPr>
           <p:txBody>
-            <a:bodyPr anchorCtr="0" anchor="ctr" bIns="91425" lIns="91425" spcFirstLastPara="1" rIns="91425" wrap="square" tIns="91425">
+            <a:bodyPr spcFirstLastPara="1" wrap="square" lIns="91425" tIns="91425" rIns="91425" bIns="91425" anchor="ctr" anchorCtr="0">
               <a:noAutofit/>
             </a:bodyPr>
             <a:lstStyle/>
             <a:p>
-              <a:pPr indent="0" lvl="0" marL="0" rtl="0" algn="l">
+              <a:pPr marL="0" lvl="0" indent="0" algn="l" rtl="0">
                 <a:spcBef>
                   <a:spcPts val="0"/>
                 </a:spcBef>
@@ -1304,9 +1341,6 @@
                 </a:spcAft>
                 <a:buNone/>
               </a:pPr>
-              <a:r>
-                <a:t/>
-              </a:r>
               <a:endParaRPr/>
             </a:p>
           </p:txBody>
@@ -1333,12 +1367,12 @@
             </a:ln>
           </p:spPr>
           <p:txBody>
-            <a:bodyPr anchorCtr="0" anchor="ctr" bIns="91425" lIns="91425" spcFirstLastPara="1" rIns="91425" wrap="square" tIns="91425">
+            <a:bodyPr spcFirstLastPara="1" wrap="square" lIns="91425" tIns="91425" rIns="91425" bIns="91425" anchor="ctr" anchorCtr="0">
               <a:noAutofit/>
             </a:bodyPr>
             <a:lstStyle/>
             <a:p>
-              <a:pPr indent="0" lvl="0" marL="0" rtl="0" algn="l">
+              <a:pPr marL="0" lvl="0" indent="0" algn="l" rtl="0">
                 <a:spcBef>
                   <a:spcPts val="0"/>
                 </a:spcBef>
@@ -1347,9 +1381,6 @@
                 </a:spcAft>
                 <a:buNone/>
               </a:pPr>
-              <a:r>
-                <a:t/>
-              </a:r>
               <a:endParaRPr/>
             </a:p>
           </p:txBody>
@@ -1358,7 +1389,9 @@
       <p:sp>
         <p:nvSpPr>
           <p:cNvPr id="14" name="Google Shape;14;p2"/>
-          <p:cNvSpPr txBox="1"/>
+          <p:cNvSpPr txBox="1">
+            <a:spLocks noGrp="1"/>
+          </p:cNvSpPr>
           <p:nvPr>
             <p:ph type="ctrTitle"/>
           </p:nvPr>
@@ -1373,7 +1406,7 @@
           </a:prstGeom>
         </p:spPr>
         <p:txBody>
-          <a:bodyPr anchorCtr="0" anchor="b" bIns="91425" lIns="91425" spcFirstLastPara="1" rIns="91425" wrap="square" tIns="91425"/>
+          <a:bodyPr spcFirstLastPara="1" wrap="square" lIns="91425" tIns="91425" rIns="91425" bIns="91425" anchor="b" anchorCtr="0"/>
           <a:lstStyle>
             <a:lvl1pPr lvl="0" algn="ctr">
               <a:spcBef>
@@ -1475,15 +1508,19 @@
               <a:defRPr sz="4800"/>
             </a:lvl9pPr>
           </a:lstStyle>
-          <a:p/>
+          <a:p>
+            <a:endParaRPr/>
+          </a:p>
         </p:txBody>
       </p:sp>
       <p:sp>
         <p:nvSpPr>
           <p:cNvPr id="15" name="Google Shape;15;p2"/>
-          <p:cNvSpPr txBox="1"/>
+          <p:cNvSpPr txBox="1">
+            <a:spLocks noGrp="1"/>
+          </p:cNvSpPr>
           <p:nvPr>
-            <p:ph idx="1" type="subTitle"/>
+            <p:ph type="subTitle" idx="1"/>
           </p:nvPr>
         </p:nvSpPr>
         <p:spPr>
@@ -1496,7 +1533,7 @@
           </a:prstGeom>
         </p:spPr>
         <p:txBody>
-          <a:bodyPr anchorCtr="0" anchor="t" bIns="91425" lIns="91425" spcFirstLastPara="1" rIns="91425" wrap="square" tIns="91425"/>
+          <a:bodyPr spcFirstLastPara="1" wrap="square" lIns="91425" tIns="91425" rIns="91425" bIns="91425" anchor="t" anchorCtr="0"/>
           <a:lstStyle>
             <a:lvl1pPr lvl="0" algn="ctr">
               <a:lnSpc>
@@ -1625,15 +1662,19 @@
               <a:defRPr sz="2100"/>
             </a:lvl9pPr>
           </a:lstStyle>
-          <a:p/>
+          <a:p>
+            <a:endParaRPr/>
+          </a:p>
         </p:txBody>
       </p:sp>
       <p:sp>
         <p:nvSpPr>
           <p:cNvPr id="16" name="Google Shape;16;p2"/>
-          <p:cNvSpPr txBox="1"/>
+          <p:cNvSpPr txBox="1">
+            <a:spLocks noGrp="1"/>
+          </p:cNvSpPr>
           <p:nvPr>
-            <p:ph idx="12" type="sldNum"/>
+            <p:ph type="sldNum" idx="12"/>
           </p:nvPr>
         </p:nvSpPr>
         <p:spPr>
@@ -1646,7 +1687,7 @@
           </a:prstGeom>
         </p:spPr>
         <p:txBody>
-          <a:bodyPr anchorCtr="0" anchor="ctr" bIns="91425" lIns="91425" spcFirstLastPara="1" rIns="91425" wrap="square" tIns="91425">
+          <a:bodyPr spcFirstLastPara="1" wrap="square" lIns="91425" tIns="91425" rIns="91425" bIns="91425" anchor="ctr" anchorCtr="0">
             <a:noAutofit/>
           </a:bodyPr>
           <a:lstStyle>
@@ -1688,7 +1729,7 @@
             </a:lvl9pPr>
           </a:lstStyle>
           <a:p>
-            <a:pPr indent="0" lvl="0" marL="0" rtl="0" algn="r">
+            <a:pPr marL="0" lvl="0" indent="0" algn="r" rtl="0">
               <a:spcBef>
                 <a:spcPts val="0"/>
               </a:spcBef>
@@ -1714,11 +1755,11 @@
 </file>
 
 <file path=ppt/slideLayouts/slideLayout10.xml><?xml version="1.0" encoding="utf-8"?>
-<p:sldLayout xmlns:a="http://schemas.openxmlformats.org/drawingml/2006/main" xmlns:r="http://schemas.openxmlformats.org/officeDocument/2006/relationships" xmlns:mc="http://schemas.openxmlformats.org/markup-compatibility/2006" xmlns:mv="urn:schemas-microsoft-com:mac:vml" xmlns:p="http://schemas.openxmlformats.org/presentationml/2006/main" xmlns:c="http://schemas.openxmlformats.org/drawingml/2006/chart" xmlns:dgm="http://schemas.openxmlformats.org/drawingml/2006/diagram" xmlns:o="urn:schemas-microsoft-com:office:office" xmlns:v="urn:schemas-microsoft-com:vml" xmlns:pvml="urn:schemas-microsoft-com:office:powerpoint" xmlns:com="http://schemas.openxmlformats.org/drawingml/2006/compatibility" xmlns:p14="http://schemas.microsoft.com/office/powerpoint/2010/main" xmlns:p15="http://schemas.microsoft.com/office/powerpoint/2012/main" matchingName="Big number">
+<p:sldLayout xmlns:a="http://schemas.openxmlformats.org/drawingml/2006/main" xmlns:r="http://schemas.openxmlformats.org/officeDocument/2006/relationships" xmlns:p="http://schemas.openxmlformats.org/presentationml/2006/main" matchingName="Big number">
   <p:cSld name="BIG_NUMBER">
     <p:spTree>
       <p:nvGrpSpPr>
-        <p:cNvPr id="49" name="Shape 49"/>
+        <p:cNvPr id="1" name="Shape 49"/>
         <p:cNvGrpSpPr/>
         <p:nvPr/>
       </p:nvGrpSpPr>
@@ -1733,9 +1774,11 @@
       <p:sp>
         <p:nvSpPr>
           <p:cNvPr id="50" name="Google Shape;50;p11"/>
-          <p:cNvSpPr txBox="1"/>
+          <p:cNvSpPr txBox="1">
+            <a:spLocks noGrp="1"/>
+          </p:cNvSpPr>
           <p:nvPr>
-            <p:ph hasCustomPrompt="1" type="title"/>
+            <p:ph type="title" hasCustomPrompt="1"/>
           </p:nvPr>
         </p:nvSpPr>
         <p:spPr>
@@ -1748,7 +1791,7 @@
           </a:prstGeom>
         </p:spPr>
         <p:txBody>
-          <a:bodyPr anchorCtr="0" anchor="b" bIns="91425" lIns="91425" spcFirstLastPara="1" rIns="91425" wrap="square" tIns="91425"/>
+          <a:bodyPr spcFirstLastPara="1" wrap="square" lIns="91425" tIns="91425" rIns="91425" bIns="91425" anchor="b" anchorCtr="0"/>
           <a:lstStyle>
             <a:lvl1pPr lvl="0" algn="ctr">
               <a:spcBef>
@@ -1860,9 +1903,11 @@
       <p:sp>
         <p:nvSpPr>
           <p:cNvPr id="51" name="Google Shape;51;p11"/>
-          <p:cNvSpPr txBox="1"/>
+          <p:cNvSpPr txBox="1">
+            <a:spLocks noGrp="1"/>
+          </p:cNvSpPr>
           <p:nvPr>
-            <p:ph idx="1" type="body"/>
+            <p:ph type="body" idx="1"/>
           </p:nvPr>
         </p:nvSpPr>
         <p:spPr>
@@ -1875,9 +1920,9 @@
           </a:prstGeom>
         </p:spPr>
         <p:txBody>
-          <a:bodyPr anchorCtr="0" anchor="t" bIns="91425" lIns="91425" spcFirstLastPara="1" rIns="91425" wrap="square" tIns="91425"/>
+          <a:bodyPr spcFirstLastPara="1" wrap="square" lIns="91425" tIns="91425" rIns="91425" bIns="91425" anchor="t" anchorCtr="0"/>
           <a:lstStyle>
-            <a:lvl1pPr indent="-342900" lvl="0" marL="457200" algn="ctr">
+            <a:lvl1pPr marL="457200" lvl="0" indent="-342900" algn="ctr">
               <a:spcBef>
                 <a:spcPts val="0"/>
               </a:spcBef>
@@ -1888,7 +1933,7 @@
               <a:buChar char="●"/>
               <a:defRPr/>
             </a:lvl1pPr>
-            <a:lvl2pPr indent="-317500" lvl="1" marL="914400" algn="ctr">
+            <a:lvl2pPr marL="914400" lvl="1" indent="-317500" algn="ctr">
               <a:spcBef>
                 <a:spcPts val="1600"/>
               </a:spcBef>
@@ -1899,7 +1944,7 @@
               <a:buChar char="○"/>
               <a:defRPr/>
             </a:lvl2pPr>
-            <a:lvl3pPr indent="-317500" lvl="2" marL="1371600" algn="ctr">
+            <a:lvl3pPr marL="1371600" lvl="2" indent="-317500" algn="ctr">
               <a:spcBef>
                 <a:spcPts val="1600"/>
               </a:spcBef>
@@ -1910,7 +1955,7 @@
               <a:buChar char="■"/>
               <a:defRPr/>
             </a:lvl3pPr>
-            <a:lvl4pPr indent="-317500" lvl="3" marL="1828800" algn="ctr">
+            <a:lvl4pPr marL="1828800" lvl="3" indent="-317500" algn="ctr">
               <a:spcBef>
                 <a:spcPts val="1600"/>
               </a:spcBef>
@@ -1921,7 +1966,7 @@
               <a:buChar char="●"/>
               <a:defRPr/>
             </a:lvl4pPr>
-            <a:lvl5pPr indent="-317500" lvl="4" marL="2286000" algn="ctr">
+            <a:lvl5pPr marL="2286000" lvl="4" indent="-317500" algn="ctr">
               <a:spcBef>
                 <a:spcPts val="1600"/>
               </a:spcBef>
@@ -1932,7 +1977,7 @@
               <a:buChar char="○"/>
               <a:defRPr/>
             </a:lvl5pPr>
-            <a:lvl6pPr indent="-317500" lvl="5" marL="2743200" algn="ctr">
+            <a:lvl6pPr marL="2743200" lvl="5" indent="-317500" algn="ctr">
               <a:spcBef>
                 <a:spcPts val="1600"/>
               </a:spcBef>
@@ -1943,7 +1988,7 @@
               <a:buChar char="■"/>
               <a:defRPr/>
             </a:lvl6pPr>
-            <a:lvl7pPr indent="-317500" lvl="6" marL="3200400" algn="ctr">
+            <a:lvl7pPr marL="3200400" lvl="6" indent="-317500" algn="ctr">
               <a:spcBef>
                 <a:spcPts val="1600"/>
               </a:spcBef>
@@ -1954,7 +1999,7 @@
               <a:buChar char="●"/>
               <a:defRPr/>
             </a:lvl7pPr>
-            <a:lvl8pPr indent="-317500" lvl="7" marL="3657600" algn="ctr">
+            <a:lvl8pPr marL="3657600" lvl="7" indent="-317500" algn="ctr">
               <a:spcBef>
                 <a:spcPts val="1600"/>
               </a:spcBef>
@@ -1965,7 +2010,7 @@
               <a:buChar char="○"/>
               <a:defRPr/>
             </a:lvl8pPr>
-            <a:lvl9pPr indent="-317500" lvl="8" marL="4114800" algn="ctr">
+            <a:lvl9pPr marL="4114800" lvl="8" indent="-317500" algn="ctr">
               <a:spcBef>
                 <a:spcPts val="1600"/>
               </a:spcBef>
@@ -1977,15 +2022,19 @@
               <a:defRPr/>
             </a:lvl9pPr>
           </a:lstStyle>
-          <a:p/>
+          <a:p>
+            <a:endParaRPr/>
+          </a:p>
         </p:txBody>
       </p:sp>
       <p:sp>
         <p:nvSpPr>
           <p:cNvPr id="52" name="Google Shape;52;p11"/>
-          <p:cNvSpPr txBox="1"/>
+          <p:cNvSpPr txBox="1">
+            <a:spLocks noGrp="1"/>
+          </p:cNvSpPr>
           <p:nvPr>
-            <p:ph idx="12" type="sldNum"/>
+            <p:ph type="sldNum" idx="12"/>
           </p:nvPr>
         </p:nvSpPr>
         <p:spPr>
@@ -1998,7 +2047,7 @@
           </a:prstGeom>
         </p:spPr>
         <p:txBody>
-          <a:bodyPr anchorCtr="0" anchor="ctr" bIns="91425" lIns="91425" spcFirstLastPara="1" rIns="91425" wrap="square" tIns="91425">
+          <a:bodyPr spcFirstLastPara="1" wrap="square" lIns="91425" tIns="91425" rIns="91425" bIns="91425" anchor="ctr" anchorCtr="0">
             <a:noAutofit/>
           </a:bodyPr>
           <a:lstStyle>
@@ -2040,7 +2089,7 @@
             </a:lvl9pPr>
           </a:lstStyle>
           <a:p>
-            <a:pPr indent="0" lvl="0" marL="0" rtl="0" algn="r">
+            <a:pPr marL="0" lvl="0" indent="0" algn="r" rtl="0">
               <a:spcBef>
                 <a:spcPts val="0"/>
               </a:spcBef>
@@ -2066,11 +2115,11 @@
 </file>
 
 <file path=ppt/slideLayouts/slideLayout11.xml><?xml version="1.0" encoding="utf-8"?>
-<p:sldLayout xmlns:a="http://schemas.openxmlformats.org/drawingml/2006/main" xmlns:r="http://schemas.openxmlformats.org/officeDocument/2006/relationships" xmlns:mc="http://schemas.openxmlformats.org/markup-compatibility/2006" xmlns:mv="urn:schemas-microsoft-com:mac:vml" xmlns:p="http://schemas.openxmlformats.org/presentationml/2006/main" xmlns:c="http://schemas.openxmlformats.org/drawingml/2006/chart" xmlns:dgm="http://schemas.openxmlformats.org/drawingml/2006/diagram" xmlns:o="urn:schemas-microsoft-com:office:office" xmlns:v="urn:schemas-microsoft-com:vml" xmlns:pvml="urn:schemas-microsoft-com:office:powerpoint" xmlns:com="http://schemas.openxmlformats.org/drawingml/2006/compatibility" xmlns:p14="http://schemas.microsoft.com/office/powerpoint/2010/main" xmlns:p15="http://schemas.microsoft.com/office/powerpoint/2012/main" matchingName="Blank" type="blank">
+<p:sldLayout xmlns:a="http://schemas.openxmlformats.org/drawingml/2006/main" xmlns:r="http://schemas.openxmlformats.org/officeDocument/2006/relationships" xmlns:p="http://schemas.openxmlformats.org/presentationml/2006/main" matchingName="Blank" type="blank">
   <p:cSld name="BLANK">
     <p:spTree>
       <p:nvGrpSpPr>
-        <p:cNvPr id="53" name="Shape 53"/>
+        <p:cNvPr id="1" name="Shape 53"/>
         <p:cNvGrpSpPr/>
         <p:nvPr/>
       </p:nvGrpSpPr>
@@ -2085,9 +2134,11 @@
       <p:sp>
         <p:nvSpPr>
           <p:cNvPr id="54" name="Google Shape;54;p12"/>
-          <p:cNvSpPr txBox="1"/>
+          <p:cNvSpPr txBox="1">
+            <a:spLocks noGrp="1"/>
+          </p:cNvSpPr>
           <p:nvPr>
-            <p:ph idx="12" type="sldNum"/>
+            <p:ph type="sldNum" idx="12"/>
           </p:nvPr>
         </p:nvSpPr>
         <p:spPr>
@@ -2100,7 +2151,7 @@
           </a:prstGeom>
         </p:spPr>
         <p:txBody>
-          <a:bodyPr anchorCtr="0" anchor="ctr" bIns="91425" lIns="91425" spcFirstLastPara="1" rIns="91425" wrap="square" tIns="91425">
+          <a:bodyPr spcFirstLastPara="1" wrap="square" lIns="91425" tIns="91425" rIns="91425" bIns="91425" anchor="ctr" anchorCtr="0">
             <a:noAutofit/>
           </a:bodyPr>
           <a:lstStyle>
@@ -2142,7 +2193,7 @@
             </a:lvl9pPr>
           </a:lstStyle>
           <a:p>
-            <a:pPr indent="0" lvl="0" marL="0" rtl="0" algn="r">
+            <a:pPr marL="0" lvl="0" indent="0" algn="r" rtl="0">
               <a:spcBef>
                 <a:spcPts val="0"/>
               </a:spcBef>
@@ -2168,11 +2219,11 @@
 </file>
 
 <file path=ppt/slideLayouts/slideLayout2.xml><?xml version="1.0" encoding="utf-8"?>
-<p:sldLayout xmlns:a="http://schemas.openxmlformats.org/drawingml/2006/main" xmlns:r="http://schemas.openxmlformats.org/officeDocument/2006/relationships" xmlns:mc="http://schemas.openxmlformats.org/markup-compatibility/2006" xmlns:mv="urn:schemas-microsoft-com:mac:vml" xmlns:p="http://schemas.openxmlformats.org/presentationml/2006/main" xmlns:c="http://schemas.openxmlformats.org/drawingml/2006/chart" xmlns:dgm="http://schemas.openxmlformats.org/drawingml/2006/diagram" xmlns:o="urn:schemas-microsoft-com:office:office" xmlns:v="urn:schemas-microsoft-com:vml" xmlns:pvml="urn:schemas-microsoft-com:office:powerpoint" xmlns:com="http://schemas.openxmlformats.org/drawingml/2006/compatibility" xmlns:p14="http://schemas.microsoft.com/office/powerpoint/2010/main" xmlns:p15="http://schemas.microsoft.com/office/powerpoint/2012/main" matchingName="Section header" type="secHead">
+<p:sldLayout xmlns:a="http://schemas.openxmlformats.org/drawingml/2006/main" xmlns:r="http://schemas.openxmlformats.org/officeDocument/2006/relationships" xmlns:p="http://schemas.openxmlformats.org/presentationml/2006/main" matchingName="Section header" type="secHead">
   <p:cSld name="SECTION_HEADER">
     <p:spTree>
       <p:nvGrpSpPr>
-        <p:cNvPr id="17" name="Shape 17"/>
+        <p:cNvPr id="1" name="Shape 17"/>
         <p:cNvGrpSpPr/>
         <p:nvPr/>
       </p:nvGrpSpPr>
@@ -2187,7 +2238,9 @@
       <p:sp>
         <p:nvSpPr>
           <p:cNvPr id="18" name="Google Shape;18;p3"/>
-          <p:cNvSpPr txBox="1"/>
+          <p:cNvSpPr txBox="1">
+            <a:spLocks noGrp="1"/>
+          </p:cNvSpPr>
           <p:nvPr>
             <p:ph type="title"/>
           </p:nvPr>
@@ -2202,7 +2255,7 @@
           </a:prstGeom>
         </p:spPr>
         <p:txBody>
-          <a:bodyPr anchorCtr="0" anchor="ctr" bIns="91425" lIns="91425" spcFirstLastPara="1" rIns="91425" wrap="square" tIns="91425"/>
+          <a:bodyPr spcFirstLastPara="1" wrap="square" lIns="91425" tIns="91425" rIns="91425" bIns="91425" anchor="ctr" anchorCtr="0"/>
           <a:lstStyle>
             <a:lvl1pPr lvl="0" algn="ctr">
               <a:spcBef>
@@ -2304,15 +2357,19 @@
               <a:defRPr sz="3600"/>
             </a:lvl9pPr>
           </a:lstStyle>
-          <a:p/>
+          <a:p>
+            <a:endParaRPr/>
+          </a:p>
         </p:txBody>
       </p:sp>
       <p:sp>
         <p:nvSpPr>
           <p:cNvPr id="19" name="Google Shape;19;p3"/>
-          <p:cNvSpPr txBox="1"/>
+          <p:cNvSpPr txBox="1">
+            <a:spLocks noGrp="1"/>
+          </p:cNvSpPr>
           <p:nvPr>
-            <p:ph idx="12" type="sldNum"/>
+            <p:ph type="sldNum" idx="12"/>
           </p:nvPr>
         </p:nvSpPr>
         <p:spPr>
@@ -2325,7 +2382,7 @@
           </a:prstGeom>
         </p:spPr>
         <p:txBody>
-          <a:bodyPr anchorCtr="0" anchor="ctr" bIns="91425" lIns="91425" spcFirstLastPara="1" rIns="91425" wrap="square" tIns="91425">
+          <a:bodyPr spcFirstLastPara="1" wrap="square" lIns="91425" tIns="91425" rIns="91425" bIns="91425" anchor="ctr" anchorCtr="0">
             <a:noAutofit/>
           </a:bodyPr>
           <a:lstStyle>
@@ -2367,7 +2424,7 @@
             </a:lvl9pPr>
           </a:lstStyle>
           <a:p>
-            <a:pPr indent="0" lvl="0" marL="0" rtl="0" algn="r">
+            <a:pPr marL="0" lvl="0" indent="0" algn="r" rtl="0">
               <a:spcBef>
                 <a:spcPts val="0"/>
               </a:spcBef>
@@ -2393,11 +2450,11 @@
 </file>
 
 <file path=ppt/slideLayouts/slideLayout3.xml><?xml version="1.0" encoding="utf-8"?>
-<p:sldLayout xmlns:a="http://schemas.openxmlformats.org/drawingml/2006/main" xmlns:r="http://schemas.openxmlformats.org/officeDocument/2006/relationships" xmlns:mc="http://schemas.openxmlformats.org/markup-compatibility/2006" xmlns:mv="urn:schemas-microsoft-com:mac:vml" xmlns:p="http://schemas.openxmlformats.org/presentationml/2006/main" xmlns:c="http://schemas.openxmlformats.org/drawingml/2006/chart" xmlns:dgm="http://schemas.openxmlformats.org/drawingml/2006/diagram" xmlns:o="urn:schemas-microsoft-com:office:office" xmlns:v="urn:schemas-microsoft-com:vml" xmlns:pvml="urn:schemas-microsoft-com:office:powerpoint" xmlns:com="http://schemas.openxmlformats.org/drawingml/2006/compatibility" xmlns:p14="http://schemas.microsoft.com/office/powerpoint/2010/main" xmlns:p15="http://schemas.microsoft.com/office/powerpoint/2012/main" matchingName="Title and body" type="tx">
+<p:sldLayout xmlns:a="http://schemas.openxmlformats.org/drawingml/2006/main" xmlns:r="http://schemas.openxmlformats.org/officeDocument/2006/relationships" xmlns:p="http://schemas.openxmlformats.org/presentationml/2006/main" matchingName="Title and body" type="tx">
   <p:cSld name="TITLE_AND_BODY">
     <p:spTree>
       <p:nvGrpSpPr>
-        <p:cNvPr id="20" name="Shape 20"/>
+        <p:cNvPr id="1" name="Shape 20"/>
         <p:cNvGrpSpPr/>
         <p:nvPr/>
       </p:nvGrpSpPr>
@@ -2412,7 +2469,9 @@
       <p:sp>
         <p:nvSpPr>
           <p:cNvPr id="21" name="Google Shape;21;p4"/>
-          <p:cNvSpPr txBox="1"/>
+          <p:cNvSpPr txBox="1">
+            <a:spLocks noGrp="1"/>
+          </p:cNvSpPr>
           <p:nvPr>
             <p:ph type="title"/>
           </p:nvPr>
@@ -2427,7 +2486,7 @@
           </a:prstGeom>
         </p:spPr>
         <p:txBody>
-          <a:bodyPr anchorCtr="0" anchor="t" bIns="91425" lIns="91425" spcFirstLastPara="1" rIns="91425" wrap="square" tIns="91425"/>
+          <a:bodyPr spcFirstLastPara="1" wrap="square" lIns="91425" tIns="91425" rIns="91425" bIns="91425" anchor="t" anchorCtr="0"/>
           <a:lstStyle>
             <a:lvl1pPr lvl="0">
               <a:spcBef>
@@ -2529,15 +2588,19 @@
               <a:defRPr/>
             </a:lvl9pPr>
           </a:lstStyle>
-          <a:p/>
+          <a:p>
+            <a:endParaRPr/>
+          </a:p>
         </p:txBody>
       </p:sp>
       <p:sp>
         <p:nvSpPr>
           <p:cNvPr id="22" name="Google Shape;22;p4"/>
-          <p:cNvSpPr txBox="1"/>
+          <p:cNvSpPr txBox="1">
+            <a:spLocks noGrp="1"/>
+          </p:cNvSpPr>
           <p:nvPr>
-            <p:ph idx="1" type="body"/>
+            <p:ph type="body" idx="1"/>
           </p:nvPr>
         </p:nvSpPr>
         <p:spPr>
@@ -2550,9 +2613,9 @@
           </a:prstGeom>
         </p:spPr>
         <p:txBody>
-          <a:bodyPr anchorCtr="0" anchor="t" bIns="91425" lIns="91425" spcFirstLastPara="1" rIns="91425" wrap="square" tIns="91425"/>
+          <a:bodyPr spcFirstLastPara="1" wrap="square" lIns="91425" tIns="91425" rIns="91425" bIns="91425" anchor="t" anchorCtr="0"/>
           <a:lstStyle>
-            <a:lvl1pPr indent="-342900" lvl="0" marL="457200">
+            <a:lvl1pPr marL="457200" lvl="0" indent="-342900">
               <a:spcBef>
                 <a:spcPts val="0"/>
               </a:spcBef>
@@ -2563,7 +2626,7 @@
               <a:buChar char="●"/>
               <a:defRPr/>
             </a:lvl1pPr>
-            <a:lvl2pPr indent="-317500" lvl="1" marL="914400">
+            <a:lvl2pPr marL="914400" lvl="1" indent="-317500">
               <a:spcBef>
                 <a:spcPts val="1600"/>
               </a:spcBef>
@@ -2574,7 +2637,7 @@
               <a:buChar char="○"/>
               <a:defRPr/>
             </a:lvl2pPr>
-            <a:lvl3pPr indent="-317500" lvl="2" marL="1371600">
+            <a:lvl3pPr marL="1371600" lvl="2" indent="-317500">
               <a:spcBef>
                 <a:spcPts val="1600"/>
               </a:spcBef>
@@ -2585,7 +2648,7 @@
               <a:buChar char="■"/>
               <a:defRPr/>
             </a:lvl3pPr>
-            <a:lvl4pPr indent="-317500" lvl="3" marL="1828800">
+            <a:lvl4pPr marL="1828800" lvl="3" indent="-317500">
               <a:spcBef>
                 <a:spcPts val="1600"/>
               </a:spcBef>
@@ -2596,7 +2659,7 @@
               <a:buChar char="●"/>
               <a:defRPr/>
             </a:lvl4pPr>
-            <a:lvl5pPr indent="-317500" lvl="4" marL="2286000">
+            <a:lvl5pPr marL="2286000" lvl="4" indent="-317500">
               <a:spcBef>
                 <a:spcPts val="1600"/>
               </a:spcBef>
@@ -2607,7 +2670,7 @@
               <a:buChar char="○"/>
               <a:defRPr/>
             </a:lvl5pPr>
-            <a:lvl6pPr indent="-317500" lvl="5" marL="2743200">
+            <a:lvl6pPr marL="2743200" lvl="5" indent="-317500">
               <a:spcBef>
                 <a:spcPts val="1600"/>
               </a:spcBef>
@@ -2618,7 +2681,7 @@
               <a:buChar char="■"/>
               <a:defRPr/>
             </a:lvl6pPr>
-            <a:lvl7pPr indent="-317500" lvl="6" marL="3200400">
+            <a:lvl7pPr marL="3200400" lvl="6" indent="-317500">
               <a:spcBef>
                 <a:spcPts val="1600"/>
               </a:spcBef>
@@ -2629,7 +2692,7 @@
               <a:buChar char="●"/>
               <a:defRPr/>
             </a:lvl7pPr>
-            <a:lvl8pPr indent="-317500" lvl="7" marL="3657600">
+            <a:lvl8pPr marL="3657600" lvl="7" indent="-317500">
               <a:spcBef>
                 <a:spcPts val="1600"/>
               </a:spcBef>
@@ -2640,7 +2703,7 @@
               <a:buChar char="○"/>
               <a:defRPr/>
             </a:lvl8pPr>
-            <a:lvl9pPr indent="-317500" lvl="8" marL="4114800">
+            <a:lvl9pPr marL="4114800" lvl="8" indent="-317500">
               <a:spcBef>
                 <a:spcPts val="1600"/>
               </a:spcBef>
@@ -2652,15 +2715,19 @@
               <a:defRPr/>
             </a:lvl9pPr>
           </a:lstStyle>
-          <a:p/>
+          <a:p>
+            <a:endParaRPr/>
+          </a:p>
         </p:txBody>
       </p:sp>
       <p:sp>
         <p:nvSpPr>
           <p:cNvPr id="23" name="Google Shape;23;p4"/>
-          <p:cNvSpPr txBox="1"/>
+          <p:cNvSpPr txBox="1">
+            <a:spLocks noGrp="1"/>
+          </p:cNvSpPr>
           <p:nvPr>
-            <p:ph idx="12" type="sldNum"/>
+            <p:ph type="sldNum" idx="12"/>
           </p:nvPr>
         </p:nvSpPr>
         <p:spPr>
@@ -2673,7 +2740,7 @@
           </a:prstGeom>
         </p:spPr>
         <p:txBody>
-          <a:bodyPr anchorCtr="0" anchor="ctr" bIns="91425" lIns="91425" spcFirstLastPara="1" rIns="91425" wrap="square" tIns="91425">
+          <a:bodyPr spcFirstLastPara="1" wrap="square" lIns="91425" tIns="91425" rIns="91425" bIns="91425" anchor="ctr" anchorCtr="0">
             <a:noAutofit/>
           </a:bodyPr>
           <a:lstStyle>
@@ -2715,7 +2782,7 @@
             </a:lvl9pPr>
           </a:lstStyle>
           <a:p>
-            <a:pPr indent="0" lvl="0" marL="0" rtl="0" algn="r">
+            <a:pPr marL="0" lvl="0" indent="0" algn="r" rtl="0">
               <a:spcBef>
                 <a:spcPts val="0"/>
               </a:spcBef>
@@ -2741,11 +2808,11 @@
 </file>
 
 <file path=ppt/slideLayouts/slideLayout4.xml><?xml version="1.0" encoding="utf-8"?>
-<p:sldLayout xmlns:a="http://schemas.openxmlformats.org/drawingml/2006/main" xmlns:r="http://schemas.openxmlformats.org/officeDocument/2006/relationships" xmlns:mc="http://schemas.openxmlformats.org/markup-compatibility/2006" xmlns:mv="urn:schemas-microsoft-com:mac:vml" xmlns:p="http://schemas.openxmlformats.org/presentationml/2006/main" xmlns:c="http://schemas.openxmlformats.org/drawingml/2006/chart" xmlns:dgm="http://schemas.openxmlformats.org/drawingml/2006/diagram" xmlns:o="urn:schemas-microsoft-com:office:office" xmlns:v="urn:schemas-microsoft-com:vml" xmlns:pvml="urn:schemas-microsoft-com:office:powerpoint" xmlns:com="http://schemas.openxmlformats.org/drawingml/2006/compatibility" xmlns:p14="http://schemas.microsoft.com/office/powerpoint/2010/main" xmlns:p15="http://schemas.microsoft.com/office/powerpoint/2012/main" matchingName="Title and two columns" type="twoColTx">
+<p:sldLayout xmlns:a="http://schemas.openxmlformats.org/drawingml/2006/main" xmlns:r="http://schemas.openxmlformats.org/officeDocument/2006/relationships" xmlns:p="http://schemas.openxmlformats.org/presentationml/2006/main" matchingName="Title and two columns" type="twoColTx">
   <p:cSld name="TITLE_AND_TWO_COLUMNS">
     <p:spTree>
       <p:nvGrpSpPr>
-        <p:cNvPr id="24" name="Shape 24"/>
+        <p:cNvPr id="1" name="Shape 24"/>
         <p:cNvGrpSpPr/>
         <p:nvPr/>
       </p:nvGrpSpPr>
@@ -2760,7 +2827,9 @@
       <p:sp>
         <p:nvSpPr>
           <p:cNvPr id="25" name="Google Shape;25;p5"/>
-          <p:cNvSpPr txBox="1"/>
+          <p:cNvSpPr txBox="1">
+            <a:spLocks noGrp="1"/>
+          </p:cNvSpPr>
           <p:nvPr>
             <p:ph type="title"/>
           </p:nvPr>
@@ -2775,7 +2844,7 @@
           </a:prstGeom>
         </p:spPr>
         <p:txBody>
-          <a:bodyPr anchorCtr="0" anchor="t" bIns="91425" lIns="91425" spcFirstLastPara="1" rIns="91425" wrap="square" tIns="91425"/>
+          <a:bodyPr spcFirstLastPara="1" wrap="square" lIns="91425" tIns="91425" rIns="91425" bIns="91425" anchor="t" anchorCtr="0"/>
           <a:lstStyle>
             <a:lvl1pPr lvl="0">
               <a:spcBef>
@@ -2877,15 +2946,19 @@
               <a:defRPr/>
             </a:lvl9pPr>
           </a:lstStyle>
-          <a:p/>
+          <a:p>
+            <a:endParaRPr/>
+          </a:p>
         </p:txBody>
       </p:sp>
       <p:sp>
         <p:nvSpPr>
           <p:cNvPr id="26" name="Google Shape;26;p5"/>
-          <p:cNvSpPr txBox="1"/>
+          <p:cNvSpPr txBox="1">
+            <a:spLocks noGrp="1"/>
+          </p:cNvSpPr>
           <p:nvPr>
-            <p:ph idx="1" type="body"/>
+            <p:ph type="body" idx="1"/>
           </p:nvPr>
         </p:nvSpPr>
         <p:spPr>
@@ -2898,9 +2971,9 @@
           </a:prstGeom>
         </p:spPr>
         <p:txBody>
-          <a:bodyPr anchorCtr="0" anchor="t" bIns="91425" lIns="91425" spcFirstLastPara="1" rIns="91425" wrap="square" tIns="91425"/>
+          <a:bodyPr spcFirstLastPara="1" wrap="square" lIns="91425" tIns="91425" rIns="91425" bIns="91425" anchor="t" anchorCtr="0"/>
           <a:lstStyle>
-            <a:lvl1pPr indent="-317500" lvl="0" marL="457200">
+            <a:lvl1pPr marL="457200" lvl="0" indent="-317500">
               <a:spcBef>
                 <a:spcPts val="0"/>
               </a:spcBef>
@@ -2911,7 +2984,7 @@
               <a:buChar char="●"/>
               <a:defRPr sz="1400"/>
             </a:lvl1pPr>
-            <a:lvl2pPr indent="-304800" lvl="1" marL="914400">
+            <a:lvl2pPr marL="914400" lvl="1" indent="-304800">
               <a:spcBef>
                 <a:spcPts val="1600"/>
               </a:spcBef>
@@ -2922,7 +2995,7 @@
               <a:buChar char="○"/>
               <a:defRPr sz="1200"/>
             </a:lvl2pPr>
-            <a:lvl3pPr indent="-304800" lvl="2" marL="1371600">
+            <a:lvl3pPr marL="1371600" lvl="2" indent="-304800">
               <a:spcBef>
                 <a:spcPts val="1600"/>
               </a:spcBef>
@@ -2933,7 +3006,7 @@
               <a:buChar char="■"/>
               <a:defRPr sz="1200"/>
             </a:lvl3pPr>
-            <a:lvl4pPr indent="-304800" lvl="3" marL="1828800">
+            <a:lvl4pPr marL="1828800" lvl="3" indent="-304800">
               <a:spcBef>
                 <a:spcPts val="1600"/>
               </a:spcBef>
@@ -2944,7 +3017,7 @@
               <a:buChar char="●"/>
               <a:defRPr sz="1200"/>
             </a:lvl4pPr>
-            <a:lvl5pPr indent="-304800" lvl="4" marL="2286000">
+            <a:lvl5pPr marL="2286000" lvl="4" indent="-304800">
               <a:spcBef>
                 <a:spcPts val="1600"/>
               </a:spcBef>
@@ -2955,7 +3028,7 @@
               <a:buChar char="○"/>
               <a:defRPr sz="1200"/>
             </a:lvl5pPr>
-            <a:lvl6pPr indent="-304800" lvl="5" marL="2743200">
+            <a:lvl6pPr marL="2743200" lvl="5" indent="-304800">
               <a:spcBef>
                 <a:spcPts val="1600"/>
               </a:spcBef>
@@ -2966,7 +3039,7 @@
               <a:buChar char="■"/>
               <a:defRPr sz="1200"/>
             </a:lvl6pPr>
-            <a:lvl7pPr indent="-304800" lvl="6" marL="3200400">
+            <a:lvl7pPr marL="3200400" lvl="6" indent="-304800">
               <a:spcBef>
                 <a:spcPts val="1600"/>
               </a:spcBef>
@@ -2977,7 +3050,7 @@
               <a:buChar char="●"/>
               <a:defRPr sz="1200"/>
             </a:lvl7pPr>
-            <a:lvl8pPr indent="-304800" lvl="7" marL="3657600">
+            <a:lvl8pPr marL="3657600" lvl="7" indent="-304800">
               <a:spcBef>
                 <a:spcPts val="1600"/>
               </a:spcBef>
@@ -2988,7 +3061,7 @@
               <a:buChar char="○"/>
               <a:defRPr sz="1200"/>
             </a:lvl8pPr>
-            <a:lvl9pPr indent="-304800" lvl="8" marL="4114800">
+            <a:lvl9pPr marL="4114800" lvl="8" indent="-304800">
               <a:spcBef>
                 <a:spcPts val="1600"/>
               </a:spcBef>
@@ -3000,15 +3073,19 @@
               <a:defRPr sz="1200"/>
             </a:lvl9pPr>
           </a:lstStyle>
-          <a:p/>
+          <a:p>
+            <a:endParaRPr/>
+          </a:p>
         </p:txBody>
       </p:sp>
       <p:sp>
         <p:nvSpPr>
           <p:cNvPr id="27" name="Google Shape;27;p5"/>
-          <p:cNvSpPr txBox="1"/>
+          <p:cNvSpPr txBox="1">
+            <a:spLocks noGrp="1"/>
+          </p:cNvSpPr>
           <p:nvPr>
-            <p:ph idx="2" type="body"/>
+            <p:ph type="body" idx="2"/>
           </p:nvPr>
         </p:nvSpPr>
         <p:spPr>
@@ -3021,9 +3098,9 @@
           </a:prstGeom>
         </p:spPr>
         <p:txBody>
-          <a:bodyPr anchorCtr="0" anchor="t" bIns="91425" lIns="91425" spcFirstLastPara="1" rIns="91425" wrap="square" tIns="91425"/>
+          <a:bodyPr spcFirstLastPara="1" wrap="square" lIns="91425" tIns="91425" rIns="91425" bIns="91425" anchor="t" anchorCtr="0"/>
           <a:lstStyle>
-            <a:lvl1pPr indent="-317500" lvl="0" marL="457200">
+            <a:lvl1pPr marL="457200" lvl="0" indent="-317500">
               <a:spcBef>
                 <a:spcPts val="0"/>
               </a:spcBef>
@@ -3034,7 +3111,7 @@
               <a:buChar char="●"/>
               <a:defRPr sz="1400"/>
             </a:lvl1pPr>
-            <a:lvl2pPr indent="-304800" lvl="1" marL="914400">
+            <a:lvl2pPr marL="914400" lvl="1" indent="-304800">
               <a:spcBef>
                 <a:spcPts val="1600"/>
               </a:spcBef>
@@ -3045,7 +3122,7 @@
               <a:buChar char="○"/>
               <a:defRPr sz="1200"/>
             </a:lvl2pPr>
-            <a:lvl3pPr indent="-304800" lvl="2" marL="1371600">
+            <a:lvl3pPr marL="1371600" lvl="2" indent="-304800">
               <a:spcBef>
                 <a:spcPts val="1600"/>
               </a:spcBef>
@@ -3056,7 +3133,7 @@
               <a:buChar char="■"/>
               <a:defRPr sz="1200"/>
             </a:lvl3pPr>
-            <a:lvl4pPr indent="-304800" lvl="3" marL="1828800">
+            <a:lvl4pPr marL="1828800" lvl="3" indent="-304800">
               <a:spcBef>
                 <a:spcPts val="1600"/>
               </a:spcBef>
@@ -3067,7 +3144,7 @@
               <a:buChar char="●"/>
               <a:defRPr sz="1200"/>
             </a:lvl4pPr>
-            <a:lvl5pPr indent="-304800" lvl="4" marL="2286000">
+            <a:lvl5pPr marL="2286000" lvl="4" indent="-304800">
               <a:spcBef>
                 <a:spcPts val="1600"/>
               </a:spcBef>
@@ -3078,7 +3155,7 @@
               <a:buChar char="○"/>
               <a:defRPr sz="1200"/>
             </a:lvl5pPr>
-            <a:lvl6pPr indent="-304800" lvl="5" marL="2743200">
+            <a:lvl6pPr marL="2743200" lvl="5" indent="-304800">
               <a:spcBef>
                 <a:spcPts val="1600"/>
               </a:spcBef>
@@ -3089,7 +3166,7 @@
               <a:buChar char="■"/>
               <a:defRPr sz="1200"/>
             </a:lvl6pPr>
-            <a:lvl7pPr indent="-304800" lvl="6" marL="3200400">
+            <a:lvl7pPr marL="3200400" lvl="6" indent="-304800">
               <a:spcBef>
                 <a:spcPts val="1600"/>
               </a:spcBef>
@@ -3100,7 +3177,7 @@
               <a:buChar char="●"/>
               <a:defRPr sz="1200"/>
             </a:lvl7pPr>
-            <a:lvl8pPr indent="-304800" lvl="7" marL="3657600">
+            <a:lvl8pPr marL="3657600" lvl="7" indent="-304800">
               <a:spcBef>
                 <a:spcPts val="1600"/>
               </a:spcBef>
@@ -3111,7 +3188,7 @@
               <a:buChar char="○"/>
               <a:defRPr sz="1200"/>
             </a:lvl8pPr>
-            <a:lvl9pPr indent="-304800" lvl="8" marL="4114800">
+            <a:lvl9pPr marL="4114800" lvl="8" indent="-304800">
               <a:spcBef>
                 <a:spcPts val="1600"/>
               </a:spcBef>
@@ -3123,15 +3200,19 @@
               <a:defRPr sz="1200"/>
             </a:lvl9pPr>
           </a:lstStyle>
-          <a:p/>
+          <a:p>
+            <a:endParaRPr/>
+          </a:p>
         </p:txBody>
       </p:sp>
       <p:sp>
         <p:nvSpPr>
           <p:cNvPr id="28" name="Google Shape;28;p5"/>
-          <p:cNvSpPr txBox="1"/>
+          <p:cNvSpPr txBox="1">
+            <a:spLocks noGrp="1"/>
+          </p:cNvSpPr>
           <p:nvPr>
-            <p:ph idx="12" type="sldNum"/>
+            <p:ph type="sldNum" idx="12"/>
           </p:nvPr>
         </p:nvSpPr>
         <p:spPr>
@@ -3144,7 +3225,7 @@
           </a:prstGeom>
         </p:spPr>
         <p:txBody>
-          <a:bodyPr anchorCtr="0" anchor="ctr" bIns="91425" lIns="91425" spcFirstLastPara="1" rIns="91425" wrap="square" tIns="91425">
+          <a:bodyPr spcFirstLastPara="1" wrap="square" lIns="91425" tIns="91425" rIns="91425" bIns="91425" anchor="ctr" anchorCtr="0">
             <a:noAutofit/>
           </a:bodyPr>
           <a:lstStyle>
@@ -3186,7 +3267,7 @@
             </a:lvl9pPr>
           </a:lstStyle>
           <a:p>
-            <a:pPr indent="0" lvl="0" marL="0" rtl="0" algn="r">
+            <a:pPr marL="0" lvl="0" indent="0" algn="r" rtl="0">
               <a:spcBef>
                 <a:spcPts val="0"/>
               </a:spcBef>
@@ -3212,11 +3293,11 @@
 </file>
 
 <file path=ppt/slideLayouts/slideLayout5.xml><?xml version="1.0" encoding="utf-8"?>
-<p:sldLayout xmlns:a="http://schemas.openxmlformats.org/drawingml/2006/main" xmlns:r="http://schemas.openxmlformats.org/officeDocument/2006/relationships" xmlns:mc="http://schemas.openxmlformats.org/markup-compatibility/2006" xmlns:mv="urn:schemas-microsoft-com:mac:vml" xmlns:p="http://schemas.openxmlformats.org/presentationml/2006/main" xmlns:c="http://schemas.openxmlformats.org/drawingml/2006/chart" xmlns:dgm="http://schemas.openxmlformats.org/drawingml/2006/diagram" xmlns:o="urn:schemas-microsoft-com:office:office" xmlns:v="urn:schemas-microsoft-com:vml" xmlns:pvml="urn:schemas-microsoft-com:office:powerpoint" xmlns:com="http://schemas.openxmlformats.org/drawingml/2006/compatibility" xmlns:p14="http://schemas.microsoft.com/office/powerpoint/2010/main" xmlns:p15="http://schemas.microsoft.com/office/powerpoint/2012/main" matchingName="Title only" type="titleOnly">
+<p:sldLayout xmlns:a="http://schemas.openxmlformats.org/drawingml/2006/main" xmlns:r="http://schemas.openxmlformats.org/officeDocument/2006/relationships" xmlns:p="http://schemas.openxmlformats.org/presentationml/2006/main" matchingName="Title only" type="titleOnly">
   <p:cSld name="TITLE_ONLY">
     <p:spTree>
       <p:nvGrpSpPr>
-        <p:cNvPr id="29" name="Shape 29"/>
+        <p:cNvPr id="1" name="Shape 29"/>
         <p:cNvGrpSpPr/>
         <p:nvPr/>
       </p:nvGrpSpPr>
@@ -3231,7 +3312,9 @@
       <p:sp>
         <p:nvSpPr>
           <p:cNvPr id="30" name="Google Shape;30;p6"/>
-          <p:cNvSpPr txBox="1"/>
+          <p:cNvSpPr txBox="1">
+            <a:spLocks noGrp="1"/>
+          </p:cNvSpPr>
           <p:nvPr>
             <p:ph type="title"/>
           </p:nvPr>
@@ -3246,7 +3329,7 @@
           </a:prstGeom>
         </p:spPr>
         <p:txBody>
-          <a:bodyPr anchorCtr="0" anchor="t" bIns="91425" lIns="91425" spcFirstLastPara="1" rIns="91425" wrap="square" tIns="91425"/>
+          <a:bodyPr spcFirstLastPara="1" wrap="square" lIns="91425" tIns="91425" rIns="91425" bIns="91425" anchor="t" anchorCtr="0"/>
           <a:lstStyle>
             <a:lvl1pPr lvl="0">
               <a:spcBef>
@@ -3348,15 +3431,19 @@
               <a:defRPr/>
             </a:lvl9pPr>
           </a:lstStyle>
-          <a:p/>
+          <a:p>
+            <a:endParaRPr/>
+          </a:p>
         </p:txBody>
       </p:sp>
       <p:sp>
         <p:nvSpPr>
           <p:cNvPr id="31" name="Google Shape;31;p6"/>
-          <p:cNvSpPr txBox="1"/>
+          <p:cNvSpPr txBox="1">
+            <a:spLocks noGrp="1"/>
+          </p:cNvSpPr>
           <p:nvPr>
-            <p:ph idx="12" type="sldNum"/>
+            <p:ph type="sldNum" idx="12"/>
           </p:nvPr>
         </p:nvSpPr>
         <p:spPr>
@@ -3369,7 +3456,7 @@
           </a:prstGeom>
         </p:spPr>
         <p:txBody>
-          <a:bodyPr anchorCtr="0" anchor="ctr" bIns="91425" lIns="91425" spcFirstLastPara="1" rIns="91425" wrap="square" tIns="91425">
+          <a:bodyPr spcFirstLastPara="1" wrap="square" lIns="91425" tIns="91425" rIns="91425" bIns="91425" anchor="ctr" anchorCtr="0">
             <a:noAutofit/>
           </a:bodyPr>
           <a:lstStyle>
@@ -3411,7 +3498,7 @@
             </a:lvl9pPr>
           </a:lstStyle>
           <a:p>
-            <a:pPr indent="0" lvl="0" marL="0" rtl="0" algn="r">
+            <a:pPr marL="0" lvl="0" indent="0" algn="r" rtl="0">
               <a:spcBef>
                 <a:spcPts val="0"/>
               </a:spcBef>
@@ -3437,11 +3524,11 @@
 </file>
 
 <file path=ppt/slideLayouts/slideLayout6.xml><?xml version="1.0" encoding="utf-8"?>
-<p:sldLayout xmlns:a="http://schemas.openxmlformats.org/drawingml/2006/main" xmlns:r="http://schemas.openxmlformats.org/officeDocument/2006/relationships" xmlns:mc="http://schemas.openxmlformats.org/markup-compatibility/2006" xmlns:mv="urn:schemas-microsoft-com:mac:vml" xmlns:p="http://schemas.openxmlformats.org/presentationml/2006/main" xmlns:c="http://schemas.openxmlformats.org/drawingml/2006/chart" xmlns:dgm="http://schemas.openxmlformats.org/drawingml/2006/diagram" xmlns:o="urn:schemas-microsoft-com:office:office" xmlns:v="urn:schemas-microsoft-com:vml" xmlns:pvml="urn:schemas-microsoft-com:office:powerpoint" xmlns:com="http://schemas.openxmlformats.org/drawingml/2006/compatibility" xmlns:p14="http://schemas.microsoft.com/office/powerpoint/2010/main" xmlns:p15="http://schemas.microsoft.com/office/powerpoint/2012/main" matchingName="One column text">
+<p:sldLayout xmlns:a="http://schemas.openxmlformats.org/drawingml/2006/main" xmlns:r="http://schemas.openxmlformats.org/officeDocument/2006/relationships" xmlns:p="http://schemas.openxmlformats.org/presentationml/2006/main" matchingName="One column text">
   <p:cSld name="ONE_COLUMN_TEXT">
     <p:spTree>
       <p:nvGrpSpPr>
-        <p:cNvPr id="32" name="Shape 32"/>
+        <p:cNvPr id="1" name="Shape 32"/>
         <p:cNvGrpSpPr/>
         <p:nvPr/>
       </p:nvGrpSpPr>
@@ -3456,7 +3543,9 @@
       <p:sp>
         <p:nvSpPr>
           <p:cNvPr id="33" name="Google Shape;33;p7"/>
-          <p:cNvSpPr txBox="1"/>
+          <p:cNvSpPr txBox="1">
+            <a:spLocks noGrp="1"/>
+          </p:cNvSpPr>
           <p:nvPr>
             <p:ph type="title"/>
           </p:nvPr>
@@ -3471,7 +3560,7 @@
           </a:prstGeom>
         </p:spPr>
         <p:txBody>
-          <a:bodyPr anchorCtr="0" anchor="b" bIns="91425" lIns="91425" spcFirstLastPara="1" rIns="91425" wrap="square" tIns="91425"/>
+          <a:bodyPr spcFirstLastPara="1" wrap="square" lIns="91425" tIns="91425" rIns="91425" bIns="91425" anchor="b" anchorCtr="0"/>
           <a:lstStyle>
             <a:lvl1pPr lvl="0">
               <a:spcBef>
@@ -3573,15 +3662,19 @@
               <a:defRPr sz="2400"/>
             </a:lvl9pPr>
           </a:lstStyle>
-          <a:p/>
+          <a:p>
+            <a:endParaRPr/>
+          </a:p>
         </p:txBody>
       </p:sp>
       <p:sp>
         <p:nvSpPr>
           <p:cNvPr id="34" name="Google Shape;34;p7"/>
-          <p:cNvSpPr txBox="1"/>
+          <p:cNvSpPr txBox="1">
+            <a:spLocks noGrp="1"/>
+          </p:cNvSpPr>
           <p:nvPr>
-            <p:ph idx="1" type="body"/>
+            <p:ph type="body" idx="1"/>
           </p:nvPr>
         </p:nvSpPr>
         <p:spPr>
@@ -3594,9 +3687,9 @@
           </a:prstGeom>
         </p:spPr>
         <p:txBody>
-          <a:bodyPr anchorCtr="0" anchor="t" bIns="91425" lIns="91425" spcFirstLastPara="1" rIns="91425" wrap="square" tIns="91425"/>
+          <a:bodyPr spcFirstLastPara="1" wrap="square" lIns="91425" tIns="91425" rIns="91425" bIns="91425" anchor="t" anchorCtr="0"/>
           <a:lstStyle>
-            <a:lvl1pPr indent="-304800" lvl="0" marL="457200">
+            <a:lvl1pPr marL="457200" lvl="0" indent="-304800">
               <a:spcBef>
                 <a:spcPts val="0"/>
               </a:spcBef>
@@ -3607,7 +3700,7 @@
               <a:buChar char="●"/>
               <a:defRPr sz="1200"/>
             </a:lvl1pPr>
-            <a:lvl2pPr indent="-304800" lvl="1" marL="914400">
+            <a:lvl2pPr marL="914400" lvl="1" indent="-304800">
               <a:spcBef>
                 <a:spcPts val="1600"/>
               </a:spcBef>
@@ -3618,7 +3711,7 @@
               <a:buChar char="○"/>
               <a:defRPr sz="1200"/>
             </a:lvl2pPr>
-            <a:lvl3pPr indent="-304800" lvl="2" marL="1371600">
+            <a:lvl3pPr marL="1371600" lvl="2" indent="-304800">
               <a:spcBef>
                 <a:spcPts val="1600"/>
               </a:spcBef>
@@ -3629,7 +3722,7 @@
               <a:buChar char="■"/>
               <a:defRPr sz="1200"/>
             </a:lvl3pPr>
-            <a:lvl4pPr indent="-304800" lvl="3" marL="1828800">
+            <a:lvl4pPr marL="1828800" lvl="3" indent="-304800">
               <a:spcBef>
                 <a:spcPts val="1600"/>
               </a:spcBef>
@@ -3640,7 +3733,7 @@
               <a:buChar char="●"/>
               <a:defRPr sz="1200"/>
             </a:lvl4pPr>
-            <a:lvl5pPr indent="-304800" lvl="4" marL="2286000">
+            <a:lvl5pPr marL="2286000" lvl="4" indent="-304800">
               <a:spcBef>
                 <a:spcPts val="1600"/>
               </a:spcBef>
@@ -3651,7 +3744,7 @@
               <a:buChar char="○"/>
               <a:defRPr sz="1200"/>
             </a:lvl5pPr>
-            <a:lvl6pPr indent="-304800" lvl="5" marL="2743200">
+            <a:lvl6pPr marL="2743200" lvl="5" indent="-304800">
               <a:spcBef>
                 <a:spcPts val="1600"/>
               </a:spcBef>
@@ -3662,7 +3755,7 @@
               <a:buChar char="■"/>
               <a:defRPr sz="1200"/>
             </a:lvl6pPr>
-            <a:lvl7pPr indent="-304800" lvl="6" marL="3200400">
+            <a:lvl7pPr marL="3200400" lvl="6" indent="-304800">
               <a:spcBef>
                 <a:spcPts val="1600"/>
               </a:spcBef>
@@ -3673,7 +3766,7 @@
               <a:buChar char="●"/>
               <a:defRPr sz="1200"/>
             </a:lvl7pPr>
-            <a:lvl8pPr indent="-304800" lvl="7" marL="3657600">
+            <a:lvl8pPr marL="3657600" lvl="7" indent="-304800">
               <a:spcBef>
                 <a:spcPts val="1600"/>
               </a:spcBef>
@@ -3684,7 +3777,7 @@
               <a:buChar char="○"/>
               <a:defRPr sz="1200"/>
             </a:lvl8pPr>
-            <a:lvl9pPr indent="-304800" lvl="8" marL="4114800">
+            <a:lvl9pPr marL="4114800" lvl="8" indent="-304800">
               <a:spcBef>
                 <a:spcPts val="1600"/>
               </a:spcBef>
@@ -3696,15 +3789,19 @@
               <a:defRPr sz="1200"/>
             </a:lvl9pPr>
           </a:lstStyle>
-          <a:p/>
+          <a:p>
+            <a:endParaRPr/>
+          </a:p>
         </p:txBody>
       </p:sp>
       <p:sp>
         <p:nvSpPr>
           <p:cNvPr id="35" name="Google Shape;35;p7"/>
-          <p:cNvSpPr txBox="1"/>
+          <p:cNvSpPr txBox="1">
+            <a:spLocks noGrp="1"/>
+          </p:cNvSpPr>
           <p:nvPr>
-            <p:ph idx="12" type="sldNum"/>
+            <p:ph type="sldNum" idx="12"/>
           </p:nvPr>
         </p:nvSpPr>
         <p:spPr>
@@ -3717,7 +3814,7 @@
           </a:prstGeom>
         </p:spPr>
         <p:txBody>
-          <a:bodyPr anchorCtr="0" anchor="ctr" bIns="91425" lIns="91425" spcFirstLastPara="1" rIns="91425" wrap="square" tIns="91425">
+          <a:bodyPr spcFirstLastPara="1" wrap="square" lIns="91425" tIns="91425" rIns="91425" bIns="91425" anchor="ctr" anchorCtr="0">
             <a:noAutofit/>
           </a:bodyPr>
           <a:lstStyle>
@@ -3759,7 +3856,7 @@
             </a:lvl9pPr>
           </a:lstStyle>
           <a:p>
-            <a:pPr indent="0" lvl="0" marL="0" rtl="0" algn="r">
+            <a:pPr marL="0" lvl="0" indent="0" algn="r" rtl="0">
               <a:spcBef>
                 <a:spcPts val="0"/>
               </a:spcBef>
@@ -3785,18 +3882,19 @@
 </file>
 
 <file path=ppt/slideLayouts/slideLayout7.xml><?xml version="1.0" encoding="utf-8"?>
-<p:sldLayout xmlns:a="http://schemas.openxmlformats.org/drawingml/2006/main" xmlns:r="http://schemas.openxmlformats.org/officeDocument/2006/relationships" xmlns:mc="http://schemas.openxmlformats.org/markup-compatibility/2006" xmlns:mv="urn:schemas-microsoft-com:mac:vml" xmlns:p="http://schemas.openxmlformats.org/presentationml/2006/main" xmlns:c="http://schemas.openxmlformats.org/drawingml/2006/chart" xmlns:dgm="http://schemas.openxmlformats.org/drawingml/2006/diagram" xmlns:o="urn:schemas-microsoft-com:office:office" xmlns:v="urn:schemas-microsoft-com:vml" xmlns:pvml="urn:schemas-microsoft-com:office:powerpoint" xmlns:com="http://schemas.openxmlformats.org/drawingml/2006/compatibility" xmlns:p14="http://schemas.microsoft.com/office/powerpoint/2010/main" xmlns:p15="http://schemas.microsoft.com/office/powerpoint/2012/main" matchingName="Main point">
+<p:sldLayout xmlns:a="http://schemas.openxmlformats.org/drawingml/2006/main" xmlns:r="http://schemas.openxmlformats.org/officeDocument/2006/relationships" xmlns:p="http://schemas.openxmlformats.org/presentationml/2006/main" matchingName="Main point">
   <p:cSld name="MAIN_POINT">
     <p:bg>
       <p:bgPr>
         <a:solidFill>
           <a:schemeClr val="lt2"/>
         </a:solidFill>
+        <a:effectLst/>
       </p:bgPr>
     </p:bg>
     <p:spTree>
       <p:nvGrpSpPr>
-        <p:cNvPr id="36" name="Shape 36"/>
+        <p:cNvPr id="1" name="Shape 36"/>
         <p:cNvGrpSpPr/>
         <p:nvPr/>
       </p:nvGrpSpPr>
@@ -3811,7 +3909,9 @@
       <p:sp>
         <p:nvSpPr>
           <p:cNvPr id="37" name="Google Shape;37;p8"/>
-          <p:cNvSpPr txBox="1"/>
+          <p:cNvSpPr txBox="1">
+            <a:spLocks noGrp="1"/>
+          </p:cNvSpPr>
           <p:nvPr>
             <p:ph type="title"/>
           </p:nvPr>
@@ -3826,7 +3926,7 @@
           </a:prstGeom>
         </p:spPr>
         <p:txBody>
-          <a:bodyPr anchorCtr="0" anchor="ctr" bIns="91425" lIns="91425" spcFirstLastPara="1" rIns="91425" wrap="square" tIns="91425"/>
+          <a:bodyPr spcFirstLastPara="1" wrap="square" lIns="91425" tIns="91425" rIns="91425" bIns="91425" anchor="ctr" anchorCtr="0"/>
           <a:lstStyle>
             <a:lvl1pPr lvl="0">
               <a:spcBef>
@@ -3991,15 +4091,19 @@
               </a:defRPr>
             </a:lvl9pPr>
           </a:lstStyle>
-          <a:p/>
+          <a:p>
+            <a:endParaRPr/>
+          </a:p>
         </p:txBody>
       </p:sp>
       <p:sp>
         <p:nvSpPr>
           <p:cNvPr id="38" name="Google Shape;38;p8"/>
-          <p:cNvSpPr txBox="1"/>
+          <p:cNvSpPr txBox="1">
+            <a:spLocks noGrp="1"/>
+          </p:cNvSpPr>
           <p:nvPr>
-            <p:ph idx="12" type="sldNum"/>
+            <p:ph type="sldNum" idx="12"/>
           </p:nvPr>
         </p:nvSpPr>
         <p:spPr>
@@ -4012,7 +4116,7 @@
           </a:prstGeom>
         </p:spPr>
         <p:txBody>
-          <a:bodyPr anchorCtr="0" anchor="ctr" bIns="91425" lIns="91425" spcFirstLastPara="1" rIns="91425" wrap="square" tIns="91425">
+          <a:bodyPr spcFirstLastPara="1" wrap="square" lIns="91425" tIns="91425" rIns="91425" bIns="91425" anchor="ctr" anchorCtr="0">
             <a:noAutofit/>
           </a:bodyPr>
           <a:lstStyle>
@@ -4090,7 +4194,7 @@
             </a:lvl9pPr>
           </a:lstStyle>
           <a:p>
-            <a:pPr indent="0" lvl="0" marL="0" rtl="0" algn="r">
+            <a:pPr marL="0" lvl="0" indent="0" algn="r" rtl="0">
               <a:spcBef>
                 <a:spcPts val="0"/>
               </a:spcBef>
@@ -4116,11 +4220,11 @@
 </file>
 
 <file path=ppt/slideLayouts/slideLayout8.xml><?xml version="1.0" encoding="utf-8"?>
-<p:sldLayout xmlns:a="http://schemas.openxmlformats.org/drawingml/2006/main" xmlns:r="http://schemas.openxmlformats.org/officeDocument/2006/relationships" xmlns:mc="http://schemas.openxmlformats.org/markup-compatibility/2006" xmlns:mv="urn:schemas-microsoft-com:mac:vml" xmlns:p="http://schemas.openxmlformats.org/presentationml/2006/main" xmlns:c="http://schemas.openxmlformats.org/drawingml/2006/chart" xmlns:dgm="http://schemas.openxmlformats.org/drawingml/2006/diagram" xmlns:o="urn:schemas-microsoft-com:office:office" xmlns:v="urn:schemas-microsoft-com:vml" xmlns:pvml="urn:schemas-microsoft-com:office:powerpoint" xmlns:com="http://schemas.openxmlformats.org/drawingml/2006/compatibility" xmlns:p14="http://schemas.microsoft.com/office/powerpoint/2010/main" xmlns:p15="http://schemas.microsoft.com/office/powerpoint/2012/main" matchingName="Section title and description">
+<p:sldLayout xmlns:a="http://schemas.openxmlformats.org/drawingml/2006/main" xmlns:r="http://schemas.openxmlformats.org/officeDocument/2006/relationships" xmlns:p="http://schemas.openxmlformats.org/presentationml/2006/main" matchingName="Section title and description">
   <p:cSld name="SECTION_TITLE_AND_DESCRIPTION">
     <p:spTree>
       <p:nvGrpSpPr>
-        <p:cNvPr id="39" name="Shape 39"/>
+        <p:cNvPr id="1" name="Shape 39"/>
         <p:cNvGrpSpPr/>
         <p:nvPr/>
       </p:nvGrpSpPr>
@@ -4154,12 +4258,12 @@
           </a:ln>
         </p:spPr>
         <p:txBody>
-          <a:bodyPr anchorCtr="0" anchor="ctr" bIns="91425" lIns="91425" spcFirstLastPara="1" rIns="91425" wrap="square" tIns="91425">
+          <a:bodyPr spcFirstLastPara="1" wrap="square" lIns="91425" tIns="91425" rIns="91425" bIns="91425" anchor="ctr" anchorCtr="0">
             <a:noAutofit/>
           </a:bodyPr>
           <a:lstStyle/>
           <a:p>
-            <a:pPr indent="0" lvl="0" marL="0" rtl="0" algn="l">
+            <a:pPr marL="0" lvl="0" indent="0" algn="l" rtl="0">
               <a:spcBef>
                 <a:spcPts val="0"/>
               </a:spcBef>
@@ -4168,9 +4272,6 @@
               </a:spcAft>
               <a:buNone/>
             </a:pPr>
-            <a:r>
-              <a:t/>
-            </a:r>
             <a:endParaRPr/>
           </a:p>
         </p:txBody>
@@ -4190,21 +4291,23 @@
             <a:avLst/>
           </a:prstGeom>
           <a:noFill/>
-          <a:ln cap="flat" cmpd="sng" w="19050">
+          <a:ln w="19050" cap="flat" cmpd="sng">
             <a:solidFill>
               <a:schemeClr val="lt1"/>
             </a:solidFill>
             <a:prstDash val="solid"/>
             <a:round/>
-            <a:headEnd len="sm" w="sm" type="none"/>
-            <a:tailEnd len="sm" w="sm" type="none"/>
+            <a:headEnd type="none" w="sm" len="sm"/>
+            <a:tailEnd type="none" w="sm" len="sm"/>
           </a:ln>
         </p:spPr>
       </p:cxnSp>
       <p:sp>
         <p:nvSpPr>
           <p:cNvPr id="42" name="Google Shape;42;p9"/>
-          <p:cNvSpPr txBox="1"/>
+          <p:cNvSpPr txBox="1">
+            <a:spLocks noGrp="1"/>
+          </p:cNvSpPr>
           <p:nvPr>
             <p:ph type="title"/>
           </p:nvPr>
@@ -4219,7 +4322,7 @@
           </a:prstGeom>
         </p:spPr>
         <p:txBody>
-          <a:bodyPr anchorCtr="0" anchor="b" bIns="91425" lIns="91425" spcFirstLastPara="1" rIns="91425" wrap="square" tIns="91425"/>
+          <a:bodyPr spcFirstLastPara="1" wrap="square" lIns="91425" tIns="91425" rIns="91425" bIns="91425" anchor="b" anchorCtr="0"/>
           <a:lstStyle>
             <a:lvl1pPr lvl="0" algn="ctr">
               <a:spcBef>
@@ -4321,15 +4424,19 @@
               <a:defRPr sz="4200"/>
             </a:lvl9pPr>
           </a:lstStyle>
-          <a:p/>
+          <a:p>
+            <a:endParaRPr/>
+          </a:p>
         </p:txBody>
       </p:sp>
       <p:sp>
         <p:nvSpPr>
           <p:cNvPr id="43" name="Google Shape;43;p9"/>
-          <p:cNvSpPr txBox="1"/>
+          <p:cNvSpPr txBox="1">
+            <a:spLocks noGrp="1"/>
+          </p:cNvSpPr>
           <p:nvPr>
-            <p:ph idx="1" type="subTitle"/>
+            <p:ph type="subTitle" idx="1"/>
           </p:nvPr>
         </p:nvSpPr>
         <p:spPr>
@@ -4342,7 +4449,7 @@
           </a:prstGeom>
         </p:spPr>
         <p:txBody>
-          <a:bodyPr anchorCtr="0" anchor="t" bIns="91425" lIns="91425" spcFirstLastPara="1" rIns="91425" wrap="square" tIns="91425"/>
+          <a:bodyPr spcFirstLastPara="1" wrap="square" lIns="91425" tIns="91425" rIns="91425" bIns="91425" anchor="t" anchorCtr="0"/>
           <a:lstStyle>
             <a:lvl1pPr lvl="0" algn="ctr">
               <a:lnSpc>
@@ -4534,15 +4641,19 @@
               </a:defRPr>
             </a:lvl9pPr>
           </a:lstStyle>
-          <a:p/>
+          <a:p>
+            <a:endParaRPr/>
+          </a:p>
         </p:txBody>
       </p:sp>
       <p:sp>
         <p:nvSpPr>
           <p:cNvPr id="44" name="Google Shape;44;p9"/>
-          <p:cNvSpPr txBox="1"/>
+          <p:cNvSpPr txBox="1">
+            <a:spLocks noGrp="1"/>
+          </p:cNvSpPr>
           <p:nvPr>
-            <p:ph idx="2" type="body"/>
+            <p:ph type="body" idx="2"/>
           </p:nvPr>
         </p:nvSpPr>
         <p:spPr>
@@ -4555,9 +4666,9 @@
           </a:prstGeom>
         </p:spPr>
         <p:txBody>
-          <a:bodyPr anchorCtr="0" anchor="ctr" bIns="91425" lIns="91425" spcFirstLastPara="1" rIns="91425" wrap="square" tIns="91425"/>
+          <a:bodyPr spcFirstLastPara="1" wrap="square" lIns="91425" tIns="91425" rIns="91425" bIns="91425" anchor="ctr" anchorCtr="0"/>
           <a:lstStyle>
-            <a:lvl1pPr indent="-342900" lvl="0" marL="457200">
+            <a:lvl1pPr marL="457200" lvl="0" indent="-342900">
               <a:spcBef>
                 <a:spcPts val="0"/>
               </a:spcBef>
@@ -4575,7 +4686,7 @@
                 </a:solidFill>
               </a:defRPr>
             </a:lvl1pPr>
-            <a:lvl2pPr indent="-317500" lvl="1" marL="914400">
+            <a:lvl2pPr marL="914400" lvl="1" indent="-317500">
               <a:spcBef>
                 <a:spcPts val="1600"/>
               </a:spcBef>
@@ -4593,7 +4704,7 @@
                 </a:solidFill>
               </a:defRPr>
             </a:lvl2pPr>
-            <a:lvl3pPr indent="-317500" lvl="2" marL="1371600">
+            <a:lvl3pPr marL="1371600" lvl="2" indent="-317500">
               <a:spcBef>
                 <a:spcPts val="1600"/>
               </a:spcBef>
@@ -4611,7 +4722,7 @@
                 </a:solidFill>
               </a:defRPr>
             </a:lvl3pPr>
-            <a:lvl4pPr indent="-317500" lvl="3" marL="1828800">
+            <a:lvl4pPr marL="1828800" lvl="3" indent="-317500">
               <a:spcBef>
                 <a:spcPts val="1600"/>
               </a:spcBef>
@@ -4629,7 +4740,7 @@
                 </a:solidFill>
               </a:defRPr>
             </a:lvl4pPr>
-            <a:lvl5pPr indent="-317500" lvl="4" marL="2286000">
+            <a:lvl5pPr marL="2286000" lvl="4" indent="-317500">
               <a:spcBef>
                 <a:spcPts val="1600"/>
               </a:spcBef>
@@ -4647,7 +4758,7 @@
                 </a:solidFill>
               </a:defRPr>
             </a:lvl5pPr>
-            <a:lvl6pPr indent="-317500" lvl="5" marL="2743200">
+            <a:lvl6pPr marL="2743200" lvl="5" indent="-317500">
               <a:spcBef>
                 <a:spcPts val="1600"/>
               </a:spcBef>
@@ -4665,7 +4776,7 @@
                 </a:solidFill>
               </a:defRPr>
             </a:lvl6pPr>
-            <a:lvl7pPr indent="-317500" lvl="6" marL="3200400">
+            <a:lvl7pPr marL="3200400" lvl="6" indent="-317500">
               <a:spcBef>
                 <a:spcPts val="1600"/>
               </a:spcBef>
@@ -4683,7 +4794,7 @@
                 </a:solidFill>
               </a:defRPr>
             </a:lvl7pPr>
-            <a:lvl8pPr indent="-317500" lvl="7" marL="3657600">
+            <a:lvl8pPr marL="3657600" lvl="7" indent="-317500">
               <a:spcBef>
                 <a:spcPts val="1600"/>
               </a:spcBef>
@@ -4701,7 +4812,7 @@
                 </a:solidFill>
               </a:defRPr>
             </a:lvl8pPr>
-            <a:lvl9pPr indent="-317500" lvl="8" marL="4114800">
+            <a:lvl9pPr marL="4114800" lvl="8" indent="-317500">
               <a:spcBef>
                 <a:spcPts val="1600"/>
               </a:spcBef>
@@ -4720,15 +4831,19 @@
               </a:defRPr>
             </a:lvl9pPr>
           </a:lstStyle>
-          <a:p/>
+          <a:p>
+            <a:endParaRPr/>
+          </a:p>
         </p:txBody>
       </p:sp>
       <p:sp>
         <p:nvSpPr>
           <p:cNvPr id="45" name="Google Shape;45;p9"/>
-          <p:cNvSpPr txBox="1"/>
+          <p:cNvSpPr txBox="1">
+            <a:spLocks noGrp="1"/>
+          </p:cNvSpPr>
           <p:nvPr>
-            <p:ph idx="12" type="sldNum"/>
+            <p:ph type="sldNum" idx="12"/>
           </p:nvPr>
         </p:nvSpPr>
         <p:spPr>
@@ -4741,7 +4856,7 @@
           </a:prstGeom>
         </p:spPr>
         <p:txBody>
-          <a:bodyPr anchorCtr="0" anchor="ctr" bIns="91425" lIns="91425" spcFirstLastPara="1" rIns="91425" wrap="square" tIns="91425">
+          <a:bodyPr spcFirstLastPara="1" wrap="square" lIns="91425" tIns="91425" rIns="91425" bIns="91425" anchor="ctr" anchorCtr="0">
             <a:noAutofit/>
           </a:bodyPr>
           <a:lstStyle>
@@ -4819,7 +4934,7 @@
             </a:lvl9pPr>
           </a:lstStyle>
           <a:p>
-            <a:pPr indent="0" lvl="0" marL="0" rtl="0" algn="r">
+            <a:pPr marL="0" lvl="0" indent="0" algn="r" rtl="0">
               <a:spcBef>
                 <a:spcPts val="0"/>
               </a:spcBef>
@@ -4845,11 +4960,11 @@
 </file>
 
 <file path=ppt/slideLayouts/slideLayout9.xml><?xml version="1.0" encoding="utf-8"?>
-<p:sldLayout xmlns:a="http://schemas.openxmlformats.org/drawingml/2006/main" xmlns:r="http://schemas.openxmlformats.org/officeDocument/2006/relationships" xmlns:mc="http://schemas.openxmlformats.org/markup-compatibility/2006" xmlns:mv="urn:schemas-microsoft-com:mac:vml" xmlns:p="http://schemas.openxmlformats.org/presentationml/2006/main" xmlns:c="http://schemas.openxmlformats.org/drawingml/2006/chart" xmlns:dgm="http://schemas.openxmlformats.org/drawingml/2006/diagram" xmlns:o="urn:schemas-microsoft-com:office:office" xmlns:v="urn:schemas-microsoft-com:vml" xmlns:pvml="urn:schemas-microsoft-com:office:powerpoint" xmlns:com="http://schemas.openxmlformats.org/drawingml/2006/compatibility" xmlns:p14="http://schemas.microsoft.com/office/powerpoint/2010/main" xmlns:p15="http://schemas.microsoft.com/office/powerpoint/2012/main" matchingName="Caption">
+<p:sldLayout xmlns:a="http://schemas.openxmlformats.org/drawingml/2006/main" xmlns:r="http://schemas.openxmlformats.org/officeDocument/2006/relationships" xmlns:p="http://schemas.openxmlformats.org/presentationml/2006/main" matchingName="Caption">
   <p:cSld name="CAPTION_ONLY">
     <p:spTree>
       <p:nvGrpSpPr>
-        <p:cNvPr id="46" name="Shape 46"/>
+        <p:cNvPr id="1" name="Shape 46"/>
         <p:cNvGrpSpPr/>
         <p:nvPr/>
       </p:nvGrpSpPr>
@@ -4864,9 +4979,11 @@
       <p:sp>
         <p:nvSpPr>
           <p:cNvPr id="47" name="Google Shape;47;p10"/>
-          <p:cNvSpPr txBox="1"/>
+          <p:cNvSpPr txBox="1">
+            <a:spLocks noGrp="1"/>
+          </p:cNvSpPr>
           <p:nvPr>
-            <p:ph idx="1" type="body"/>
+            <p:ph type="body" idx="1"/>
           </p:nvPr>
         </p:nvSpPr>
         <p:spPr>
@@ -4879,9 +4996,9 @@
           </a:prstGeom>
         </p:spPr>
         <p:txBody>
-          <a:bodyPr anchorCtr="0" anchor="ctr" bIns="91425" lIns="91425" spcFirstLastPara="1" rIns="91425" wrap="square" tIns="91425"/>
+          <a:bodyPr spcFirstLastPara="1" wrap="square" lIns="91425" tIns="91425" rIns="91425" bIns="91425" anchor="ctr" anchorCtr="0"/>
           <a:lstStyle>
-            <a:lvl1pPr indent="-228600" lvl="0" marL="457200">
+            <a:lvl1pPr marL="457200" lvl="0" indent="-228600">
               <a:lnSpc>
                 <a:spcPct val="100000"/>
               </a:lnSpc>
@@ -4908,15 +5025,19 @@
               </a:defRPr>
             </a:lvl1pPr>
           </a:lstStyle>
-          <a:p/>
+          <a:p>
+            <a:endParaRPr/>
+          </a:p>
         </p:txBody>
       </p:sp>
       <p:sp>
         <p:nvSpPr>
           <p:cNvPr id="48" name="Google Shape;48;p10"/>
-          <p:cNvSpPr txBox="1"/>
+          <p:cNvSpPr txBox="1">
+            <a:spLocks noGrp="1"/>
+          </p:cNvSpPr>
           <p:nvPr>
-            <p:ph idx="12" type="sldNum"/>
+            <p:ph type="sldNum" idx="12"/>
           </p:nvPr>
         </p:nvSpPr>
         <p:spPr>
@@ -4929,7 +5050,7 @@
           </a:prstGeom>
         </p:spPr>
         <p:txBody>
-          <a:bodyPr anchorCtr="0" anchor="ctr" bIns="91425" lIns="91425" spcFirstLastPara="1" rIns="91425" wrap="square" tIns="91425">
+          <a:bodyPr spcFirstLastPara="1" wrap="square" lIns="91425" tIns="91425" rIns="91425" bIns="91425" anchor="ctr" anchorCtr="0">
             <a:noAutofit/>
           </a:bodyPr>
           <a:lstStyle>
@@ -4971,7 +5092,7 @@
             </a:lvl9pPr>
           </a:lstStyle>
           <a:p>
-            <a:pPr indent="0" lvl="0" marL="0" rtl="0" algn="r">
+            <a:pPr marL="0" lvl="0" indent="0" algn="r" rtl="0">
               <a:spcBef>
                 <a:spcPts val="0"/>
               </a:spcBef>
@@ -4997,18 +5118,19 @@
 </file>
 
 <file path=ppt/slideMasters/slideMaster1.xml><?xml version="1.0" encoding="utf-8"?>
-<p:sldMaster xmlns:a="http://schemas.openxmlformats.org/drawingml/2006/main" xmlns:r="http://schemas.openxmlformats.org/officeDocument/2006/relationships" xmlns:mc="http://schemas.openxmlformats.org/markup-compatibility/2006" xmlns:mv="urn:schemas-microsoft-com:mac:vml" xmlns:p="http://schemas.openxmlformats.org/presentationml/2006/main" xmlns:c="http://schemas.openxmlformats.org/drawingml/2006/chart" xmlns:dgm="http://schemas.openxmlformats.org/drawingml/2006/diagram" xmlns:o="urn:schemas-microsoft-com:office:office" xmlns:v="urn:schemas-microsoft-com:vml" xmlns:pvml="urn:schemas-microsoft-com:office:powerpoint" xmlns:com="http://schemas.openxmlformats.org/drawingml/2006/compatibility" xmlns:p14="http://schemas.microsoft.com/office/powerpoint/2010/main" xmlns:p15="http://schemas.microsoft.com/office/powerpoint/2012/main">
+<p:sldMaster xmlns:a="http://schemas.openxmlformats.org/drawingml/2006/main" xmlns:r="http://schemas.openxmlformats.org/officeDocument/2006/relationships" xmlns:p="http://schemas.openxmlformats.org/presentationml/2006/main">
   <p:cSld name="slate">
     <p:bg>
       <p:bgPr>
         <a:solidFill>
           <a:schemeClr val="lt1"/>
         </a:solidFill>
+        <a:effectLst/>
       </p:bgPr>
     </p:bg>
     <p:spTree>
       <p:nvGrpSpPr>
-        <p:cNvPr id="5" name="Shape 5"/>
+        <p:cNvPr id="1" name="Shape 5"/>
         <p:cNvGrpSpPr/>
         <p:nvPr/>
       </p:nvGrpSpPr>
@@ -5023,7 +5145,9 @@
       <p:sp>
         <p:nvSpPr>
           <p:cNvPr id="6" name="Google Shape;6;p1"/>
-          <p:cNvSpPr txBox="1"/>
+          <p:cNvSpPr txBox="1">
+            <a:spLocks noGrp="1"/>
+          </p:cNvSpPr>
           <p:nvPr>
             <p:ph type="title"/>
           </p:nvPr>
@@ -5042,7 +5166,7 @@
           </a:ln>
         </p:spPr>
         <p:txBody>
-          <a:bodyPr anchorCtr="0" anchor="t" bIns="91425" lIns="91425" spcFirstLastPara="1" rIns="91425" wrap="square" tIns="91425"/>
+          <a:bodyPr spcFirstLastPara="1" wrap="square" lIns="91425" tIns="91425" rIns="91425" bIns="91425" anchor="t" anchorCtr="0"/>
           <a:lstStyle>
             <a:lvl1pPr lvl="0">
               <a:spcBef>
@@ -5252,15 +5376,19 @@
               </a:defRPr>
             </a:lvl9pPr>
           </a:lstStyle>
-          <a:p/>
+          <a:p>
+            <a:endParaRPr/>
+          </a:p>
         </p:txBody>
       </p:sp>
       <p:sp>
         <p:nvSpPr>
           <p:cNvPr id="7" name="Google Shape;7;p1"/>
-          <p:cNvSpPr txBox="1"/>
+          <p:cNvSpPr txBox="1">
+            <a:spLocks noGrp="1"/>
+          </p:cNvSpPr>
           <p:nvPr>
-            <p:ph idx="1" type="body"/>
+            <p:ph type="body" idx="1"/>
           </p:nvPr>
         </p:nvSpPr>
         <p:spPr>
@@ -5277,9 +5405,9 @@
           </a:ln>
         </p:spPr>
         <p:txBody>
-          <a:bodyPr anchorCtr="0" anchor="t" bIns="91425" lIns="91425" spcFirstLastPara="1" rIns="91425" wrap="square" tIns="91425"/>
+          <a:bodyPr spcFirstLastPara="1" wrap="square" lIns="91425" tIns="91425" rIns="91425" bIns="91425" anchor="t" anchorCtr="0"/>
           <a:lstStyle>
-            <a:lvl1pPr indent="-342900" lvl="0" marL="457200">
+            <a:lvl1pPr marL="457200" lvl="0" indent="-342900">
               <a:lnSpc>
                 <a:spcPct val="115000"/>
               </a:lnSpc>
@@ -5305,7 +5433,7 @@
                 <a:sym typeface="Average"/>
               </a:defRPr>
             </a:lvl1pPr>
-            <a:lvl2pPr indent="-317500" lvl="1" marL="914400">
+            <a:lvl2pPr marL="914400" lvl="1" indent="-317500">
               <a:lnSpc>
                 <a:spcPct val="115000"/>
               </a:lnSpc>
@@ -5331,7 +5459,7 @@
                 <a:sym typeface="Average"/>
               </a:defRPr>
             </a:lvl2pPr>
-            <a:lvl3pPr indent="-317500" lvl="2" marL="1371600">
+            <a:lvl3pPr marL="1371600" lvl="2" indent="-317500">
               <a:lnSpc>
                 <a:spcPct val="115000"/>
               </a:lnSpc>
@@ -5357,7 +5485,7 @@
                 <a:sym typeface="Average"/>
               </a:defRPr>
             </a:lvl3pPr>
-            <a:lvl4pPr indent="-317500" lvl="3" marL="1828800">
+            <a:lvl4pPr marL="1828800" lvl="3" indent="-317500">
               <a:lnSpc>
                 <a:spcPct val="115000"/>
               </a:lnSpc>
@@ -5383,7 +5511,7 @@
                 <a:sym typeface="Average"/>
               </a:defRPr>
             </a:lvl4pPr>
-            <a:lvl5pPr indent="-317500" lvl="4" marL="2286000">
+            <a:lvl5pPr marL="2286000" lvl="4" indent="-317500">
               <a:lnSpc>
                 <a:spcPct val="115000"/>
               </a:lnSpc>
@@ -5409,7 +5537,7 @@
                 <a:sym typeface="Average"/>
               </a:defRPr>
             </a:lvl5pPr>
-            <a:lvl6pPr indent="-317500" lvl="5" marL="2743200">
+            <a:lvl6pPr marL="2743200" lvl="5" indent="-317500">
               <a:lnSpc>
                 <a:spcPct val="115000"/>
               </a:lnSpc>
@@ -5435,7 +5563,7 @@
                 <a:sym typeface="Average"/>
               </a:defRPr>
             </a:lvl6pPr>
-            <a:lvl7pPr indent="-317500" lvl="6" marL="3200400">
+            <a:lvl7pPr marL="3200400" lvl="6" indent="-317500">
               <a:lnSpc>
                 <a:spcPct val="115000"/>
               </a:lnSpc>
@@ -5461,7 +5589,7 @@
                 <a:sym typeface="Average"/>
               </a:defRPr>
             </a:lvl7pPr>
-            <a:lvl8pPr indent="-317500" lvl="7" marL="3657600">
+            <a:lvl8pPr marL="3657600" lvl="7" indent="-317500">
               <a:lnSpc>
                 <a:spcPct val="115000"/>
               </a:lnSpc>
@@ -5487,7 +5615,7 @@
                 <a:sym typeface="Average"/>
               </a:defRPr>
             </a:lvl8pPr>
-            <a:lvl9pPr indent="-317500" lvl="8" marL="4114800">
+            <a:lvl9pPr marL="4114800" lvl="8" indent="-317500">
               <a:lnSpc>
                 <a:spcPct val="115000"/>
               </a:lnSpc>
@@ -5514,15 +5642,19 @@
               </a:defRPr>
             </a:lvl9pPr>
           </a:lstStyle>
-          <a:p/>
+          <a:p>
+            <a:endParaRPr/>
+          </a:p>
         </p:txBody>
       </p:sp>
       <p:sp>
         <p:nvSpPr>
           <p:cNvPr id="8" name="Google Shape;8;p1"/>
-          <p:cNvSpPr txBox="1"/>
+          <p:cNvSpPr txBox="1">
+            <a:spLocks noGrp="1"/>
+          </p:cNvSpPr>
           <p:nvPr>
-            <p:ph idx="12" type="sldNum"/>
+            <p:ph type="sldNum" idx="12"/>
           </p:nvPr>
         </p:nvSpPr>
         <p:spPr>
@@ -5539,7 +5671,7 @@
           </a:ln>
         </p:spPr>
         <p:txBody>
-          <a:bodyPr anchorCtr="0" anchor="ctr" bIns="91425" lIns="91425" spcFirstLastPara="1" rIns="91425" wrap="square" tIns="91425">
+          <a:bodyPr spcFirstLastPara="1" wrap="square" lIns="91425" tIns="91425" rIns="91425" bIns="91425" anchor="ctr" anchorCtr="0">
             <a:noAutofit/>
           </a:bodyPr>
           <a:lstStyle>
@@ -5653,7 +5785,7 @@
             </a:lvl9pPr>
           </a:lstStyle>
           <a:p>
-            <a:pPr indent="0" lvl="0" marL="0" rtl="0" algn="r">
+            <a:pPr marL="0" lvl="0" indent="0" algn="r" rtl="0">
               <a:spcBef>
                 <a:spcPts val="0"/>
               </a:spcBef>
@@ -5672,7 +5804,7 @@
       </p:sp>
     </p:spTree>
   </p:cSld>
-  <p:clrMap accent1="accent1" accent2="accent2" accent3="accent3" accent4="accent4" accent5="accent5" accent6="accent6" bg1="lt1" bg2="dk2" tx1="dk1" tx2="lt2" folHlink="folHlink" hlink="hlink"/>
+  <p:clrMap bg1="lt1" tx1="dk1" bg2="dk2" tx2="lt2" accent1="accent1" accent2="accent2" accent3="accent3" accent4="accent4" accent5="accent5" accent6="accent6" hlink="hlink" folHlink="folHlink"/>
   <p:sldLayoutIdLst>
     <p:sldLayoutId id="2147483648" r:id="rId1"/>
     <p:sldLayoutId id="2147483649" r:id="rId2"/>
@@ -5686,10 +5818,10 @@
     <p:sldLayoutId id="2147483657" r:id="rId10"/>
     <p:sldLayoutId id="2147483658" r:id="rId11"/>
   </p:sldLayoutIdLst>
-  <p:hf dt="0" ftr="0" hdr="0" sldNum="0"/>
+  <p:hf sldNum="0" hdr="0" ftr="0" dt="0"/>
   <p:txStyles>
     <p:titleStyle>
-      <a:defPPr lvl="0" marR="0" rtl="0" algn="l">
+      <a:defPPr marR="0" lvl="0" algn="l" rtl="0">
         <a:lnSpc>
           <a:spcPct val="100000"/>
         </a:lnSpc>
@@ -5700,7 +5832,7 @@
           <a:spcPts val="0"/>
         </a:spcAft>
       </a:defPPr>
-      <a:lvl1pPr lvl="0" marR="0" rtl="0" algn="l">
+      <a:lvl1pPr marR="0" lvl="0" algn="l" rtl="0">
         <a:lnSpc>
           <a:spcPct val="100000"/>
         </a:lnSpc>
@@ -5714,7 +5846,7 @@
           <a:srgbClr val="000000"/>
         </a:buClr>
         <a:buFont typeface="Arial"/>
-        <a:defRPr b="0" i="0" sz="1400" u="none" cap="none" strike="noStrike">
+        <a:defRPr sz="1400" b="0" i="0" u="none" strike="noStrike" cap="none">
           <a:solidFill>
             <a:srgbClr val="000000"/>
           </a:solidFill>
@@ -5724,7 +5856,7 @@
           <a:sym typeface="Arial"/>
         </a:defRPr>
       </a:lvl1pPr>
-      <a:lvl2pPr lvl="1" marR="0" rtl="0" algn="l">
+      <a:lvl2pPr marR="0" lvl="1" algn="l" rtl="0">
         <a:lnSpc>
           <a:spcPct val="100000"/>
         </a:lnSpc>
@@ -5738,7 +5870,7 @@
           <a:srgbClr val="000000"/>
         </a:buClr>
         <a:buFont typeface="Arial"/>
-        <a:defRPr b="0" i="0" sz="1400" u="none" cap="none" strike="noStrike">
+        <a:defRPr sz="1400" b="0" i="0" u="none" strike="noStrike" cap="none">
           <a:solidFill>
             <a:srgbClr val="000000"/>
           </a:solidFill>
@@ -5748,7 +5880,7 @@
           <a:sym typeface="Arial"/>
         </a:defRPr>
       </a:lvl2pPr>
-      <a:lvl3pPr lvl="2" marR="0" rtl="0" algn="l">
+      <a:lvl3pPr marR="0" lvl="2" algn="l" rtl="0">
         <a:lnSpc>
           <a:spcPct val="100000"/>
         </a:lnSpc>
@@ -5762,7 +5894,7 @@
           <a:srgbClr val="000000"/>
         </a:buClr>
         <a:buFont typeface="Arial"/>
-        <a:defRPr b="0" i="0" sz="1400" u="none" cap="none" strike="noStrike">
+        <a:defRPr sz="1400" b="0" i="0" u="none" strike="noStrike" cap="none">
           <a:solidFill>
             <a:srgbClr val="000000"/>
           </a:solidFill>
@@ -5772,7 +5904,7 @@
           <a:sym typeface="Arial"/>
         </a:defRPr>
       </a:lvl3pPr>
-      <a:lvl4pPr lvl="3" marR="0" rtl="0" algn="l">
+      <a:lvl4pPr marR="0" lvl="3" algn="l" rtl="0">
         <a:lnSpc>
           <a:spcPct val="100000"/>
         </a:lnSpc>
@@ -5786,7 +5918,7 @@
           <a:srgbClr val="000000"/>
         </a:buClr>
         <a:buFont typeface="Arial"/>
-        <a:defRPr b="0" i="0" sz="1400" u="none" cap="none" strike="noStrike">
+        <a:defRPr sz="1400" b="0" i="0" u="none" strike="noStrike" cap="none">
           <a:solidFill>
             <a:srgbClr val="000000"/>
           </a:solidFill>
@@ -5796,7 +5928,7 @@
           <a:sym typeface="Arial"/>
         </a:defRPr>
       </a:lvl4pPr>
-      <a:lvl5pPr lvl="4" marR="0" rtl="0" algn="l">
+      <a:lvl5pPr marR="0" lvl="4" algn="l" rtl="0">
         <a:lnSpc>
           <a:spcPct val="100000"/>
         </a:lnSpc>
@@ -5810,7 +5942,7 @@
           <a:srgbClr val="000000"/>
         </a:buClr>
         <a:buFont typeface="Arial"/>
-        <a:defRPr b="0" i="0" sz="1400" u="none" cap="none" strike="noStrike">
+        <a:defRPr sz="1400" b="0" i="0" u="none" strike="noStrike" cap="none">
           <a:solidFill>
             <a:srgbClr val="000000"/>
           </a:solidFill>
@@ -5820,7 +5952,7 @@
           <a:sym typeface="Arial"/>
         </a:defRPr>
       </a:lvl5pPr>
-      <a:lvl6pPr lvl="5" marR="0" rtl="0" algn="l">
+      <a:lvl6pPr marR="0" lvl="5" algn="l" rtl="0">
         <a:lnSpc>
           <a:spcPct val="100000"/>
         </a:lnSpc>
@@ -5834,7 +5966,7 @@
           <a:srgbClr val="000000"/>
         </a:buClr>
         <a:buFont typeface="Arial"/>
-        <a:defRPr b="0" i="0" sz="1400" u="none" cap="none" strike="noStrike">
+        <a:defRPr sz="1400" b="0" i="0" u="none" strike="noStrike" cap="none">
           <a:solidFill>
             <a:srgbClr val="000000"/>
           </a:solidFill>
@@ -5844,7 +5976,7 @@
           <a:sym typeface="Arial"/>
         </a:defRPr>
       </a:lvl6pPr>
-      <a:lvl7pPr lvl="6" marR="0" rtl="0" algn="l">
+      <a:lvl7pPr marR="0" lvl="6" algn="l" rtl="0">
         <a:lnSpc>
           <a:spcPct val="100000"/>
         </a:lnSpc>
@@ -5858,7 +5990,7 @@
           <a:srgbClr val="000000"/>
         </a:buClr>
         <a:buFont typeface="Arial"/>
-        <a:defRPr b="0" i="0" sz="1400" u="none" cap="none" strike="noStrike">
+        <a:defRPr sz="1400" b="0" i="0" u="none" strike="noStrike" cap="none">
           <a:solidFill>
             <a:srgbClr val="000000"/>
           </a:solidFill>
@@ -5868,7 +6000,7 @@
           <a:sym typeface="Arial"/>
         </a:defRPr>
       </a:lvl7pPr>
-      <a:lvl8pPr lvl="7" marR="0" rtl="0" algn="l">
+      <a:lvl8pPr marR="0" lvl="7" algn="l" rtl="0">
         <a:lnSpc>
           <a:spcPct val="100000"/>
         </a:lnSpc>
@@ -5882,7 +6014,7 @@
           <a:srgbClr val="000000"/>
         </a:buClr>
         <a:buFont typeface="Arial"/>
-        <a:defRPr b="0" i="0" sz="1400" u="none" cap="none" strike="noStrike">
+        <a:defRPr sz="1400" b="0" i="0" u="none" strike="noStrike" cap="none">
           <a:solidFill>
             <a:srgbClr val="000000"/>
           </a:solidFill>
@@ -5892,7 +6024,7 @@
           <a:sym typeface="Arial"/>
         </a:defRPr>
       </a:lvl8pPr>
-      <a:lvl9pPr lvl="8" marR="0" rtl="0" algn="l">
+      <a:lvl9pPr marR="0" lvl="8" algn="l" rtl="0">
         <a:lnSpc>
           <a:spcPct val="100000"/>
         </a:lnSpc>
@@ -5906,7 +6038,7 @@
           <a:srgbClr val="000000"/>
         </a:buClr>
         <a:buFont typeface="Arial"/>
-        <a:defRPr b="0" i="0" sz="1400" u="none" cap="none" strike="noStrike">
+        <a:defRPr sz="1400" b="0" i="0" u="none" strike="noStrike" cap="none">
           <a:solidFill>
             <a:srgbClr val="000000"/>
           </a:solidFill>
@@ -5918,7 +6050,7 @@
       </a:lvl9pPr>
     </p:titleStyle>
     <p:bodyStyle>
-      <a:defPPr lvl="0" marR="0" rtl="0" algn="l">
+      <a:defPPr marR="0" lvl="0" algn="l" rtl="0">
         <a:lnSpc>
           <a:spcPct val="100000"/>
         </a:lnSpc>
@@ -5929,7 +6061,7 @@
           <a:spcPts val="0"/>
         </a:spcAft>
       </a:defPPr>
-      <a:lvl1pPr lvl="0" marR="0" rtl="0" algn="l">
+      <a:lvl1pPr marR="0" lvl="0" algn="l" rtl="0">
         <a:lnSpc>
           <a:spcPct val="100000"/>
         </a:lnSpc>
@@ -5943,7 +6075,7 @@
           <a:srgbClr val="000000"/>
         </a:buClr>
         <a:buFont typeface="Arial"/>
-        <a:defRPr b="0" i="0" sz="1400" u="none" cap="none" strike="noStrike">
+        <a:defRPr sz="1400" b="0" i="0" u="none" strike="noStrike" cap="none">
           <a:solidFill>
             <a:srgbClr val="000000"/>
           </a:solidFill>
@@ -5953,7 +6085,7 @@
           <a:sym typeface="Arial"/>
         </a:defRPr>
       </a:lvl1pPr>
-      <a:lvl2pPr lvl="1" marR="0" rtl="0" algn="l">
+      <a:lvl2pPr marR="0" lvl="1" algn="l" rtl="0">
         <a:lnSpc>
           <a:spcPct val="100000"/>
         </a:lnSpc>
@@ -5967,7 +6099,7 @@
           <a:srgbClr val="000000"/>
         </a:buClr>
         <a:buFont typeface="Arial"/>
-        <a:defRPr b="0" i="0" sz="1400" u="none" cap="none" strike="noStrike">
+        <a:defRPr sz="1400" b="0" i="0" u="none" strike="noStrike" cap="none">
           <a:solidFill>
             <a:srgbClr val="000000"/>
           </a:solidFill>
@@ -5977,7 +6109,7 @@
           <a:sym typeface="Arial"/>
         </a:defRPr>
       </a:lvl2pPr>
-      <a:lvl3pPr lvl="2" marR="0" rtl="0" algn="l">
+      <a:lvl3pPr marR="0" lvl="2" algn="l" rtl="0">
         <a:lnSpc>
           <a:spcPct val="100000"/>
         </a:lnSpc>
@@ -5991,7 +6123,7 @@
           <a:srgbClr val="000000"/>
         </a:buClr>
         <a:buFont typeface="Arial"/>
-        <a:defRPr b="0" i="0" sz="1400" u="none" cap="none" strike="noStrike">
+        <a:defRPr sz="1400" b="0" i="0" u="none" strike="noStrike" cap="none">
           <a:solidFill>
             <a:srgbClr val="000000"/>
           </a:solidFill>
@@ -6001,7 +6133,7 @@
           <a:sym typeface="Arial"/>
         </a:defRPr>
       </a:lvl3pPr>
-      <a:lvl4pPr lvl="3" marR="0" rtl="0" algn="l">
+      <a:lvl4pPr marR="0" lvl="3" algn="l" rtl="0">
         <a:lnSpc>
           <a:spcPct val="100000"/>
         </a:lnSpc>
@@ -6015,7 +6147,7 @@
           <a:srgbClr val="000000"/>
         </a:buClr>
         <a:buFont typeface="Arial"/>
-        <a:defRPr b="0" i="0" sz="1400" u="none" cap="none" strike="noStrike">
+        <a:defRPr sz="1400" b="0" i="0" u="none" strike="noStrike" cap="none">
           <a:solidFill>
             <a:srgbClr val="000000"/>
           </a:solidFill>
@@ -6025,7 +6157,7 @@
           <a:sym typeface="Arial"/>
         </a:defRPr>
       </a:lvl4pPr>
-      <a:lvl5pPr lvl="4" marR="0" rtl="0" algn="l">
+      <a:lvl5pPr marR="0" lvl="4" algn="l" rtl="0">
         <a:lnSpc>
           <a:spcPct val="100000"/>
         </a:lnSpc>
@@ -6039,7 +6171,7 @@
           <a:srgbClr val="000000"/>
         </a:buClr>
         <a:buFont typeface="Arial"/>
-        <a:defRPr b="0" i="0" sz="1400" u="none" cap="none" strike="noStrike">
+        <a:defRPr sz="1400" b="0" i="0" u="none" strike="noStrike" cap="none">
           <a:solidFill>
             <a:srgbClr val="000000"/>
           </a:solidFill>
@@ -6049,7 +6181,7 @@
           <a:sym typeface="Arial"/>
         </a:defRPr>
       </a:lvl5pPr>
-      <a:lvl6pPr lvl="5" marR="0" rtl="0" algn="l">
+      <a:lvl6pPr marR="0" lvl="5" algn="l" rtl="0">
         <a:lnSpc>
           <a:spcPct val="100000"/>
         </a:lnSpc>
@@ -6063,7 +6195,7 @@
           <a:srgbClr val="000000"/>
         </a:buClr>
         <a:buFont typeface="Arial"/>
-        <a:defRPr b="0" i="0" sz="1400" u="none" cap="none" strike="noStrike">
+        <a:defRPr sz="1400" b="0" i="0" u="none" strike="noStrike" cap="none">
           <a:solidFill>
             <a:srgbClr val="000000"/>
           </a:solidFill>
@@ -6073,7 +6205,7 @@
           <a:sym typeface="Arial"/>
         </a:defRPr>
       </a:lvl6pPr>
-      <a:lvl7pPr lvl="6" marR="0" rtl="0" algn="l">
+      <a:lvl7pPr marR="0" lvl="6" algn="l" rtl="0">
         <a:lnSpc>
           <a:spcPct val="100000"/>
         </a:lnSpc>
@@ -6087,7 +6219,7 @@
           <a:srgbClr val="000000"/>
         </a:buClr>
         <a:buFont typeface="Arial"/>
-        <a:defRPr b="0" i="0" sz="1400" u="none" cap="none" strike="noStrike">
+        <a:defRPr sz="1400" b="0" i="0" u="none" strike="noStrike" cap="none">
           <a:solidFill>
             <a:srgbClr val="000000"/>
           </a:solidFill>
@@ -6097,7 +6229,7 @@
           <a:sym typeface="Arial"/>
         </a:defRPr>
       </a:lvl7pPr>
-      <a:lvl8pPr lvl="7" marR="0" rtl="0" algn="l">
+      <a:lvl8pPr marR="0" lvl="7" algn="l" rtl="0">
         <a:lnSpc>
           <a:spcPct val="100000"/>
         </a:lnSpc>
@@ -6111,7 +6243,7 @@
           <a:srgbClr val="000000"/>
         </a:buClr>
         <a:buFont typeface="Arial"/>
-        <a:defRPr b="0" i="0" sz="1400" u="none" cap="none" strike="noStrike">
+        <a:defRPr sz="1400" b="0" i="0" u="none" strike="noStrike" cap="none">
           <a:solidFill>
             <a:srgbClr val="000000"/>
           </a:solidFill>
@@ -6121,7 +6253,7 @@
           <a:sym typeface="Arial"/>
         </a:defRPr>
       </a:lvl8pPr>
-      <a:lvl9pPr lvl="8" marR="0" rtl="0" algn="l">
+      <a:lvl9pPr marR="0" lvl="8" algn="l" rtl="0">
         <a:lnSpc>
           <a:spcPct val="100000"/>
         </a:lnSpc>
@@ -6135,7 +6267,7 @@
           <a:srgbClr val="000000"/>
         </a:buClr>
         <a:buFont typeface="Arial"/>
-        <a:defRPr b="0" i="0" sz="1400" u="none" cap="none" strike="noStrike">
+        <a:defRPr sz="1400" b="0" i="0" u="none" strike="noStrike" cap="none">
           <a:solidFill>
             <a:srgbClr val="000000"/>
           </a:solidFill>
@@ -6147,7 +6279,7 @@
       </a:lvl9pPr>
     </p:bodyStyle>
     <p:otherStyle>
-      <a:defPPr lvl="0" marR="0" rtl="0" algn="l">
+      <a:defPPr marR="0" lvl="0" algn="l" rtl="0">
         <a:lnSpc>
           <a:spcPct val="100000"/>
         </a:lnSpc>
@@ -6158,7 +6290,7 @@
           <a:spcPts val="0"/>
         </a:spcAft>
       </a:defPPr>
-      <a:lvl1pPr lvl="0" marR="0" rtl="0" algn="l">
+      <a:lvl1pPr marR="0" lvl="0" algn="l" rtl="0">
         <a:lnSpc>
           <a:spcPct val="100000"/>
         </a:lnSpc>
@@ -6172,7 +6304,7 @@
           <a:srgbClr val="000000"/>
         </a:buClr>
         <a:buFont typeface="Arial"/>
-        <a:defRPr b="0" i="0" sz="1400" u="none" cap="none" strike="noStrike">
+        <a:defRPr sz="1400" b="0" i="0" u="none" strike="noStrike" cap="none">
           <a:solidFill>
             <a:srgbClr val="000000"/>
           </a:solidFill>
@@ -6182,7 +6314,7 @@
           <a:sym typeface="Arial"/>
         </a:defRPr>
       </a:lvl1pPr>
-      <a:lvl2pPr lvl="1" marR="0" rtl="0" algn="l">
+      <a:lvl2pPr marR="0" lvl="1" algn="l" rtl="0">
         <a:lnSpc>
           <a:spcPct val="100000"/>
         </a:lnSpc>
@@ -6196,7 +6328,7 @@
           <a:srgbClr val="000000"/>
         </a:buClr>
         <a:buFont typeface="Arial"/>
-        <a:defRPr b="0" i="0" sz="1400" u="none" cap="none" strike="noStrike">
+        <a:defRPr sz="1400" b="0" i="0" u="none" strike="noStrike" cap="none">
           <a:solidFill>
             <a:srgbClr val="000000"/>
           </a:solidFill>
@@ -6206,7 +6338,7 @@
           <a:sym typeface="Arial"/>
         </a:defRPr>
       </a:lvl2pPr>
-      <a:lvl3pPr lvl="2" marR="0" rtl="0" algn="l">
+      <a:lvl3pPr marR="0" lvl="2" algn="l" rtl="0">
         <a:lnSpc>
           <a:spcPct val="100000"/>
         </a:lnSpc>
@@ -6220,7 +6352,7 @@
           <a:srgbClr val="000000"/>
         </a:buClr>
         <a:buFont typeface="Arial"/>
-        <a:defRPr b="0" i="0" sz="1400" u="none" cap="none" strike="noStrike">
+        <a:defRPr sz="1400" b="0" i="0" u="none" strike="noStrike" cap="none">
           <a:solidFill>
             <a:srgbClr val="000000"/>
           </a:solidFill>
@@ -6230,7 +6362,7 @@
           <a:sym typeface="Arial"/>
         </a:defRPr>
       </a:lvl3pPr>
-      <a:lvl4pPr lvl="3" marR="0" rtl="0" algn="l">
+      <a:lvl4pPr marR="0" lvl="3" algn="l" rtl="0">
         <a:lnSpc>
           <a:spcPct val="100000"/>
         </a:lnSpc>
@@ -6244,7 +6376,7 @@
           <a:srgbClr val="000000"/>
         </a:buClr>
         <a:buFont typeface="Arial"/>
-        <a:defRPr b="0" i="0" sz="1400" u="none" cap="none" strike="noStrike">
+        <a:defRPr sz="1400" b="0" i="0" u="none" strike="noStrike" cap="none">
           <a:solidFill>
             <a:srgbClr val="000000"/>
           </a:solidFill>
@@ -6254,7 +6386,7 @@
           <a:sym typeface="Arial"/>
         </a:defRPr>
       </a:lvl4pPr>
-      <a:lvl5pPr lvl="4" marR="0" rtl="0" algn="l">
+      <a:lvl5pPr marR="0" lvl="4" algn="l" rtl="0">
         <a:lnSpc>
           <a:spcPct val="100000"/>
         </a:lnSpc>
@@ -6268,7 +6400,7 @@
           <a:srgbClr val="000000"/>
         </a:buClr>
         <a:buFont typeface="Arial"/>
-        <a:defRPr b="0" i="0" sz="1400" u="none" cap="none" strike="noStrike">
+        <a:defRPr sz="1400" b="0" i="0" u="none" strike="noStrike" cap="none">
           <a:solidFill>
             <a:srgbClr val="000000"/>
           </a:solidFill>
@@ -6278,7 +6410,7 @@
           <a:sym typeface="Arial"/>
         </a:defRPr>
       </a:lvl5pPr>
-      <a:lvl6pPr lvl="5" marR="0" rtl="0" algn="l">
+      <a:lvl6pPr marR="0" lvl="5" algn="l" rtl="0">
         <a:lnSpc>
           <a:spcPct val="100000"/>
         </a:lnSpc>
@@ -6292,7 +6424,7 @@
           <a:srgbClr val="000000"/>
         </a:buClr>
         <a:buFont typeface="Arial"/>
-        <a:defRPr b="0" i="0" sz="1400" u="none" cap="none" strike="noStrike">
+        <a:defRPr sz="1400" b="0" i="0" u="none" strike="noStrike" cap="none">
           <a:solidFill>
             <a:srgbClr val="000000"/>
           </a:solidFill>
@@ -6302,7 +6434,7 @@
           <a:sym typeface="Arial"/>
         </a:defRPr>
       </a:lvl6pPr>
-      <a:lvl7pPr lvl="6" marR="0" rtl="0" algn="l">
+      <a:lvl7pPr marR="0" lvl="6" algn="l" rtl="0">
         <a:lnSpc>
           <a:spcPct val="100000"/>
         </a:lnSpc>
@@ -6316,7 +6448,7 @@
           <a:srgbClr val="000000"/>
         </a:buClr>
         <a:buFont typeface="Arial"/>
-        <a:defRPr b="0" i="0" sz="1400" u="none" cap="none" strike="noStrike">
+        <a:defRPr sz="1400" b="0" i="0" u="none" strike="noStrike" cap="none">
           <a:solidFill>
             <a:srgbClr val="000000"/>
           </a:solidFill>
@@ -6326,7 +6458,7 @@
           <a:sym typeface="Arial"/>
         </a:defRPr>
       </a:lvl7pPr>
-      <a:lvl8pPr lvl="7" marR="0" rtl="0" algn="l">
+      <a:lvl8pPr marR="0" lvl="7" algn="l" rtl="0">
         <a:lnSpc>
           <a:spcPct val="100000"/>
         </a:lnSpc>
@@ -6340,7 +6472,7 @@
           <a:srgbClr val="000000"/>
         </a:buClr>
         <a:buFont typeface="Arial"/>
-        <a:defRPr b="0" i="0" sz="1400" u="none" cap="none" strike="noStrike">
+        <a:defRPr sz="1400" b="0" i="0" u="none" strike="noStrike" cap="none">
           <a:solidFill>
             <a:srgbClr val="000000"/>
           </a:solidFill>
@@ -6350,7 +6482,7 @@
           <a:sym typeface="Arial"/>
         </a:defRPr>
       </a:lvl8pPr>
-      <a:lvl9pPr lvl="8" marR="0" rtl="0" algn="l">
+      <a:lvl9pPr marR="0" lvl="8" algn="l" rtl="0">
         <a:lnSpc>
           <a:spcPct val="100000"/>
         </a:lnSpc>
@@ -6364,7 +6496,7 @@
           <a:srgbClr val="000000"/>
         </a:buClr>
         <a:buFont typeface="Arial"/>
-        <a:defRPr b="0" i="0" sz="1400" u="none" cap="none" strike="noStrike">
+        <a:defRPr sz="1400" b="0" i="0" u="none" strike="noStrike" cap="none">
           <a:solidFill>
             <a:srgbClr val="000000"/>
           </a:solidFill>
@@ -6380,11 +6512,11 @@
 </file>
 
 <file path=ppt/slides/slide1.xml><?xml version="1.0" encoding="utf-8"?>
-<p:sld xmlns:a="http://schemas.openxmlformats.org/drawingml/2006/main" xmlns:r="http://schemas.openxmlformats.org/officeDocument/2006/relationships" xmlns:mc="http://schemas.openxmlformats.org/markup-compatibility/2006" xmlns:mv="urn:schemas-microsoft-com:mac:vml" xmlns:p="http://schemas.openxmlformats.org/presentationml/2006/main" xmlns:c="http://schemas.openxmlformats.org/drawingml/2006/chart" xmlns:dgm="http://schemas.openxmlformats.org/drawingml/2006/diagram" xmlns:o="urn:schemas-microsoft-com:office:office" xmlns:v="urn:schemas-microsoft-com:vml" xmlns:pvml="urn:schemas-microsoft-com:office:powerpoint" xmlns:com="http://schemas.openxmlformats.org/drawingml/2006/compatibility" xmlns:p14="http://schemas.microsoft.com/office/powerpoint/2010/main" xmlns:p15="http://schemas.microsoft.com/office/powerpoint/2012/main">
+<p:sld xmlns:a="http://schemas.openxmlformats.org/drawingml/2006/main" xmlns:r="http://schemas.openxmlformats.org/officeDocument/2006/relationships" xmlns:p="http://schemas.openxmlformats.org/presentationml/2006/main">
   <p:cSld>
     <p:spTree>
       <p:nvGrpSpPr>
-        <p:cNvPr id="58" name="Shape 58"/>
+        <p:cNvPr id="1" name="Shape 58"/>
         <p:cNvGrpSpPr/>
         <p:nvPr/>
       </p:nvGrpSpPr>
@@ -6409,31 +6541,31 @@
           </a:xfrm>
           <a:prstGeom prst="wedgeRoundRectCallout">
             <a:avLst>
-              <a:gd fmla="val -20833" name="adj1"/>
-              <a:gd fmla="val 62500" name="adj2"/>
-              <a:gd fmla="val 0" name="adj3"/>
+              <a:gd name="adj1" fmla="val -20833"/>
+              <a:gd name="adj2" fmla="val 62500"/>
+              <a:gd name="adj3" fmla="val 0"/>
             </a:avLst>
           </a:prstGeom>
           <a:solidFill>
             <a:srgbClr val="FFFFFF"/>
           </a:solidFill>
-          <a:ln cap="flat" cmpd="sng" w="28575">
+          <a:ln w="28575" cap="flat" cmpd="sng">
             <a:solidFill>
               <a:srgbClr val="4A86E8"/>
             </a:solidFill>
             <a:prstDash val="solid"/>
             <a:round/>
-            <a:headEnd len="sm" w="sm" type="none"/>
-            <a:tailEnd len="sm" w="sm" type="none"/>
+            <a:headEnd type="none" w="sm" len="sm"/>
+            <a:tailEnd type="none" w="sm" len="sm"/>
           </a:ln>
         </p:spPr>
         <p:txBody>
-          <a:bodyPr anchorCtr="0" anchor="ctr" bIns="91425" lIns="91425" spcFirstLastPara="1" rIns="91425" wrap="square" tIns="91425">
+          <a:bodyPr spcFirstLastPara="1" wrap="square" lIns="91425" tIns="91425" rIns="91425" bIns="91425" anchor="ctr" anchorCtr="0">
             <a:noAutofit/>
           </a:bodyPr>
           <a:lstStyle/>
           <a:p>
-            <a:pPr indent="0" lvl="0" marL="0" rtl="0" algn="l">
+            <a:pPr marL="0" lvl="0" indent="0" algn="l" rtl="0">
               <a:spcBef>
                 <a:spcPts val="0"/>
               </a:spcBef>
@@ -6442,9 +6574,6 @@
               </a:spcAft>
               <a:buNone/>
             </a:pPr>
-            <a:r>
-              <a:t/>
-            </a:r>
             <a:endParaRPr/>
           </a:p>
         </p:txBody>
@@ -6452,9 +6581,11 @@
       <p:sp>
         <p:nvSpPr>
           <p:cNvPr id="60" name="Google Shape;60;p13"/>
-          <p:cNvSpPr txBox="1"/>
+          <p:cNvSpPr txBox="1">
+            <a:spLocks noGrp="1"/>
+          </p:cNvSpPr>
           <p:nvPr>
-            <p:ph idx="1" type="subTitle"/>
+            <p:ph type="subTitle" idx="1"/>
           </p:nvPr>
         </p:nvSpPr>
         <p:spPr>
@@ -6467,12 +6598,12 @@
           </a:prstGeom>
         </p:spPr>
         <p:txBody>
-          <a:bodyPr anchorCtr="0" anchor="t" bIns="91425" lIns="91425" spcFirstLastPara="1" rIns="91425" wrap="square" tIns="91425">
+          <a:bodyPr spcFirstLastPara="1" wrap="square" lIns="91425" tIns="91425" rIns="91425" bIns="91425" anchor="t" anchorCtr="0">
             <a:noAutofit/>
           </a:bodyPr>
           <a:lstStyle/>
           <a:p>
-            <a:pPr indent="0" lvl="0" marL="0" rtl="0" algn="ctr">
+            <a:pPr marL="0" lvl="0" indent="0" algn="ctr" rtl="0">
               <a:spcBef>
                 <a:spcPts val="0"/>
               </a:spcBef>
@@ -6509,7 +6640,7 @@
             </a:endParaRPr>
           </a:p>
           <a:p>
-            <a:pPr indent="0" lvl="0" marL="0" rtl="0" algn="ctr">
+            <a:pPr marL="0" lvl="0" indent="0" algn="ctr" rtl="0">
               <a:spcBef>
                 <a:spcPts val="0"/>
               </a:spcBef>
@@ -6557,7 +6688,9 @@
       <p:sp>
         <p:nvSpPr>
           <p:cNvPr id="62" name="Google Shape;62;p13"/>
-          <p:cNvSpPr txBox="1"/>
+          <p:cNvSpPr txBox="1">
+            <a:spLocks noGrp="1"/>
+          </p:cNvSpPr>
           <p:nvPr>
             <p:ph type="ctrTitle"/>
           </p:nvPr>
@@ -6572,12 +6705,12 @@
           </a:prstGeom>
         </p:spPr>
         <p:txBody>
-          <a:bodyPr anchorCtr="0" anchor="b" bIns="91425" lIns="91425" spcFirstLastPara="1" rIns="91425" wrap="square" tIns="91425">
+          <a:bodyPr spcFirstLastPara="1" wrap="square" lIns="91425" tIns="91425" rIns="91425" bIns="91425" anchor="b" anchorCtr="0">
             <a:noAutofit/>
           </a:bodyPr>
           <a:lstStyle/>
           <a:p>
-            <a:pPr indent="0" lvl="0" marL="0" rtl="0" algn="ctr">
+            <a:pPr marL="0" lvl="0" indent="0" algn="ctr" rtl="0">
               <a:spcBef>
                 <a:spcPts val="0"/>
               </a:spcBef>
@@ -6611,11 +6744,11 @@
 </file>
 
 <file path=ppt/slides/slide2.xml><?xml version="1.0" encoding="utf-8"?>
-<p:sld xmlns:a="http://schemas.openxmlformats.org/drawingml/2006/main" xmlns:r="http://schemas.openxmlformats.org/officeDocument/2006/relationships" xmlns:mc="http://schemas.openxmlformats.org/markup-compatibility/2006" xmlns:mv="urn:schemas-microsoft-com:mac:vml" xmlns:p="http://schemas.openxmlformats.org/presentationml/2006/main" xmlns:c="http://schemas.openxmlformats.org/drawingml/2006/chart" xmlns:dgm="http://schemas.openxmlformats.org/drawingml/2006/diagram" xmlns:o="urn:schemas-microsoft-com:office:office" xmlns:v="urn:schemas-microsoft-com:vml" xmlns:pvml="urn:schemas-microsoft-com:office:powerpoint" xmlns:com="http://schemas.openxmlformats.org/drawingml/2006/compatibility" xmlns:p14="http://schemas.microsoft.com/office/powerpoint/2010/main" xmlns:p15="http://schemas.microsoft.com/office/powerpoint/2012/main">
+<p:sld xmlns:a="http://schemas.openxmlformats.org/drawingml/2006/main" xmlns:r="http://schemas.openxmlformats.org/officeDocument/2006/relationships" xmlns:p="http://schemas.openxmlformats.org/presentationml/2006/main">
   <p:cSld>
     <p:spTree>
       <p:nvGrpSpPr>
-        <p:cNvPr id="66" name="Shape 66"/>
+        <p:cNvPr id="1" name="Shape 66"/>
         <p:cNvGrpSpPr/>
         <p:nvPr/>
       </p:nvGrpSpPr>
@@ -6650,14 +6783,14 @@
             <a:avLst/>
           </a:prstGeom>
           <a:noFill/>
-          <a:ln cap="flat" cmpd="sng" w="9525">
+          <a:ln w="9525" cap="flat" cmpd="sng">
             <a:solidFill>
               <a:srgbClr val="4A86E8"/>
             </a:solidFill>
             <a:prstDash val="solid"/>
             <a:round/>
-            <a:headEnd len="sm" w="sm" type="none"/>
-            <a:tailEnd len="sm" w="sm" type="none"/>
+            <a:headEnd type="none" w="sm" len="sm"/>
+            <a:tailEnd type="none" w="sm" len="sm"/>
           </a:ln>
         </p:spPr>
       </p:pic>
@@ -6668,38 +6801,38 @@
           <p:nvPr/>
         </p:nvSpPr>
         <p:spPr>
-          <a:xfrm flipH="1" rot="10800000">
+          <a:xfrm rot="10800000" flipH="1">
             <a:off x="1954075" y="1629125"/>
             <a:ext cx="696300" cy="1208400"/>
           </a:xfrm>
           <a:prstGeom prst="bentArrow">
             <a:avLst>
-              <a:gd fmla="val 25000" name="adj1"/>
-              <a:gd fmla="val 25000" name="adj2"/>
-              <a:gd fmla="val 25000" name="adj3"/>
-              <a:gd fmla="val 43750" name="adj4"/>
+              <a:gd name="adj1" fmla="val 25000"/>
+              <a:gd name="adj2" fmla="val 25000"/>
+              <a:gd name="adj3" fmla="val 25000"/>
+              <a:gd name="adj4" fmla="val 43750"/>
             </a:avLst>
           </a:prstGeom>
           <a:solidFill>
             <a:srgbClr val="FFFFFF"/>
           </a:solidFill>
-          <a:ln cap="flat" cmpd="sng" w="9525">
+          <a:ln w="9525" cap="flat" cmpd="sng">
             <a:solidFill>
               <a:srgbClr val="4A86E8"/>
             </a:solidFill>
             <a:prstDash val="solid"/>
             <a:round/>
-            <a:headEnd len="sm" w="sm" type="none"/>
-            <a:tailEnd len="sm" w="sm" type="none"/>
+            <a:headEnd type="none" w="sm" len="sm"/>
+            <a:tailEnd type="none" w="sm" len="sm"/>
           </a:ln>
         </p:spPr>
         <p:txBody>
-          <a:bodyPr anchorCtr="0" anchor="ctr" bIns="91425" lIns="91425" spcFirstLastPara="1" rIns="91425" wrap="square" tIns="91425">
+          <a:bodyPr spcFirstLastPara="1" wrap="square" lIns="91425" tIns="91425" rIns="91425" bIns="91425" anchor="ctr" anchorCtr="0">
             <a:noAutofit/>
           </a:bodyPr>
           <a:lstStyle/>
           <a:p>
-            <a:pPr indent="0" lvl="0" marL="0" rtl="0" algn="l">
+            <a:pPr marL="0" lvl="0" indent="0" algn="l" rtl="0">
               <a:spcBef>
                 <a:spcPts val="0"/>
               </a:spcBef>
@@ -6708,9 +6841,6 @@
               </a:spcAft>
               <a:buNone/>
             </a:pPr>
-            <a:r>
-              <a:t/>
-            </a:r>
             <a:endParaRPr/>
           </a:p>
         </p:txBody>
@@ -6718,7 +6848,9 @@
       <p:sp>
         <p:nvSpPr>
           <p:cNvPr id="69" name="Google Shape;69;p14"/>
-          <p:cNvSpPr txBox="1"/>
+          <p:cNvSpPr txBox="1">
+            <a:spLocks noGrp="1"/>
+          </p:cNvSpPr>
           <p:nvPr>
             <p:ph type="title"/>
           </p:nvPr>
@@ -6733,12 +6865,12 @@
           </a:prstGeom>
         </p:spPr>
         <p:txBody>
-          <a:bodyPr anchorCtr="0" anchor="t" bIns="91425" lIns="91425" spcFirstLastPara="1" rIns="91425" wrap="square" tIns="91425">
+          <a:bodyPr spcFirstLastPara="1" wrap="square" lIns="91425" tIns="91425" rIns="91425" bIns="91425" anchor="t" anchorCtr="0">
             <a:noAutofit/>
           </a:bodyPr>
           <a:lstStyle/>
           <a:p>
-            <a:pPr indent="0" lvl="0" marL="0" rtl="0" algn="l">
+            <a:pPr marL="0" lvl="0" indent="0" algn="l" rtl="0">
               <a:spcBef>
                 <a:spcPts val="0"/>
               </a:spcBef>
@@ -6766,9 +6898,11 @@
       <p:sp>
         <p:nvSpPr>
           <p:cNvPr id="70" name="Google Shape;70;p14"/>
-          <p:cNvSpPr txBox="1"/>
+          <p:cNvSpPr txBox="1">
+            <a:spLocks noGrp="1"/>
+          </p:cNvSpPr>
           <p:nvPr>
-            <p:ph idx="1" type="body"/>
+            <p:ph type="body" idx="1"/>
           </p:nvPr>
         </p:nvSpPr>
         <p:spPr>
@@ -6781,12 +6915,12 @@
           </a:prstGeom>
         </p:spPr>
         <p:txBody>
-          <a:bodyPr anchorCtr="0" anchor="t" bIns="91425" lIns="91425" spcFirstLastPara="1" rIns="91425" wrap="square" tIns="91425">
+          <a:bodyPr spcFirstLastPara="1" wrap="square" lIns="91425" tIns="91425" rIns="91425" bIns="91425" anchor="t" anchorCtr="0">
             <a:noAutofit/>
           </a:bodyPr>
           <a:lstStyle/>
           <a:p>
-            <a:pPr indent="0" lvl="0" marL="0" rtl="0" algn="l">
+            <a:pPr marL="0" lvl="0" indent="0" algn="l" rtl="0">
               <a:lnSpc>
                 <a:spcPct val="100000"/>
               </a:lnSpc>
@@ -6800,14 +6934,10 @@
             </a:pPr>
             <a:r>
               <a:rPr lang="en"/>
-              <a:t>After applying language detectors (Polyglot &amp; Spacy) to various documents in our corpus, the m</a:t>
+              <a:t>After applying language detectors (Polyglot &amp; Spacy) to various documents in our corpus, the majority of methods detected language as </a:t>
             </a:r>
             <a:r>
-              <a:rPr lang="en"/>
-              <a:t>ajority of methods detected language as </a:t>
-            </a:r>
-            <a:r>
-              <a:rPr b="1" lang="en">
+              <a:rPr lang="en" b="1">
                 <a:solidFill>
                   <a:srgbClr val="FFFFFF"/>
                 </a:solidFill>
@@ -6817,7 +6947,7 @@
             <a:endParaRPr/>
           </a:p>
           <a:p>
-            <a:pPr indent="-317500" lvl="1" marL="914400" rtl="0" algn="l">
+            <a:pPr marL="914400" lvl="1" indent="-317500" algn="l" rtl="0">
               <a:lnSpc>
                 <a:spcPct val="100000"/>
               </a:lnSpc>
@@ -6835,7 +6965,7 @@
               <a:t>Some documents in our corpus were detected as </a:t>
             </a:r>
             <a:r>
-              <a:rPr b="1" lang="en"/>
+              <a:rPr lang="en" b="1"/>
               <a:t>Malay</a:t>
             </a:r>
             <a:r>
@@ -6870,12 +7000,12 @@
           </a:ln>
         </p:spPr>
         <p:txBody>
-          <a:bodyPr anchorCtr="0" anchor="t" bIns="91425" lIns="91425" spcFirstLastPara="1" rIns="91425" wrap="square" tIns="91425">
+          <a:bodyPr spcFirstLastPara="1" wrap="square" lIns="91425" tIns="91425" rIns="91425" bIns="91425" anchor="t" anchorCtr="0">
             <a:noAutofit/>
           </a:bodyPr>
           <a:lstStyle/>
           <a:p>
-            <a:pPr indent="0" lvl="0" marL="0" rtl="0" algn="l">
+            <a:pPr marL="0" lvl="0" indent="0" algn="l" rtl="0">
               <a:spcBef>
                 <a:spcPts val="0"/>
               </a:spcBef>
@@ -6885,14 +7015,14 @@
               <a:buNone/>
             </a:pPr>
             <a:r>
-              <a:rPr i="1" lang="en" sz="900">
+              <a:rPr lang="en" sz="900" i="1">
                 <a:solidFill>
                   <a:srgbClr val="FFFFFF"/>
                 </a:solidFill>
               </a:rPr>
               <a:t>Excerpt of Language from Corpus 2</a:t>
             </a:r>
-            <a:endParaRPr i="1" sz="900">
+            <a:endParaRPr sz="900" i="1">
               <a:solidFill>
                 <a:srgbClr val="FFFFFF"/>
               </a:solidFill>
@@ -6948,12 +7078,12 @@
           </a:ln>
         </p:spPr>
         <p:txBody>
-          <a:bodyPr anchorCtr="0" anchor="t" bIns="91425" lIns="91425" spcFirstLastPara="1" rIns="91425" wrap="square" tIns="91425">
+          <a:bodyPr spcFirstLastPara="1" wrap="square" lIns="91425" tIns="91425" rIns="91425" bIns="91425" anchor="t" anchorCtr="0">
             <a:noAutofit/>
           </a:bodyPr>
           <a:lstStyle/>
           <a:p>
-            <a:pPr indent="0" lvl="0" marL="0" rtl="0" algn="l">
+            <a:pPr marL="0" lvl="0" indent="0" algn="l" rtl="0">
               <a:spcBef>
                 <a:spcPts val="0"/>
               </a:spcBef>
@@ -6963,14 +7093,14 @@
               <a:buNone/>
             </a:pPr>
             <a:r>
-              <a:rPr i="1" lang="en" sz="900">
+              <a:rPr lang="en" sz="900" i="1">
                 <a:solidFill>
                   <a:srgbClr val="FFFFFF"/>
                 </a:solidFill>
               </a:rPr>
               <a:t>Based on a 0.997 Spearman’s rank correlation, we are confident the language is Indonesian!</a:t>
             </a:r>
-            <a:endParaRPr i="1" sz="900">
+            <a:endParaRPr sz="900" i="1">
               <a:solidFill>
                 <a:srgbClr val="FFFFFF"/>
               </a:solidFill>
@@ -7026,12 +7156,12 @@
           </a:ln>
         </p:spPr>
         <p:txBody>
-          <a:bodyPr anchorCtr="0" anchor="ctr" bIns="91425" lIns="91425" spcFirstLastPara="1" rIns="91425" wrap="square" tIns="91425">
+          <a:bodyPr spcFirstLastPara="1" wrap="square" lIns="91425" tIns="91425" rIns="91425" bIns="91425" anchor="ctr" anchorCtr="0">
             <a:noAutofit/>
           </a:bodyPr>
           <a:lstStyle/>
           <a:p>
-            <a:pPr indent="0" lvl="0" marL="0" rtl="0" algn="r">
+            <a:pPr marL="0" lvl="0" indent="0" algn="r" rtl="0">
               <a:spcBef>
                 <a:spcPts val="0"/>
               </a:spcBef>
@@ -7041,7 +7171,7 @@
               <a:buNone/>
             </a:pPr>
             <a:r>
-              <a:rPr b="1" lang="en" sz="900">
+              <a:rPr lang="en" sz="900" b="1">
                 <a:solidFill>
                   <a:srgbClr val="FFFFFF"/>
                 </a:solidFill>
@@ -7049,7 +7179,7 @@
               <a:t>Apply </a:t>
             </a:r>
             <a:r>
-              <a:rPr b="1" lang="en" sz="900">
+              <a:rPr lang="en" sz="900" b="1">
                 <a:solidFill>
                   <a:srgbClr val="FFFFFF"/>
                 </a:solidFill>
@@ -7061,14 +7191,14 @@
               <a:t>udhr_identify.py </a:t>
             </a:r>
             <a:r>
-              <a:rPr b="1" lang="en" sz="900">
+              <a:rPr lang="en" sz="900" b="1">
                 <a:solidFill>
                   <a:srgbClr val="FFFFFF"/>
                 </a:solidFill>
               </a:rPr>
               <a:t>code, based on HW3 with a subset of languages</a:t>
             </a:r>
-            <a:endParaRPr b="1" sz="900">
+            <a:endParaRPr sz="900" b="1">
               <a:solidFill>
                 <a:srgbClr val="FFFFFF"/>
               </a:solidFill>
@@ -7085,11 +7215,11 @@
 </file>
 
 <file path=ppt/slides/slide3.xml><?xml version="1.0" encoding="utf-8"?>
-<p:sld xmlns:a="http://schemas.openxmlformats.org/drawingml/2006/main" xmlns:r="http://schemas.openxmlformats.org/officeDocument/2006/relationships" xmlns:mc="http://schemas.openxmlformats.org/markup-compatibility/2006" xmlns:mv="urn:schemas-microsoft-com:mac:vml" xmlns:p="http://schemas.openxmlformats.org/presentationml/2006/main" xmlns:c="http://schemas.openxmlformats.org/drawingml/2006/chart" xmlns:dgm="http://schemas.openxmlformats.org/drawingml/2006/diagram" xmlns:o="urn:schemas-microsoft-com:office:office" xmlns:v="urn:schemas-microsoft-com:vml" xmlns:pvml="urn:schemas-microsoft-com:office:powerpoint" xmlns:com="http://schemas.openxmlformats.org/drawingml/2006/compatibility" xmlns:p14="http://schemas.microsoft.com/office/powerpoint/2010/main" xmlns:p15="http://schemas.microsoft.com/office/powerpoint/2012/main">
+<p:sld xmlns:a="http://schemas.openxmlformats.org/drawingml/2006/main" xmlns:r="http://schemas.openxmlformats.org/officeDocument/2006/relationships" xmlns:p="http://schemas.openxmlformats.org/presentationml/2006/main">
   <p:cSld>
     <p:spTree>
       <p:nvGrpSpPr>
-        <p:cNvPr id="79" name="Shape 79"/>
+        <p:cNvPr id="1" name="Shape 79"/>
         <p:cNvGrpSpPr/>
         <p:nvPr/>
       </p:nvGrpSpPr>
@@ -7104,7 +7234,9 @@
       <p:sp>
         <p:nvSpPr>
           <p:cNvPr id="80" name="Google Shape;80;p15"/>
-          <p:cNvSpPr txBox="1"/>
+          <p:cNvSpPr txBox="1">
+            <a:spLocks noGrp="1"/>
+          </p:cNvSpPr>
           <p:nvPr>
             <p:ph type="title"/>
           </p:nvPr>
@@ -7119,12 +7251,12 @@
           </a:prstGeom>
         </p:spPr>
         <p:txBody>
-          <a:bodyPr anchorCtr="0" anchor="t" bIns="91425" lIns="91425" spcFirstLastPara="1" rIns="91425" wrap="square" tIns="91425">
+          <a:bodyPr spcFirstLastPara="1" wrap="square" lIns="91425" tIns="91425" rIns="91425" bIns="91425" anchor="t" anchorCtr="0">
             <a:noAutofit/>
           </a:bodyPr>
           <a:lstStyle/>
           <a:p>
-            <a:pPr indent="0" lvl="0" marL="0" rtl="0" algn="l">
+            <a:pPr marL="0" lvl="0" indent="0" algn="l" rtl="0">
               <a:spcBef>
                 <a:spcPts val="0"/>
               </a:spcBef>
@@ -7152,9 +7284,11 @@
       <p:sp>
         <p:nvSpPr>
           <p:cNvPr id="81" name="Google Shape;81;p15"/>
-          <p:cNvSpPr txBox="1"/>
+          <p:cNvSpPr txBox="1">
+            <a:spLocks noGrp="1"/>
+          </p:cNvSpPr>
           <p:nvPr>
-            <p:ph idx="1" type="body"/>
+            <p:ph type="body" idx="1"/>
           </p:nvPr>
         </p:nvSpPr>
         <p:spPr>
@@ -7167,12 +7301,12 @@
           </a:prstGeom>
         </p:spPr>
         <p:txBody>
-          <a:bodyPr anchorCtr="0" anchor="t" bIns="91425" lIns="91425" spcFirstLastPara="1" rIns="91425" wrap="square" tIns="91425">
+          <a:bodyPr spcFirstLastPara="1" wrap="square" lIns="91425" tIns="91425" rIns="91425" bIns="91425" anchor="t" anchorCtr="0">
             <a:noAutofit/>
           </a:bodyPr>
           <a:lstStyle/>
           <a:p>
-            <a:pPr indent="-342900" lvl="0" marL="457200" rtl="0" algn="l">
+            <a:pPr marL="457200" lvl="0" indent="-342900" algn="l" rtl="0">
               <a:spcBef>
                 <a:spcPts val="0"/>
               </a:spcBef>
@@ -7189,7 +7323,7 @@
             <a:endParaRPr/>
           </a:p>
           <a:p>
-            <a:pPr indent="-317500" lvl="1" marL="914400" rtl="0" algn="l">
+            <a:pPr marL="914400" lvl="1" indent="-317500" algn="l" rtl="0">
               <a:spcBef>
                 <a:spcPts val="0"/>
               </a:spcBef>
@@ -7206,7 +7340,7 @@
             <a:endParaRPr/>
           </a:p>
           <a:p>
-            <a:pPr indent="0" lvl="0" marL="0" rtl="0" algn="l">
+            <a:pPr marL="0" lvl="0" indent="0" algn="l" rtl="0">
               <a:spcBef>
                 <a:spcPts val="1600"/>
               </a:spcBef>
@@ -7215,9 +7349,6 @@
               </a:spcAft>
               <a:buNone/>
             </a:pPr>
-            <a:r>
-              <a:t/>
-            </a:r>
             <a:endParaRPr/>
           </a:p>
         </p:txBody>
@@ -7259,11 +7390,11 @@
 </file>
 
 <file path=ppt/slides/slide4.xml><?xml version="1.0" encoding="utf-8"?>
-<p:sld xmlns:a="http://schemas.openxmlformats.org/drawingml/2006/main" xmlns:r="http://schemas.openxmlformats.org/officeDocument/2006/relationships" xmlns:mc="http://schemas.openxmlformats.org/markup-compatibility/2006" xmlns:mv="urn:schemas-microsoft-com:mac:vml" xmlns:p="http://schemas.openxmlformats.org/presentationml/2006/main" xmlns:c="http://schemas.openxmlformats.org/drawingml/2006/chart" xmlns:dgm="http://schemas.openxmlformats.org/drawingml/2006/diagram" xmlns:o="urn:schemas-microsoft-com:office:office" xmlns:v="urn:schemas-microsoft-com:vml" xmlns:pvml="urn:schemas-microsoft-com:office:powerpoint" xmlns:com="http://schemas.openxmlformats.org/drawingml/2006/compatibility" xmlns:p14="http://schemas.microsoft.com/office/powerpoint/2010/main" xmlns:p15="http://schemas.microsoft.com/office/powerpoint/2012/main">
+<p:sld xmlns:a="http://schemas.openxmlformats.org/drawingml/2006/main" xmlns:r="http://schemas.openxmlformats.org/officeDocument/2006/relationships" xmlns:p="http://schemas.openxmlformats.org/presentationml/2006/main">
   <p:cSld>
     <p:spTree>
       <p:nvGrpSpPr>
-        <p:cNvPr id="86" name="Shape 86"/>
+        <p:cNvPr id="1" name="Shape 86"/>
         <p:cNvGrpSpPr/>
         <p:nvPr/>
       </p:nvGrpSpPr>
@@ -7298,14 +7429,14 @@
             <a:avLst/>
           </a:prstGeom>
           <a:noFill/>
-          <a:ln cap="flat" cmpd="sng" w="19050">
+          <a:ln w="19050" cap="flat" cmpd="sng">
             <a:solidFill>
               <a:srgbClr val="4A86E8"/>
             </a:solidFill>
             <a:prstDash val="solid"/>
             <a:round/>
-            <a:headEnd len="sm" w="sm" type="none"/>
-            <a:tailEnd len="sm" w="sm" type="none"/>
+            <a:headEnd type="none" w="sm" len="sm"/>
+            <a:tailEnd type="none" w="sm" len="sm"/>
           </a:ln>
         </p:spPr>
       </p:pic>
@@ -7316,38 +7447,38 @@
           <p:nvPr/>
         </p:nvSpPr>
         <p:spPr>
-          <a:xfrm flipH="1" rot="10800000">
+          <a:xfrm rot="10800000" flipH="1">
             <a:off x="1130525" y="1793825"/>
             <a:ext cx="696300" cy="1208400"/>
           </a:xfrm>
           <a:prstGeom prst="bentArrow">
             <a:avLst>
-              <a:gd fmla="val 25000" name="adj1"/>
-              <a:gd fmla="val 25000" name="adj2"/>
-              <a:gd fmla="val 25000" name="adj3"/>
-              <a:gd fmla="val 43750" name="adj4"/>
+              <a:gd name="adj1" fmla="val 25000"/>
+              <a:gd name="adj2" fmla="val 25000"/>
+              <a:gd name="adj3" fmla="val 25000"/>
+              <a:gd name="adj4" fmla="val 43750"/>
             </a:avLst>
           </a:prstGeom>
           <a:solidFill>
             <a:srgbClr val="FFFFFF"/>
           </a:solidFill>
-          <a:ln cap="flat" cmpd="sng" w="9525">
+          <a:ln w="9525" cap="flat" cmpd="sng">
             <a:solidFill>
               <a:srgbClr val="4A86E8"/>
             </a:solidFill>
             <a:prstDash val="solid"/>
             <a:round/>
-            <a:headEnd len="sm" w="sm" type="none"/>
-            <a:tailEnd len="sm" w="sm" type="none"/>
+            <a:headEnd type="none" w="sm" len="sm"/>
+            <a:tailEnd type="none" w="sm" len="sm"/>
           </a:ln>
         </p:spPr>
         <p:txBody>
-          <a:bodyPr anchorCtr="0" anchor="ctr" bIns="91425" lIns="91425" spcFirstLastPara="1" rIns="91425" wrap="square" tIns="91425">
+          <a:bodyPr spcFirstLastPara="1" wrap="square" lIns="91425" tIns="91425" rIns="91425" bIns="91425" anchor="ctr" anchorCtr="0">
             <a:noAutofit/>
           </a:bodyPr>
           <a:lstStyle/>
           <a:p>
-            <a:pPr indent="0" lvl="0" marL="0" rtl="0" algn="l">
+            <a:pPr marL="0" lvl="0" indent="0" algn="l" rtl="0">
               <a:spcBef>
                 <a:spcPts val="0"/>
               </a:spcBef>
@@ -7356,9 +7487,6 @@
               </a:spcAft>
               <a:buNone/>
             </a:pPr>
-            <a:r>
-              <a:t/>
-            </a:r>
             <a:endParaRPr/>
           </a:p>
         </p:txBody>
@@ -7366,7 +7494,9 @@
       <p:sp>
         <p:nvSpPr>
           <p:cNvPr id="89" name="Google Shape;89;p16"/>
-          <p:cNvSpPr txBox="1"/>
+          <p:cNvSpPr txBox="1">
+            <a:spLocks noGrp="1"/>
+          </p:cNvSpPr>
           <p:nvPr>
             <p:ph type="title"/>
           </p:nvPr>
@@ -7381,12 +7511,12 @@
           </a:prstGeom>
         </p:spPr>
         <p:txBody>
-          <a:bodyPr anchorCtr="0" anchor="t" bIns="91425" lIns="91425" spcFirstLastPara="1" rIns="91425" wrap="square" tIns="91425">
+          <a:bodyPr spcFirstLastPara="1" wrap="square" lIns="91425" tIns="91425" rIns="91425" bIns="91425" anchor="t" anchorCtr="0">
             <a:noAutofit/>
           </a:bodyPr>
           <a:lstStyle/>
           <a:p>
-            <a:pPr indent="0" lvl="0" marL="0" rtl="0" algn="l">
+            <a:pPr marL="0" lvl="0" indent="0" algn="l" rtl="0">
               <a:spcBef>
                 <a:spcPts val="0"/>
               </a:spcBef>
@@ -7414,9 +7544,11 @@
       <p:sp>
         <p:nvSpPr>
           <p:cNvPr id="90" name="Google Shape;90;p16"/>
-          <p:cNvSpPr txBox="1"/>
+          <p:cNvSpPr txBox="1">
+            <a:spLocks noGrp="1"/>
+          </p:cNvSpPr>
           <p:nvPr>
-            <p:ph idx="1" type="body"/>
+            <p:ph type="body" idx="1"/>
           </p:nvPr>
         </p:nvSpPr>
         <p:spPr>
@@ -7429,12 +7561,12 @@
           </a:prstGeom>
         </p:spPr>
         <p:txBody>
-          <a:bodyPr anchorCtr="0" anchor="t" bIns="91425" lIns="91425" spcFirstLastPara="1" rIns="91425" wrap="square" tIns="91425">
+          <a:bodyPr spcFirstLastPara="1" wrap="square" lIns="91425" tIns="91425" rIns="91425" bIns="91425" anchor="t" anchorCtr="0">
             <a:noAutofit/>
           </a:bodyPr>
           <a:lstStyle/>
           <a:p>
-            <a:pPr indent="-317500" lvl="0" marL="457200" rtl="0" algn="l">
+            <a:pPr marL="457200" lvl="0" indent="-317500" algn="l" rtl="0">
               <a:spcBef>
                 <a:spcPts val="0"/>
               </a:spcBef>
@@ -7456,7 +7588,7 @@
               <a:t> </a:t>
             </a:r>
             <a:r>
-              <a:rPr b="1" lang="en" sz="1400">
+              <a:rPr lang="en" sz="1400" b="1">
                 <a:solidFill>
                   <a:srgbClr val="FFFFFF"/>
                 </a:solidFill>
@@ -7478,7 +7610,7 @@
             </a:endParaRPr>
           </a:p>
           <a:p>
-            <a:pPr indent="0" lvl="0" marL="0" rtl="0" algn="l">
+            <a:pPr marL="0" lvl="0" indent="0" algn="l" rtl="0">
               <a:spcBef>
                 <a:spcPts val="1600"/>
               </a:spcBef>
@@ -7487,9 +7619,6 @@
               </a:spcAft>
               <a:buNone/>
             </a:pPr>
-            <a:r>
-              <a:t/>
-            </a:r>
             <a:endParaRPr sz="1400">
               <a:solidFill>
                 <a:srgbClr val="FFFFFF"/>
@@ -7497,7 +7626,7 @@
             </a:endParaRPr>
           </a:p>
           <a:p>
-            <a:pPr indent="0" lvl="0" marL="0" rtl="0" algn="l">
+            <a:pPr marL="0" lvl="0" indent="0" algn="l" rtl="0">
               <a:spcBef>
                 <a:spcPts val="1600"/>
               </a:spcBef>
@@ -7506,9 +7635,6 @@
               </a:spcAft>
               <a:buNone/>
             </a:pPr>
-            <a:r>
-              <a:t/>
-            </a:r>
             <a:endParaRPr sz="1400">
               <a:solidFill>
                 <a:srgbClr val="FFFFFF"/>
@@ -7516,7 +7642,7 @@
             </a:endParaRPr>
           </a:p>
           <a:p>
-            <a:pPr indent="0" lvl="0" marL="0" rtl="0" algn="l">
+            <a:pPr marL="0" lvl="0" indent="0" algn="l" rtl="0">
               <a:spcBef>
                 <a:spcPts val="1600"/>
               </a:spcBef>
@@ -7525,9 +7651,6 @@
               </a:spcAft>
               <a:buNone/>
             </a:pPr>
-            <a:r>
-              <a:t/>
-            </a:r>
             <a:endParaRPr sz="1400">
               <a:solidFill>
                 <a:srgbClr val="FFFFFF"/>
@@ -7612,12 +7735,12 @@
           </a:ln>
         </p:spPr>
         <p:txBody>
-          <a:bodyPr anchorCtr="0" anchor="t" bIns="91425" lIns="91425" spcFirstLastPara="1" rIns="91425" wrap="square" tIns="91425">
+          <a:bodyPr spcFirstLastPara="1" wrap="square" lIns="91425" tIns="91425" rIns="91425" bIns="91425" anchor="t" anchorCtr="0">
             <a:noAutofit/>
           </a:bodyPr>
           <a:lstStyle/>
           <a:p>
-            <a:pPr indent="0" lvl="0" marL="0" rtl="0" algn="l">
+            <a:pPr marL="0" lvl="0" indent="0" algn="l" rtl="0">
               <a:spcBef>
                 <a:spcPts val="0"/>
               </a:spcBef>
@@ -7627,14 +7750,14 @@
               <a:buNone/>
             </a:pPr>
             <a:r>
-              <a:rPr i="1" lang="en" sz="900">
+              <a:rPr lang="en" sz="900" i="1">
                 <a:solidFill>
                   <a:srgbClr val="FFFFFF"/>
                 </a:solidFill>
               </a:rPr>
               <a:t>NLTK indicates ‘dunia’ is a noun</a:t>
             </a:r>
-            <a:endParaRPr i="1" sz="900">
+            <a:endParaRPr sz="900" i="1">
               <a:solidFill>
                 <a:srgbClr val="FFFFFF"/>
               </a:solidFill>
@@ -7662,12 +7785,12 @@
           </a:ln>
         </p:spPr>
         <p:txBody>
-          <a:bodyPr anchorCtr="0" anchor="ctr" bIns="91425" lIns="91425" spcFirstLastPara="1" rIns="91425" wrap="square" tIns="91425">
+          <a:bodyPr spcFirstLastPara="1" wrap="square" lIns="91425" tIns="91425" rIns="91425" bIns="91425" anchor="ctr" anchorCtr="0">
             <a:noAutofit/>
           </a:bodyPr>
           <a:lstStyle/>
           <a:p>
-            <a:pPr indent="0" lvl="0" marL="0" rtl="0" algn="l">
+            <a:pPr marL="0" lvl="0" indent="0" algn="l" rtl="0">
               <a:lnSpc>
                 <a:spcPct val="100000"/>
               </a:lnSpc>
@@ -7698,9 +7821,11 @@
       <p:sp>
         <p:nvSpPr>
           <p:cNvPr id="95" name="Google Shape;95;p16"/>
-          <p:cNvSpPr txBox="1"/>
+          <p:cNvSpPr txBox="1">
+            <a:spLocks noGrp="1"/>
+          </p:cNvSpPr>
           <p:nvPr>
-            <p:ph idx="1" type="body"/>
+            <p:ph type="body" idx="1"/>
           </p:nvPr>
         </p:nvSpPr>
         <p:spPr>
@@ -7713,12 +7838,12 @@
           </a:prstGeom>
         </p:spPr>
         <p:txBody>
-          <a:bodyPr anchorCtr="0" anchor="t" bIns="91425" lIns="91425" spcFirstLastPara="1" rIns="91425" wrap="square" tIns="91425">
+          <a:bodyPr spcFirstLastPara="1" wrap="square" lIns="91425" tIns="91425" rIns="91425" bIns="91425" anchor="t" anchorCtr="0">
             <a:noAutofit/>
           </a:bodyPr>
           <a:lstStyle/>
           <a:p>
-            <a:pPr indent="-317500" lvl="0" marL="457200" rtl="0" algn="l">
+            <a:pPr marL="457200" lvl="0" indent="-317500" algn="l" rtl="0">
               <a:spcBef>
                 <a:spcPts val="0"/>
               </a:spcBef>
@@ -7746,7 +7871,7 @@
             </a:endParaRPr>
           </a:p>
           <a:p>
-            <a:pPr indent="-317500" lvl="0" marL="457200" rtl="0" algn="l">
+            <a:pPr marL="457200" lvl="0" indent="-317500" algn="l" rtl="0">
               <a:spcBef>
                 <a:spcPts val="0"/>
               </a:spcBef>
@@ -7768,7 +7893,7 @@
               <a:t>Based on our research, Indonesian sentence word order is similar to English, using a </a:t>
             </a:r>
             <a:r>
-              <a:rPr b="1" lang="en" sz="1400">
+              <a:rPr lang="en" sz="1400" b="1">
                 <a:solidFill>
                   <a:srgbClr val="FFFFFF"/>
                 </a:solidFill>
@@ -7790,7 +7915,7 @@
             </a:endParaRPr>
           </a:p>
           <a:p>
-            <a:pPr indent="0" lvl="0" marL="0" rtl="0" algn="l">
+            <a:pPr marL="0" lvl="0" indent="0" algn="l" rtl="0">
               <a:spcBef>
                 <a:spcPts val="1600"/>
               </a:spcBef>
@@ -7799,9 +7924,6 @@
               </a:spcAft>
               <a:buNone/>
             </a:pPr>
-            <a:r>
-              <a:t/>
-            </a:r>
             <a:endParaRPr sz="1400">
               <a:solidFill>
                 <a:srgbClr val="FFFFFF"/>
@@ -7809,7 +7931,7 @@
             </a:endParaRPr>
           </a:p>
           <a:p>
-            <a:pPr indent="0" lvl="0" marL="0" rtl="0" algn="l">
+            <a:pPr marL="0" lvl="0" indent="0" algn="l" rtl="0">
               <a:spcBef>
                 <a:spcPts val="1600"/>
               </a:spcBef>
@@ -7818,9 +7940,6 @@
               </a:spcAft>
               <a:buNone/>
             </a:pPr>
-            <a:r>
-              <a:t/>
-            </a:r>
             <a:endParaRPr sz="1400">
               <a:solidFill>
                 <a:srgbClr val="FFFFFF"/>
@@ -7828,7 +7947,7 @@
             </a:endParaRPr>
           </a:p>
           <a:p>
-            <a:pPr indent="0" lvl="0" marL="0" rtl="0" algn="l">
+            <a:pPr marL="0" lvl="0" indent="0" algn="l" rtl="0">
               <a:spcBef>
                 <a:spcPts val="1600"/>
               </a:spcBef>
@@ -7837,9 +7956,6 @@
               </a:spcAft>
               <a:buNone/>
             </a:pPr>
-            <a:r>
-              <a:t/>
-            </a:r>
             <a:endParaRPr sz="1400">
               <a:solidFill>
                 <a:srgbClr val="FFFFFF"/>
@@ -7863,23 +7979,23 @@
             <a:avLst/>
           </a:prstGeom>
           <a:noFill/>
-          <a:ln cap="flat" cmpd="sng" w="19050">
+          <a:ln w="19050" cap="flat" cmpd="sng">
             <a:solidFill>
               <a:srgbClr val="4A86E8"/>
             </a:solidFill>
             <a:prstDash val="solid"/>
             <a:round/>
-            <a:headEnd len="sm" w="sm" type="none"/>
-            <a:tailEnd len="sm" w="sm" type="none"/>
+            <a:headEnd type="none" w="sm" len="sm"/>
+            <a:tailEnd type="none" w="sm" len="sm"/>
           </a:ln>
         </p:spPr>
         <p:txBody>
-          <a:bodyPr anchorCtr="0" anchor="ctr" bIns="91425" lIns="91425" spcFirstLastPara="1" rIns="91425" wrap="square" tIns="91425">
+          <a:bodyPr spcFirstLastPara="1" wrap="square" lIns="91425" tIns="91425" rIns="91425" bIns="91425" anchor="ctr" anchorCtr="0">
             <a:noAutofit/>
           </a:bodyPr>
           <a:lstStyle/>
           <a:p>
-            <a:pPr indent="0" lvl="0" marL="0" rtl="0" algn="l">
+            <a:pPr marL="0" lvl="0" indent="0" algn="l" rtl="0">
               <a:spcBef>
                 <a:spcPts val="0"/>
               </a:spcBef>
@@ -7924,12 +8040,12 @@
           </a:ln>
         </p:spPr>
         <p:txBody>
-          <a:bodyPr anchorCtr="0" anchor="t" bIns="91425" lIns="91425" spcFirstLastPara="1" rIns="91425" wrap="square" tIns="91425">
+          <a:bodyPr spcFirstLastPara="1" wrap="square" lIns="91425" tIns="91425" rIns="91425" bIns="91425" anchor="t" anchorCtr="0">
             <a:noAutofit/>
           </a:bodyPr>
           <a:lstStyle/>
           <a:p>
-            <a:pPr indent="0" lvl="0" marL="0" rtl="0" algn="l">
+            <a:pPr marL="0" lvl="0" indent="0" algn="l" rtl="0">
               <a:spcBef>
                 <a:spcPts val="0"/>
               </a:spcBef>
@@ -7939,14 +8055,14 @@
               <a:buNone/>
             </a:pPr>
             <a:r>
-              <a:rPr i="1" lang="en" sz="900">
+              <a:rPr lang="en" sz="900" i="1">
                 <a:solidFill>
                   <a:srgbClr val="FFFFFF"/>
                 </a:solidFill>
               </a:rPr>
               <a:t>Excerpt of NLTK PoS Tagging</a:t>
             </a:r>
-            <a:endParaRPr i="1" sz="900">
+            <a:endParaRPr sz="900" i="1">
               <a:solidFill>
                 <a:srgbClr val="FFFFFF"/>
               </a:solidFill>
@@ -7963,11 +8079,11 @@
 </file>
 
 <file path=ppt/slides/slide5.xml><?xml version="1.0" encoding="utf-8"?>
-<p:sld xmlns:a="http://schemas.openxmlformats.org/drawingml/2006/main" xmlns:r="http://schemas.openxmlformats.org/officeDocument/2006/relationships" xmlns:mc="http://schemas.openxmlformats.org/markup-compatibility/2006" xmlns:mv="urn:schemas-microsoft-com:mac:vml" xmlns:p="http://schemas.openxmlformats.org/presentationml/2006/main" xmlns:c="http://schemas.openxmlformats.org/drawingml/2006/chart" xmlns:dgm="http://schemas.openxmlformats.org/drawingml/2006/diagram" xmlns:o="urn:schemas-microsoft-com:office:office" xmlns:v="urn:schemas-microsoft-com:vml" xmlns:pvml="urn:schemas-microsoft-com:office:powerpoint" xmlns:com="http://schemas.openxmlformats.org/drawingml/2006/compatibility" xmlns:p14="http://schemas.microsoft.com/office/powerpoint/2010/main" xmlns:p15="http://schemas.microsoft.com/office/powerpoint/2012/main">
+<p:sld xmlns:a="http://schemas.openxmlformats.org/drawingml/2006/main" xmlns:r="http://schemas.openxmlformats.org/officeDocument/2006/relationships" xmlns:p="http://schemas.openxmlformats.org/presentationml/2006/main">
   <p:cSld>
     <p:spTree>
       <p:nvGrpSpPr>
-        <p:cNvPr id="101" name="Shape 101"/>
+        <p:cNvPr id="1" name="Shape 101"/>
         <p:cNvGrpSpPr/>
         <p:nvPr/>
       </p:nvGrpSpPr>
@@ -7982,7 +8098,9 @@
       <p:sp>
         <p:nvSpPr>
           <p:cNvPr id="102" name="Google Shape;102;p17"/>
-          <p:cNvSpPr txBox="1"/>
+          <p:cNvSpPr txBox="1">
+            <a:spLocks noGrp="1"/>
+          </p:cNvSpPr>
           <p:nvPr>
             <p:ph type="title"/>
           </p:nvPr>
@@ -7997,12 +8115,12 @@
           </a:prstGeom>
         </p:spPr>
         <p:txBody>
-          <a:bodyPr anchorCtr="0" anchor="t" bIns="91425" lIns="91425" spcFirstLastPara="1" rIns="91425" wrap="square" tIns="91425">
+          <a:bodyPr spcFirstLastPara="1" wrap="square" lIns="91425" tIns="91425" rIns="91425" bIns="91425" anchor="t" anchorCtr="0">
             <a:noAutofit/>
           </a:bodyPr>
           <a:lstStyle/>
           <a:p>
-            <a:pPr indent="0" lvl="0" marL="0" rtl="0" algn="l">
+            <a:pPr marL="0" lvl="0" indent="0" algn="l" rtl="0">
               <a:spcBef>
                 <a:spcPts val="0"/>
               </a:spcBef>
@@ -8017,15 +8135,7 @@
                   <a:srgbClr val="4A86E8"/>
                 </a:solidFill>
               </a:rPr>
-              <a:t>Elasticsearch</a:t>
-            </a:r>
-            <a:r>
-              <a:rPr lang="en">
-                <a:solidFill>
-                  <a:srgbClr val="4A86E8"/>
-                </a:solidFill>
-              </a:rPr>
-              <a:t> Index</a:t>
+              <a:t>Elasticsearch Index</a:t>
             </a:r>
             <a:endParaRPr>
               <a:solidFill>
@@ -8038,9 +8148,11 @@
       <p:sp>
         <p:nvSpPr>
           <p:cNvPr id="103" name="Google Shape;103;p17"/>
-          <p:cNvSpPr txBox="1"/>
+          <p:cNvSpPr txBox="1">
+            <a:spLocks noGrp="1"/>
+          </p:cNvSpPr>
           <p:nvPr>
-            <p:ph idx="1" type="body"/>
+            <p:ph type="body" idx="1"/>
           </p:nvPr>
         </p:nvSpPr>
         <p:spPr>
@@ -8053,12 +8165,12 @@
           </a:prstGeom>
         </p:spPr>
         <p:txBody>
-          <a:bodyPr anchorCtr="0" anchor="t" bIns="91425" lIns="91425" spcFirstLastPara="1" rIns="91425" wrap="square" tIns="91425">
+          <a:bodyPr spcFirstLastPara="1" wrap="square" lIns="91425" tIns="91425" rIns="91425" bIns="91425" anchor="t" anchorCtr="0">
             <a:noAutofit/>
           </a:bodyPr>
           <a:lstStyle/>
           <a:p>
-            <a:pPr indent="0" lvl="0" marL="0" rtl="0" algn="l">
+            <a:pPr marL="0" lvl="0" indent="0" algn="l" rtl="0">
               <a:lnSpc>
                 <a:spcPct val="100000"/>
               </a:lnSpc>
@@ -8093,7 +8205,7 @@
             </a:endParaRPr>
           </a:p>
           <a:p>
-            <a:pPr indent="-317500" lvl="0" marL="457200" rtl="0" algn="l">
+            <a:pPr marL="457200" lvl="0" indent="-317500" algn="l" rtl="0">
               <a:lnSpc>
                 <a:spcPct val="100000"/>
               </a:lnSpc>
@@ -8157,7 +8269,7 @@
             </a:endParaRPr>
           </a:p>
           <a:p>
-            <a:pPr indent="-317500" lvl="0" marL="457200" rtl="0" algn="l">
+            <a:pPr marL="457200" lvl="0" indent="-317500" algn="l" rtl="0">
               <a:lnSpc>
                 <a:spcPct val="100000"/>
               </a:lnSpc>
@@ -8197,7 +8309,7 @@
             </a:endParaRPr>
           </a:p>
           <a:p>
-            <a:pPr indent="0" lvl="0" marL="0" rtl="0" algn="l">
+            <a:pPr marL="0" lvl="0" indent="0" algn="l" rtl="0">
               <a:lnSpc>
                 <a:spcPct val="100000"/>
               </a:lnSpc>
@@ -8209,10 +8321,7 @@
               </a:spcAft>
               <a:buNone/>
             </a:pPr>
-            <a:r>
-              <a:t/>
-            </a:r>
-            <a:endParaRPr i="1" sz="1200">
+            <a:endParaRPr sz="1200" i="1">
               <a:solidFill>
                 <a:srgbClr val="FFFFFF"/>
               </a:solidFill>
@@ -8223,7 +8332,7 @@
             </a:endParaRPr>
           </a:p>
           <a:p>
-            <a:pPr indent="0" lvl="0" marL="0" rtl="0" algn="l">
+            <a:pPr marL="0" lvl="0" indent="0" algn="l" rtl="0">
               <a:lnSpc>
                 <a:spcPct val="100000"/>
               </a:lnSpc>
@@ -8235,10 +8344,7 @@
               </a:spcAft>
               <a:buNone/>
             </a:pPr>
-            <a:r>
-              <a:t/>
-            </a:r>
-            <a:endParaRPr i="1" sz="1200">
+            <a:endParaRPr sz="1200" i="1">
               <a:solidFill>
                 <a:srgbClr val="FFFFFF"/>
               </a:solidFill>
@@ -8249,7 +8355,7 @@
             </a:endParaRPr>
           </a:p>
           <a:p>
-            <a:pPr indent="0" lvl="0" marL="0" rtl="0" algn="l">
+            <a:pPr marL="0" lvl="0" indent="0" algn="l" rtl="0">
               <a:lnSpc>
                 <a:spcPct val="100000"/>
               </a:lnSpc>
@@ -8261,10 +8367,7 @@
               </a:spcAft>
               <a:buNone/>
             </a:pPr>
-            <a:r>
-              <a:t/>
-            </a:r>
-            <a:endParaRPr i="1" sz="1200">
+            <a:endParaRPr sz="1200" i="1">
               <a:solidFill>
                 <a:srgbClr val="FFFFFF"/>
               </a:solidFill>
@@ -8275,7 +8378,7 @@
             </a:endParaRPr>
           </a:p>
           <a:p>
-            <a:pPr indent="0" lvl="0" marL="0" rtl="0" algn="l">
+            <a:pPr marL="0" lvl="0" indent="0" algn="l" rtl="0">
               <a:lnSpc>
                 <a:spcPct val="100000"/>
               </a:lnSpc>
@@ -8287,10 +8390,7 @@
               </a:spcAft>
               <a:buNone/>
             </a:pPr>
-            <a:r>
-              <a:t/>
-            </a:r>
-            <a:endParaRPr i="1" sz="1200">
+            <a:endParaRPr sz="1200" i="1">
               <a:solidFill>
                 <a:srgbClr val="FFFFFF"/>
               </a:solidFill>
@@ -8353,14 +8453,14 @@
             <a:avLst/>
           </a:prstGeom>
           <a:noFill/>
-          <a:ln cap="flat" cmpd="sng" w="19050">
+          <a:ln w="19050" cap="flat" cmpd="sng">
             <a:solidFill>
               <a:srgbClr val="4A86E8"/>
             </a:solidFill>
             <a:prstDash val="solid"/>
             <a:round/>
-            <a:headEnd len="sm" w="sm" type="none"/>
-            <a:tailEnd len="sm" w="sm" type="none"/>
+            <a:headEnd type="none" w="sm" len="sm"/>
+            <a:tailEnd type="none" w="sm" len="sm"/>
           </a:ln>
         </p:spPr>
       </p:pic>
@@ -8373,7 +8473,288 @@
 </file>
 
 <file path=ppt/theme/theme1.xml><?xml version="1.0" encoding="utf-8"?>
-<a:theme xmlns:a="http://schemas.openxmlformats.org/drawingml/2006/main" xmlns:r="http://schemas.openxmlformats.org/officeDocument/2006/relationships">
+<a:theme xmlns:a="http://schemas.openxmlformats.org/drawingml/2006/main" name="Slate">
+  <a:themeElements>
+    <a:clrScheme name="Slate">
+      <a:dk1>
+        <a:srgbClr val="FFFFFF"/>
+      </a:dk1>
+      <a:lt1>
+        <a:srgbClr val="37474F"/>
+      </a:lt1>
+      <a:dk2>
+        <a:srgbClr val="9E9E9E"/>
+      </a:dk2>
+      <a:lt2>
+        <a:srgbClr val="E0E0E0"/>
+      </a:lt2>
+      <a:accent1>
+        <a:srgbClr val="616161"/>
+      </a:accent1>
+      <a:accent2>
+        <a:srgbClr val="78909C"/>
+      </a:accent2>
+      <a:accent3>
+        <a:srgbClr val="CACACA"/>
+      </a:accent3>
+      <a:accent4>
+        <a:srgbClr val="64FFDA"/>
+      </a:accent4>
+      <a:accent5>
+        <a:srgbClr val="FFD966"/>
+      </a:accent5>
+      <a:accent6>
+        <a:srgbClr val="F5F5F5"/>
+      </a:accent6>
+      <a:hlink>
+        <a:srgbClr val="FFD966"/>
+      </a:hlink>
+      <a:folHlink>
+        <a:srgbClr val="FFD966"/>
+      </a:folHlink>
+    </a:clrScheme>
+    <a:fontScheme name="Office">
+      <a:majorFont>
+        <a:latin typeface="Arial"/>
+        <a:ea typeface=""/>
+        <a:cs typeface=""/>
+        <a:font script="Jpan" typeface="ＭＳ Ｐゴシック"/>
+        <a:font script="Hang" typeface="맑은 고딕"/>
+        <a:font script="Hans" typeface="宋体"/>
+        <a:font script="Hant" typeface="新細明體"/>
+        <a:font script="Arab" typeface="Times New Roman"/>
+        <a:font script="Hebr" typeface="Times New Roman"/>
+        <a:font script="Thai" typeface="Angsana New"/>
+        <a:font script="Ethi" typeface="Nyala"/>
+        <a:font script="Beng" typeface="Vrinda"/>
+        <a:font script="Gujr" typeface="Shruti"/>
+        <a:font script="Khmr" typeface="MoolBoran"/>
+        <a:font script="Knda" typeface="Tunga"/>
+        <a:font script="Guru" typeface="Raavi"/>
+        <a:font script="Cans" typeface="Euphemia"/>
+        <a:font script="Cher" typeface="Plantagenet Cherokee"/>
+        <a:font script="Yiii" typeface="Microsoft Yi Baiti"/>
+        <a:font script="Tibt" typeface="Microsoft Himalaya"/>
+        <a:font script="Thaa" typeface="MV Boli"/>
+        <a:font script="Deva" typeface="Mangal"/>
+        <a:font script="Telu" typeface="Gautami"/>
+        <a:font script="Taml" typeface="Latha"/>
+        <a:font script="Syrc" typeface="Estrangelo Edessa"/>
+        <a:font script="Orya" typeface="Kalinga"/>
+        <a:font script="Mlym" typeface="Kartika"/>
+        <a:font script="Laoo" typeface="DokChampa"/>
+        <a:font script="Sinh" typeface="Iskoola Pota"/>
+        <a:font script="Mong" typeface="Mongolian Baiti"/>
+        <a:font script="Viet" typeface="Times New Roman"/>
+        <a:font script="Uigh" typeface="Microsoft Uighur"/>
+        <a:font script="Geor" typeface="Sylfaen"/>
+      </a:majorFont>
+      <a:minorFont>
+        <a:latin typeface="Arial"/>
+        <a:ea typeface=""/>
+        <a:cs typeface=""/>
+        <a:font script="Jpan" typeface="ＭＳ Ｐゴシック"/>
+        <a:font script="Hang" typeface="맑은 고딕"/>
+        <a:font script="Hans" typeface="宋体"/>
+        <a:font script="Hant" typeface="新細明體"/>
+        <a:font script="Arab" typeface="Arial"/>
+        <a:font script="Hebr" typeface="Arial"/>
+        <a:font script="Thai" typeface="Cordia New"/>
+        <a:font script="Ethi" typeface="Nyala"/>
+        <a:font script="Beng" typeface="Vrinda"/>
+        <a:font script="Gujr" typeface="Shruti"/>
+        <a:font script="Khmr" typeface="DaunPenh"/>
+        <a:font script="Knda" typeface="Tunga"/>
+        <a:font script="Guru" typeface="Raavi"/>
+        <a:font script="Cans" typeface="Euphemia"/>
+        <a:font script="Cher" typeface="Plantagenet Cherokee"/>
+        <a:font script="Yiii" typeface="Microsoft Yi Baiti"/>
+        <a:font script="Tibt" typeface="Microsoft Himalaya"/>
+        <a:font script="Thaa" typeface="MV Boli"/>
+        <a:font script="Deva" typeface="Mangal"/>
+        <a:font script="Telu" typeface="Gautami"/>
+        <a:font script="Taml" typeface="Latha"/>
+        <a:font script="Syrc" typeface="Estrangelo Edessa"/>
+        <a:font script="Orya" typeface="Kalinga"/>
+        <a:font script="Mlym" typeface="Kartika"/>
+        <a:font script="Laoo" typeface="DokChampa"/>
+        <a:font script="Sinh" typeface="Iskoola Pota"/>
+        <a:font script="Mong" typeface="Mongolian Baiti"/>
+        <a:font script="Viet" typeface="Arial"/>
+        <a:font script="Uigh" typeface="Microsoft Uighur"/>
+        <a:font script="Geor" typeface="Sylfaen"/>
+      </a:minorFont>
+    </a:fontScheme>
+    <a:fmtScheme name="Office">
+      <a:fillStyleLst>
+        <a:solidFill>
+          <a:schemeClr val="phClr"/>
+        </a:solidFill>
+        <a:gradFill rotWithShape="1">
+          <a:gsLst>
+            <a:gs pos="0">
+              <a:schemeClr val="phClr">
+                <a:tint val="50000"/>
+                <a:satMod val="300000"/>
+              </a:schemeClr>
+            </a:gs>
+            <a:gs pos="35000">
+              <a:schemeClr val="phClr">
+                <a:tint val="37000"/>
+                <a:satMod val="300000"/>
+              </a:schemeClr>
+            </a:gs>
+            <a:gs pos="100000">
+              <a:schemeClr val="phClr">
+                <a:tint val="15000"/>
+                <a:satMod val="350000"/>
+              </a:schemeClr>
+            </a:gs>
+          </a:gsLst>
+          <a:lin ang="16200000" scaled="1"/>
+        </a:gradFill>
+        <a:gradFill rotWithShape="1">
+          <a:gsLst>
+            <a:gs pos="0">
+              <a:schemeClr val="phClr">
+                <a:tint val="100000"/>
+                <a:shade val="100000"/>
+                <a:satMod val="130000"/>
+              </a:schemeClr>
+            </a:gs>
+            <a:gs pos="100000">
+              <a:schemeClr val="phClr">
+                <a:tint val="50000"/>
+                <a:shade val="100000"/>
+                <a:satMod val="350000"/>
+              </a:schemeClr>
+            </a:gs>
+          </a:gsLst>
+          <a:lin ang="16200000" scaled="0"/>
+        </a:gradFill>
+      </a:fillStyleLst>
+      <a:lnStyleLst>
+        <a:ln w="9525" cap="flat" cmpd="sng" algn="ctr">
+          <a:solidFill>
+            <a:schemeClr val="phClr">
+              <a:shade val="95000"/>
+              <a:satMod val="105000"/>
+            </a:schemeClr>
+          </a:solidFill>
+          <a:prstDash val="solid"/>
+        </a:ln>
+        <a:ln w="25400" cap="flat" cmpd="sng" algn="ctr">
+          <a:solidFill>
+            <a:schemeClr val="phClr"/>
+          </a:solidFill>
+          <a:prstDash val="solid"/>
+        </a:ln>
+        <a:ln w="38100" cap="flat" cmpd="sng" algn="ctr">
+          <a:solidFill>
+            <a:schemeClr val="phClr"/>
+          </a:solidFill>
+          <a:prstDash val="solid"/>
+        </a:ln>
+      </a:lnStyleLst>
+      <a:effectStyleLst>
+        <a:effectStyle>
+          <a:effectLst>
+            <a:outerShdw blurRad="40000" dist="20000" dir="5400000" rotWithShape="0">
+              <a:srgbClr val="000000">
+                <a:alpha val="38000"/>
+              </a:srgbClr>
+            </a:outerShdw>
+          </a:effectLst>
+        </a:effectStyle>
+        <a:effectStyle>
+          <a:effectLst>
+            <a:outerShdw blurRad="40000" dist="23000" dir="5400000" rotWithShape="0">
+              <a:srgbClr val="000000">
+                <a:alpha val="35000"/>
+              </a:srgbClr>
+            </a:outerShdw>
+          </a:effectLst>
+        </a:effectStyle>
+        <a:effectStyle>
+          <a:effectLst>
+            <a:outerShdw blurRad="40000" dist="23000" dir="5400000" rotWithShape="0">
+              <a:srgbClr val="000000">
+                <a:alpha val="35000"/>
+              </a:srgbClr>
+            </a:outerShdw>
+          </a:effectLst>
+          <a:scene3d>
+            <a:camera prst="orthographicFront">
+              <a:rot lat="0" lon="0" rev="0"/>
+            </a:camera>
+            <a:lightRig rig="threePt" dir="t">
+              <a:rot lat="0" lon="0" rev="1200000"/>
+            </a:lightRig>
+          </a:scene3d>
+          <a:sp3d>
+            <a:bevelT w="63500" h="25400"/>
+          </a:sp3d>
+        </a:effectStyle>
+      </a:effectStyleLst>
+      <a:bgFillStyleLst>
+        <a:solidFill>
+          <a:schemeClr val="phClr"/>
+        </a:solidFill>
+        <a:gradFill rotWithShape="1">
+          <a:gsLst>
+            <a:gs pos="0">
+              <a:schemeClr val="phClr">
+                <a:tint val="40000"/>
+                <a:satMod val="350000"/>
+              </a:schemeClr>
+            </a:gs>
+            <a:gs pos="40000">
+              <a:schemeClr val="phClr">
+                <a:tint val="45000"/>
+                <a:shade val="99000"/>
+                <a:satMod val="350000"/>
+              </a:schemeClr>
+            </a:gs>
+            <a:gs pos="100000">
+              <a:schemeClr val="phClr">
+                <a:shade val="20000"/>
+                <a:satMod val="255000"/>
+              </a:schemeClr>
+            </a:gs>
+          </a:gsLst>
+          <a:path path="circle">
+            <a:fillToRect l="50000" t="-80000" r="50000" b="180000"/>
+          </a:path>
+        </a:gradFill>
+        <a:gradFill rotWithShape="1">
+          <a:gsLst>
+            <a:gs pos="0">
+              <a:schemeClr val="phClr">
+                <a:tint val="80000"/>
+                <a:satMod val="300000"/>
+              </a:schemeClr>
+            </a:gs>
+            <a:gs pos="100000">
+              <a:schemeClr val="phClr">
+                <a:shade val="30000"/>
+                <a:satMod val="200000"/>
+              </a:schemeClr>
+            </a:gs>
+          </a:gsLst>
+          <a:path path="circle">
+            <a:fillToRect l="50000" t="50000" r="50000" b="50000"/>
+          </a:path>
+        </a:gradFill>
+      </a:bgFillStyleLst>
+    </a:fmtScheme>
+  </a:themeElements>
+  <a:objectDefaults/>
+  <a:extraClrSchemeLst/>
+</a:theme>
+</file>
+
+<file path=ppt/theme/theme2.xml><?xml version="1.0" encoding="utf-8"?>
+<a:theme xmlns:a="http://schemas.openxmlformats.org/drawingml/2006/main">
   <a:themeElements>
     <a:clrScheme name="Default">
       <a:dk1>
@@ -8648,284 +9029,7 @@
       </a:bgFillStyleLst>
     </a:fmtScheme>
   </a:themeElements>
-</a:theme>
-</file>
-
-<file path=ppt/theme/theme2.xml><?xml version="1.0" encoding="utf-8"?>
-<a:theme xmlns:a="http://schemas.openxmlformats.org/drawingml/2006/main" xmlns:r="http://schemas.openxmlformats.org/officeDocument/2006/relationships" name="Slate">
-  <a:themeElements>
-    <a:clrScheme name="Slate">
-      <a:dk1>
-        <a:srgbClr val="FFFFFF"/>
-      </a:dk1>
-      <a:lt1>
-        <a:srgbClr val="37474F"/>
-      </a:lt1>
-      <a:dk2>
-        <a:srgbClr val="9E9E9E"/>
-      </a:dk2>
-      <a:lt2>
-        <a:srgbClr val="E0E0E0"/>
-      </a:lt2>
-      <a:accent1>
-        <a:srgbClr val="616161"/>
-      </a:accent1>
-      <a:accent2>
-        <a:srgbClr val="78909C"/>
-      </a:accent2>
-      <a:accent3>
-        <a:srgbClr val="CACACA"/>
-      </a:accent3>
-      <a:accent4>
-        <a:srgbClr val="64FFDA"/>
-      </a:accent4>
-      <a:accent5>
-        <a:srgbClr val="FFD966"/>
-      </a:accent5>
-      <a:accent6>
-        <a:srgbClr val="F5F5F5"/>
-      </a:accent6>
-      <a:hlink>
-        <a:srgbClr val="FFD966"/>
-      </a:hlink>
-      <a:folHlink>
-        <a:srgbClr val="FFD966"/>
-      </a:folHlink>
-    </a:clrScheme>
-    <a:fontScheme name="Office">
-      <a:majorFont>
-        <a:latin typeface="Arial"/>
-        <a:ea typeface=""/>
-        <a:cs typeface=""/>
-        <a:font script="Jpan" typeface="ＭＳ Ｐゴシック"/>
-        <a:font script="Hang" typeface="맑은 고딕"/>
-        <a:font script="Hans" typeface="宋体"/>
-        <a:font script="Hant" typeface="新細明體"/>
-        <a:font script="Arab" typeface="Times New Roman"/>
-        <a:font script="Hebr" typeface="Times New Roman"/>
-        <a:font script="Thai" typeface="Angsana New"/>
-        <a:font script="Ethi" typeface="Nyala"/>
-        <a:font script="Beng" typeface="Vrinda"/>
-        <a:font script="Gujr" typeface="Shruti"/>
-        <a:font script="Khmr" typeface="MoolBoran"/>
-        <a:font script="Knda" typeface="Tunga"/>
-        <a:font script="Guru" typeface="Raavi"/>
-        <a:font script="Cans" typeface="Euphemia"/>
-        <a:font script="Cher" typeface="Plantagenet Cherokee"/>
-        <a:font script="Yiii" typeface="Microsoft Yi Baiti"/>
-        <a:font script="Tibt" typeface="Microsoft Himalaya"/>
-        <a:font script="Thaa" typeface="MV Boli"/>
-        <a:font script="Deva" typeface="Mangal"/>
-        <a:font script="Telu" typeface="Gautami"/>
-        <a:font script="Taml" typeface="Latha"/>
-        <a:font script="Syrc" typeface="Estrangelo Edessa"/>
-        <a:font script="Orya" typeface="Kalinga"/>
-        <a:font script="Mlym" typeface="Kartika"/>
-        <a:font script="Laoo" typeface="DokChampa"/>
-        <a:font script="Sinh" typeface="Iskoola Pota"/>
-        <a:font script="Mong" typeface="Mongolian Baiti"/>
-        <a:font script="Viet" typeface="Times New Roman"/>
-        <a:font script="Uigh" typeface="Microsoft Uighur"/>
-        <a:font script="Geor" typeface="Sylfaen"/>
-      </a:majorFont>
-      <a:minorFont>
-        <a:latin typeface="Arial"/>
-        <a:ea typeface=""/>
-        <a:cs typeface=""/>
-        <a:font script="Jpan" typeface="ＭＳ Ｐゴシック"/>
-        <a:font script="Hang" typeface="맑은 고딕"/>
-        <a:font script="Hans" typeface="宋体"/>
-        <a:font script="Hant" typeface="新細明體"/>
-        <a:font script="Arab" typeface="Arial"/>
-        <a:font script="Hebr" typeface="Arial"/>
-        <a:font script="Thai" typeface="Cordia New"/>
-        <a:font script="Ethi" typeface="Nyala"/>
-        <a:font script="Beng" typeface="Vrinda"/>
-        <a:font script="Gujr" typeface="Shruti"/>
-        <a:font script="Khmr" typeface="DaunPenh"/>
-        <a:font script="Knda" typeface="Tunga"/>
-        <a:font script="Guru" typeface="Raavi"/>
-        <a:font script="Cans" typeface="Euphemia"/>
-        <a:font script="Cher" typeface="Plantagenet Cherokee"/>
-        <a:font script="Yiii" typeface="Microsoft Yi Baiti"/>
-        <a:font script="Tibt" typeface="Microsoft Himalaya"/>
-        <a:font script="Thaa" typeface="MV Boli"/>
-        <a:font script="Deva" typeface="Mangal"/>
-        <a:font script="Telu" typeface="Gautami"/>
-        <a:font script="Taml" typeface="Latha"/>
-        <a:font script="Syrc" typeface="Estrangelo Edessa"/>
-        <a:font script="Orya" typeface="Kalinga"/>
-        <a:font script="Mlym" typeface="Kartika"/>
-        <a:font script="Laoo" typeface="DokChampa"/>
-        <a:font script="Sinh" typeface="Iskoola Pota"/>
-        <a:font script="Mong" typeface="Mongolian Baiti"/>
-        <a:font script="Viet" typeface="Arial"/>
-        <a:font script="Uigh" typeface="Microsoft Uighur"/>
-        <a:font script="Geor" typeface="Sylfaen"/>
-      </a:minorFont>
-    </a:fontScheme>
-    <a:fmtScheme name="Office">
-      <a:fillStyleLst>
-        <a:solidFill>
-          <a:schemeClr val="phClr"/>
-        </a:solidFill>
-        <a:gradFill rotWithShape="1">
-          <a:gsLst>
-            <a:gs pos="0">
-              <a:schemeClr val="phClr">
-                <a:tint val="50000"/>
-                <a:satMod val="300000"/>
-              </a:schemeClr>
-            </a:gs>
-            <a:gs pos="35000">
-              <a:schemeClr val="phClr">
-                <a:tint val="37000"/>
-                <a:satMod val="300000"/>
-              </a:schemeClr>
-            </a:gs>
-            <a:gs pos="100000">
-              <a:schemeClr val="phClr">
-                <a:tint val="15000"/>
-                <a:satMod val="350000"/>
-              </a:schemeClr>
-            </a:gs>
-          </a:gsLst>
-          <a:lin ang="16200000" scaled="1"/>
-        </a:gradFill>
-        <a:gradFill rotWithShape="1">
-          <a:gsLst>
-            <a:gs pos="0">
-              <a:schemeClr val="phClr">
-                <a:tint val="100000"/>
-                <a:shade val="100000"/>
-                <a:satMod val="130000"/>
-              </a:schemeClr>
-            </a:gs>
-            <a:gs pos="100000">
-              <a:schemeClr val="phClr">
-                <a:tint val="50000"/>
-                <a:shade val="100000"/>
-                <a:satMod val="350000"/>
-              </a:schemeClr>
-            </a:gs>
-          </a:gsLst>
-          <a:lin ang="16200000" scaled="0"/>
-        </a:gradFill>
-      </a:fillStyleLst>
-      <a:lnStyleLst>
-        <a:ln w="9525" cap="flat" cmpd="sng" algn="ctr">
-          <a:solidFill>
-            <a:schemeClr val="phClr">
-              <a:shade val="95000"/>
-              <a:satMod val="105000"/>
-            </a:schemeClr>
-          </a:solidFill>
-          <a:prstDash val="solid"/>
-        </a:ln>
-        <a:ln w="25400" cap="flat" cmpd="sng" algn="ctr">
-          <a:solidFill>
-            <a:schemeClr val="phClr"/>
-          </a:solidFill>
-          <a:prstDash val="solid"/>
-        </a:ln>
-        <a:ln w="38100" cap="flat" cmpd="sng" algn="ctr">
-          <a:solidFill>
-            <a:schemeClr val="phClr"/>
-          </a:solidFill>
-          <a:prstDash val="solid"/>
-        </a:ln>
-      </a:lnStyleLst>
-      <a:effectStyleLst>
-        <a:effectStyle>
-          <a:effectLst>
-            <a:outerShdw blurRad="40000" dist="20000" dir="5400000" rotWithShape="0">
-              <a:srgbClr val="000000">
-                <a:alpha val="38000"/>
-              </a:srgbClr>
-            </a:outerShdw>
-          </a:effectLst>
-        </a:effectStyle>
-        <a:effectStyle>
-          <a:effectLst>
-            <a:outerShdw blurRad="40000" dist="23000" dir="5400000" rotWithShape="0">
-              <a:srgbClr val="000000">
-                <a:alpha val="35000"/>
-              </a:srgbClr>
-            </a:outerShdw>
-          </a:effectLst>
-        </a:effectStyle>
-        <a:effectStyle>
-          <a:effectLst>
-            <a:outerShdw blurRad="40000" dist="23000" dir="5400000" rotWithShape="0">
-              <a:srgbClr val="000000">
-                <a:alpha val="35000"/>
-              </a:srgbClr>
-            </a:outerShdw>
-          </a:effectLst>
-          <a:scene3d>
-            <a:camera prst="orthographicFront">
-              <a:rot lat="0" lon="0" rev="0"/>
-            </a:camera>
-            <a:lightRig rig="threePt" dir="t">
-              <a:rot lat="0" lon="0" rev="1200000"/>
-            </a:lightRig>
-          </a:scene3d>
-          <a:sp3d>
-            <a:bevelT w="63500" h="25400"/>
-          </a:sp3d>
-        </a:effectStyle>
-      </a:effectStyleLst>
-      <a:bgFillStyleLst>
-        <a:solidFill>
-          <a:schemeClr val="phClr"/>
-        </a:solidFill>
-        <a:gradFill rotWithShape="1">
-          <a:gsLst>
-            <a:gs pos="0">
-              <a:schemeClr val="phClr">
-                <a:tint val="40000"/>
-                <a:satMod val="350000"/>
-              </a:schemeClr>
-            </a:gs>
-            <a:gs pos="40000">
-              <a:schemeClr val="phClr">
-                <a:tint val="45000"/>
-                <a:shade val="99000"/>
-                <a:satMod val="350000"/>
-              </a:schemeClr>
-            </a:gs>
-            <a:gs pos="100000">
-              <a:schemeClr val="phClr">
-                <a:shade val="20000"/>
-                <a:satMod val="255000"/>
-              </a:schemeClr>
-            </a:gs>
-          </a:gsLst>
-          <a:path path="circle">
-            <a:fillToRect l="50000" t="-80000" r="50000" b="180000"/>
-          </a:path>
-        </a:gradFill>
-        <a:gradFill rotWithShape="1">
-          <a:gsLst>
-            <a:gs pos="0">
-              <a:schemeClr val="phClr">
-                <a:tint val="80000"/>
-                <a:satMod val="300000"/>
-              </a:schemeClr>
-            </a:gs>
-            <a:gs pos="100000">
-              <a:schemeClr val="phClr">
-                <a:shade val="30000"/>
-                <a:satMod val="200000"/>
-              </a:schemeClr>
-            </a:gs>
-          </a:gsLst>
-          <a:path path="circle">
-            <a:fillToRect l="50000" t="50000" r="50000" b="50000"/>
-          </a:path>
-        </a:gradFill>
-      </a:bgFillStyleLst>
-    </a:fmtScheme>
-  </a:themeElements>
+  <a:objectDefaults/>
+  <a:extraClrSchemeLst/>
 </a:theme>
 </file>